--- a/청음지능 인수인계.pptx
+++ b/청음지능 인수인계.pptx
@@ -4619,21 +4619,156 @@
         <p:spPr/>
         <p:txBody>
           <a:bodyPr>
-            <a:normAutofit/>
+            <a:normAutofit lnSpcReduction="10000"/>
           </a:bodyPr>
           <a:lstStyle/>
           <a:p>
-            <a:r>
-              <a:rPr lang="en-US" altLang="ko-KR" dirty="0"/>
-              <a:t>pip</a:t>
-            </a:r>
-            <a:r>
-              <a:rPr lang="ko-KR" altLang="en-US" dirty="0"/>
+            <a:pPr>
+              <a:lnSpc>
+                <a:spcPct val="150000"/>
+              </a:lnSpc>
+            </a:pPr>
+            <a:r>
+              <a:rPr lang="ko-KR" altLang="en-US" dirty="0"/>
+              <a:t>설치 전 새로운 </a:t>
+            </a:r>
+            <a:r>
+              <a:rPr lang="en-US" altLang="ko-KR" dirty="0" err="1"/>
+              <a:t>Conda</a:t>
+            </a:r>
+            <a:r>
+              <a:rPr lang="en-US" altLang="ko-KR" dirty="0"/>
               <a:t> </a:t>
             </a:r>
             <a:r>
-              <a:rPr lang="en-US" altLang="ko-KR"/>
-              <a:t>install requirement.txt</a:t>
+              <a:rPr lang="ko-KR" altLang="en-US" dirty="0"/>
+              <a:t>환경 생성 추천</a:t>
+            </a:r>
+            <a:endParaRPr lang="en-US" altLang="ko-KR" dirty="0"/>
+          </a:p>
+          <a:p>
+            <a:pPr>
+              <a:lnSpc>
+                <a:spcPct val="150000"/>
+              </a:lnSpc>
+            </a:pPr>
+            <a:r>
+              <a:rPr lang="en-US" altLang="ko-KR" dirty="0"/>
+              <a:t>git clone </a:t>
+            </a:r>
+            <a:r>
+              <a:rPr lang="en-US" altLang="ko-KR" dirty="0">
+                <a:hlinkClick r:id="rId2"/>
+              </a:rPr>
+              <a:t>https://github.com/cid2rrrr/DRUMMM.git</a:t>
+            </a:r>
+            <a:endParaRPr lang="en-US" altLang="ko-KR" dirty="0"/>
+          </a:p>
+          <a:p>
+            <a:pPr marL="0" indent="0">
+              <a:lnSpc>
+                <a:spcPct val="150000"/>
+              </a:lnSpc>
+              <a:buNone/>
+            </a:pPr>
+            <a:r>
+              <a:rPr lang="en-US" altLang="ko-KR" dirty="0"/>
+              <a:t>	</a:t>
+            </a:r>
+            <a:r>
+              <a:rPr lang="ko-KR" altLang="en-US" dirty="0"/>
+              <a:t>혹은 직접 다운로드</a:t>
+            </a:r>
+            <a:endParaRPr lang="en-US" altLang="ko-KR" dirty="0"/>
+          </a:p>
+          <a:p>
+            <a:pPr>
+              <a:lnSpc>
+                <a:spcPct val="150000"/>
+              </a:lnSpc>
+            </a:pPr>
+            <a:r>
+              <a:rPr lang="en-US" altLang="ko-KR" dirty="0" err="1"/>
+              <a:t>pythonpip</a:t>
+            </a:r>
+            <a:r>
+              <a:rPr lang="ko-KR" altLang="en-US" dirty="0"/>
+              <a:t> </a:t>
+            </a:r>
+            <a:r>
+              <a:rPr lang="en-US" altLang="ko-KR" dirty="0"/>
+              <a:t>install requirements.txt</a:t>
+            </a:r>
+          </a:p>
+          <a:p>
+            <a:pPr>
+              <a:lnSpc>
+                <a:spcPct val="150000"/>
+              </a:lnSpc>
+            </a:pPr>
+            <a:r>
+              <a:rPr lang="ko-KR" altLang="en-US" dirty="0"/>
+              <a:t>프로젝트 내 </a:t>
+            </a:r>
+            <a:r>
+              <a:rPr lang="en-US" altLang="ko-KR" dirty="0"/>
+              <a:t>.</a:t>
+            </a:r>
+            <a:r>
+              <a:rPr lang="en-US" altLang="ko-KR" dirty="0" err="1"/>
+              <a:t>ckpt</a:t>
+            </a:r>
+            <a:r>
+              <a:rPr lang="en-US" altLang="ko-KR" dirty="0"/>
+              <a:t>/ </a:t>
+            </a:r>
+            <a:r>
+              <a:rPr lang="ko-KR" altLang="en-US" dirty="0"/>
+              <a:t>폴더에 </a:t>
+            </a:r>
+            <a:r>
+              <a:rPr lang="en-US" altLang="ko-KR" dirty="0" err="1"/>
+              <a:t>cnn</a:t>
+            </a:r>
+            <a:r>
+              <a:rPr lang="en-US" altLang="ko-KR" dirty="0"/>
+              <a:t>/ </a:t>
+            </a:r>
+            <a:r>
+              <a:rPr lang="en-US" altLang="ko-KR" dirty="0" err="1"/>
+              <a:t>rnn</a:t>
+            </a:r>
+            <a:r>
+              <a:rPr lang="en-US" altLang="ko-KR" dirty="0"/>
+              <a:t>/ </a:t>
+            </a:r>
+            <a:r>
+              <a:rPr lang="ko-KR" altLang="en-US" dirty="0"/>
+              <a:t>폴더 생성 및 가중치 파일 붙여넣기 </a:t>
+            </a:r>
+            <a:r>
+              <a:rPr lang="en-US" altLang="ko-KR" dirty="0"/>
+              <a:t>(</a:t>
+            </a:r>
+            <a:r>
+              <a:rPr lang="ko-KR" altLang="en-US" dirty="0"/>
+              <a:t>용량 문제로 </a:t>
+            </a:r>
+            <a:r>
+              <a:rPr lang="en-US" altLang="ko-KR" dirty="0" err="1"/>
+              <a:t>github</a:t>
+            </a:r>
+            <a:r>
+              <a:rPr lang="en-US" altLang="ko-KR" dirty="0"/>
+              <a:t> </a:t>
+            </a:r>
+            <a:r>
+              <a:rPr lang="ko-KR" altLang="en-US" dirty="0"/>
+              <a:t>내에 업로드 불가</a:t>
+            </a:r>
+            <a:r>
+              <a:rPr lang="en-US" altLang="ko-KR" dirty="0"/>
+              <a:t>)</a:t>
             </a:r>
             <a:endParaRPr lang="ko-KR" altLang="en-US" dirty="0"/>
           </a:p>
@@ -5279,7 +5414,7 @@
             </a:r>
             <a:r>
               <a:rPr lang="en-US" altLang="ko-KR" dirty="0"/>
-              <a:t> parser </a:t>
+              <a:t> </a:t>
             </a:r>
             <a:r>
               <a:rPr lang="ko-KR" altLang="en-US" dirty="0"/>
@@ -5349,7 +5484,7 @@
             </a:r>
             <a:r>
               <a:rPr lang="ko-KR" altLang="en-US" dirty="0"/>
-              <a:t>추가 시 장치목록만을 출력함</a:t>
+              <a:t>추가 시 장치목록만을 출력하고 프로그램 종료</a:t>
             </a:r>
             <a:endParaRPr lang="en-US" altLang="ko-KR" dirty="0"/>
           </a:p>
@@ -5362,7 +5497,10 @@
               <a:rPr lang="en-US" altLang="ko-KR" dirty="0" err="1"/>
               <a:t>record_idx</a:t>
             </a:r>
-            <a:endParaRPr lang="en-US" altLang="ko-KR" dirty="0"/>
+            <a:r>
+              <a:rPr lang="en-US" altLang="ko-KR" dirty="0"/>
+              <a:t> [num]</a:t>
+            </a:r>
           </a:p>
           <a:p>
             <a:pPr lvl="1"/>
@@ -5380,9 +5518,20 @@
             </a:r>
             <a:r>
               <a:rPr lang="ko-KR" altLang="en-US" dirty="0"/>
-              <a:t>를 지정해줌</a:t>
-            </a:r>
-            <a:endParaRPr lang="en-US" altLang="ko-KR" dirty="0"/>
+              <a:t>를 지정해줌 </a:t>
+            </a:r>
+            <a:r>
+              <a:rPr lang="en-US" altLang="ko-KR" dirty="0"/>
+              <a:t>ex) --</a:t>
+            </a:r>
+            <a:r>
+              <a:rPr lang="en-US" altLang="ko-KR" dirty="0" err="1"/>
+              <a:t>record_idx</a:t>
+            </a:r>
+            <a:r>
+              <a:rPr lang="en-US" altLang="ko-KR" dirty="0"/>
+              <a:t> 2</a:t>
+            </a:r>
           </a:p>
           <a:p>
             <a:pPr lvl="1"/>
@@ -5402,7 +5551,7 @@
           <a:p>
             <a:r>
               <a:rPr lang="en-US" altLang="ko-KR" dirty="0"/>
-              <a:t>--wav</a:t>
+              <a:t>--wav “filename.wav”</a:t>
             </a:r>
           </a:p>
           <a:p>

--- a/청음지능 인수인계.pptx
+++ b/청음지능 인수인계.pptx
@@ -4536,9 +4536,34 @@
           </a:p>
           <a:p>
             <a:r>
-              <a:rPr lang="en-US" altLang="ko-KR" dirty="0"/>
-              <a:t>////</a:t>
-            </a:r>
+              <a:rPr lang="ko-KR" altLang="en-US" dirty="0"/>
+              <a:t>실시간 생성은 </a:t>
+            </a:r>
+            <a:r>
+              <a:rPr lang="ko-KR" altLang="en-US" dirty="0" err="1"/>
+              <a:t>청크</a:t>
+            </a:r>
+            <a:r>
+              <a:rPr lang="ko-KR" altLang="en-US" dirty="0"/>
+              <a:t> 단위로 동작을 생성하기 때문에 </a:t>
+            </a:r>
+            <a:r>
+              <a:rPr lang="ko-KR" altLang="en-US" dirty="0" err="1"/>
+              <a:t>청크</a:t>
+            </a:r>
+            <a:r>
+              <a:rPr lang="en-US" altLang="ko-KR" dirty="0"/>
+              <a:t>-</a:t>
+            </a:r>
+            <a:r>
+              <a:rPr lang="ko-KR" altLang="en-US" dirty="0" err="1"/>
+              <a:t>청크</a:t>
+            </a:r>
+            <a:r>
+              <a:rPr lang="ko-KR" altLang="en-US" dirty="0"/>
+              <a:t> 간 손 매핑에 문제가 생길 가능성 있음</a:t>
+            </a:r>
+            <a:endParaRPr lang="en-US" altLang="ko-KR" dirty="0"/>
           </a:p>
         </p:txBody>
       </p:sp>
@@ -4619,7 +4644,7 @@
         <p:spPr/>
         <p:txBody>
           <a:bodyPr>
-            <a:normAutofit lnSpcReduction="10000"/>
+            <a:normAutofit fontScale="77500" lnSpcReduction="20000"/>
           </a:bodyPr>
           <a:lstStyle/>
           <a:p>
@@ -4688,16 +4713,8 @@
               </a:lnSpc>
             </a:pPr>
             <a:r>
-              <a:rPr lang="en-US" altLang="ko-KR" dirty="0" err="1"/>
-              <a:t>pythonpip</a:t>
-            </a:r>
-            <a:r>
-              <a:rPr lang="ko-KR" altLang="en-US" dirty="0"/>
-              <a:t> </a:t>
-            </a:r>
-            <a:r>
-              <a:rPr lang="en-US" altLang="ko-KR" dirty="0"/>
-              <a:t>install requirements.txt</a:t>
+              <a:rPr lang="en-US" altLang="ko-KR" dirty="0"/>
+              <a:t>cd DRUMMM</a:t>
             </a:r>
           </a:p>
           <a:p>
@@ -4707,6 +4724,58 @@
               </a:lnSpc>
             </a:pPr>
             <a:r>
+              <a:rPr lang="en-US" altLang="ko-KR" dirty="0"/>
+              <a:t>python3 –m pip</a:t>
+            </a:r>
+            <a:r>
+              <a:rPr lang="ko-KR" altLang="en-US" dirty="0"/>
+              <a:t> </a:t>
+            </a:r>
+            <a:r>
+              <a:rPr lang="en-US" altLang="ko-KR" dirty="0"/>
+              <a:t>install -r ./requirements/requirements.txt</a:t>
+            </a:r>
+          </a:p>
+          <a:p>
+            <a:pPr marL="0" indent="0">
+              <a:lnSpc>
+                <a:spcPct val="150000"/>
+              </a:lnSpc>
+              <a:buNone/>
+            </a:pPr>
+            <a:r>
+              <a:rPr lang="en-US" altLang="ko-KR" dirty="0"/>
+              <a:t>	</a:t>
+            </a:r>
+            <a:r>
+              <a:rPr lang="ko-KR" altLang="en-US" dirty="0"/>
+              <a:t>필요시 </a:t>
+            </a:r>
+            <a:r>
+              <a:rPr lang="en-US" altLang="ko-KR" dirty="0"/>
+              <a:t>pip install </a:t>
+            </a:r>
+            <a:r>
+              <a:rPr lang="en-US" altLang="ko-KR" dirty="0" err="1"/>
+              <a:t>numpy</a:t>
+            </a:r>
+            <a:r>
+              <a:rPr lang="en-US" altLang="ko-KR" dirty="0"/>
+              <a:t>==1.19.2 </a:t>
+            </a:r>
+            <a:r>
+              <a:rPr lang="ko-KR" altLang="en-US" dirty="0"/>
+              <a:t>추가 입력</a:t>
+            </a:r>
+            <a:endParaRPr lang="en-US" altLang="ko-KR" dirty="0"/>
+          </a:p>
+          <a:p>
+            <a:pPr>
+              <a:lnSpc>
+                <a:spcPct val="150000"/>
+              </a:lnSpc>
+            </a:pPr>
+            <a:r>
               <a:rPr lang="ko-KR" altLang="en-US" dirty="0"/>
               <a:t>프로젝트 내 </a:t>
             </a:r>
@@ -4724,27 +4793,7 @@
             </a:r>
             <a:r>
               <a:rPr lang="ko-KR" altLang="en-US" dirty="0"/>
-              <a:t>폴더에 </a:t>
-            </a:r>
-            <a:r>
-              <a:rPr lang="en-US" altLang="ko-KR" dirty="0" err="1"/>
-              <a:t>cnn</a:t>
-            </a:r>
-            <a:r>
-              <a:rPr lang="en-US" altLang="ko-KR" dirty="0"/>
-              <a:t>/ </a:t>
-            </a:r>
-            <a:r>
-              <a:rPr lang="en-US" altLang="ko-KR" dirty="0" err="1"/>
-              <a:t>rnn</a:t>
-            </a:r>
-            <a:r>
-              <a:rPr lang="en-US" altLang="ko-KR" dirty="0"/>
-              <a:t>/ </a:t>
-            </a:r>
-            <a:r>
-              <a:rPr lang="ko-KR" altLang="en-US" dirty="0"/>
-              <a:t>폴더 생성 및 가중치 파일 붙여넣기 </a:t>
+              <a:t>폴더 및 가중치 파일 붙여넣기 </a:t>
             </a:r>
             <a:r>
               <a:rPr lang="en-US" altLang="ko-KR" dirty="0"/>

--- a/청음지능 인수인계.pptx
+++ b/청음지능 인수인계.pptx
@@ -4222,6 +4222,10 @@
             <a:endParaRPr lang="en-US" altLang="ko-KR" dirty="0"/>
           </a:p>
           <a:p>
+            <a:pPr lvl="2"/>
+            <a:endParaRPr lang="en-US" altLang="ko-KR" dirty="0"/>
+          </a:p>
+          <a:p>
             <a:pPr lvl="1"/>
             <a:r>
               <a:rPr lang="en-US" altLang="ko-KR" dirty="0"/>
@@ -4644,7 +4648,7 @@
         <p:spPr/>
         <p:txBody>
           <a:bodyPr>
-            <a:normAutofit fontScale="77500" lnSpcReduction="20000"/>
+            <a:normAutofit fontScale="62500" lnSpcReduction="20000"/>
           </a:bodyPr>
           <a:lstStyle/>
           <a:p>
@@ -4776,8 +4780,30 @@
               </a:lnSpc>
             </a:pPr>
             <a:r>
-              <a:rPr lang="ko-KR" altLang="en-US" dirty="0"/>
-              <a:t>프로젝트 내 </a:t>
+              <a:rPr lang="en-US" altLang="ko-KR" dirty="0">
+                <a:hlinkClick r:id="rId3"/>
+              </a:rPr>
+              <a:t>https://kist.gov-dooray.com/share/drive-files/m1olidaukdr7.clBWzda0QMmTPxJDFumAjQ</a:t>
+            </a:r>
+            <a:endParaRPr lang="en-US" altLang="ko-KR" dirty="0"/>
+          </a:p>
+          <a:p>
+            <a:pPr>
+              <a:lnSpc>
+                <a:spcPct val="150000"/>
+              </a:lnSpc>
+            </a:pPr>
+            <a:r>
+              <a:rPr lang="ko-KR" altLang="en-US" dirty="0"/>
+              <a:t> 위 파일 다운로드</a:t>
+            </a:r>
+            <a:r>
+              <a:rPr lang="en-US" altLang="ko-KR" dirty="0"/>
+              <a:t>/</a:t>
+            </a:r>
+            <a:r>
+              <a:rPr lang="ko-KR" altLang="en-US" dirty="0"/>
+              <a:t>압축해제 후 프로젝트 내 </a:t>
             </a:r>
             <a:r>
               <a:rPr lang="en-US" altLang="ko-KR" dirty="0"/>
@@ -4793,31 +4819,27 @@
             </a:r>
             <a:r>
               <a:rPr lang="ko-KR" altLang="en-US" dirty="0"/>
-              <a:t>폴더 및 가중치 파일 붙여넣기 </a:t>
-            </a:r>
-            <a:r>
-              <a:rPr lang="en-US" altLang="ko-KR" dirty="0"/>
-              <a:t>(</a:t>
-            </a:r>
-            <a:r>
-              <a:rPr lang="ko-KR" altLang="en-US" dirty="0"/>
-              <a:t>용량 문제로 </a:t>
-            </a:r>
-            <a:r>
-              <a:rPr lang="en-US" altLang="ko-KR" dirty="0" err="1"/>
-              <a:t>github</a:t>
-            </a:r>
-            <a:r>
-              <a:rPr lang="en-US" altLang="ko-KR" dirty="0"/>
-              <a:t> </a:t>
-            </a:r>
-            <a:r>
-              <a:rPr lang="ko-KR" altLang="en-US" dirty="0"/>
-              <a:t>내에 업로드 불가</a:t>
-            </a:r>
-            <a:r>
-              <a:rPr lang="en-US" altLang="ko-KR" dirty="0"/>
-              <a:t>)</a:t>
+              <a:t>폴더 및 가중치 파일 붙여넣기</a:t>
+            </a:r>
+            <a:endParaRPr lang="en-US" altLang="ko-KR" dirty="0"/>
+          </a:p>
+          <a:p>
+            <a:pPr lvl="1">
+              <a:lnSpc>
+                <a:spcPct val="150000"/>
+              </a:lnSpc>
+            </a:pPr>
+            <a:r>
+              <a:rPr lang="en-US" altLang="ko-KR" dirty="0"/>
+              <a:t>!!! </a:t>
+            </a:r>
+            <a:r>
+              <a:rPr lang="ko-KR" altLang="en-US" dirty="0"/>
+              <a:t>공유기간 만료 전 백업 필요 </a:t>
+            </a:r>
+            <a:r>
+              <a:rPr lang="en-US" altLang="ko-KR" dirty="0"/>
+              <a:t>!!!</a:t>
             </a:r>
             <a:endParaRPr lang="ko-KR" altLang="en-US" dirty="0"/>
           </a:p>

--- a/청음지능 인수인계.pptx
+++ b/청음지능 인수인계.pptx
@@ -7,11 +7,11 @@
   <p:sldIdLst>
     <p:sldId id="256" r:id="rId2"/>
     <p:sldId id="257" r:id="rId3"/>
-    <p:sldId id="271" r:id="rId4"/>
-    <p:sldId id="259" r:id="rId5"/>
-    <p:sldId id="258" r:id="rId6"/>
-    <p:sldId id="260" r:id="rId7"/>
-    <p:sldId id="261" r:id="rId8"/>
+    <p:sldId id="272" r:id="rId4"/>
+    <p:sldId id="271" r:id="rId5"/>
+    <p:sldId id="259" r:id="rId6"/>
+    <p:sldId id="258" r:id="rId7"/>
+    <p:sldId id="260" r:id="rId8"/>
     <p:sldId id="262" r:id="rId9"/>
     <p:sldId id="263" r:id="rId10"/>
     <p:sldId id="264" r:id="rId11"/>
@@ -274,7 +274,7 @@
           <a:p>
             <a:fld id="{D45358FD-DAE3-422B-99FD-BBD3EDE35CB3}" type="datetimeFigureOut">
               <a:rPr lang="ko-KR" altLang="en-US" smtClean="0"/>
-              <a:t>23-11-23</a:t>
+              <a:t>23-11-24</a:t>
             </a:fld>
             <a:endParaRPr lang="ko-KR" altLang="en-US"/>
           </a:p>
@@ -472,7 +472,7 @@
           <a:p>
             <a:fld id="{D45358FD-DAE3-422B-99FD-BBD3EDE35CB3}" type="datetimeFigureOut">
               <a:rPr lang="ko-KR" altLang="en-US" smtClean="0"/>
-              <a:t>23-11-23</a:t>
+              <a:t>23-11-24</a:t>
             </a:fld>
             <a:endParaRPr lang="ko-KR" altLang="en-US"/>
           </a:p>
@@ -680,7 +680,7 @@
           <a:p>
             <a:fld id="{D45358FD-DAE3-422B-99FD-BBD3EDE35CB3}" type="datetimeFigureOut">
               <a:rPr lang="ko-KR" altLang="en-US" smtClean="0"/>
-              <a:t>23-11-23</a:t>
+              <a:t>23-11-24</a:t>
             </a:fld>
             <a:endParaRPr lang="ko-KR" altLang="en-US"/>
           </a:p>
@@ -878,7 +878,7 @@
           <a:p>
             <a:fld id="{D45358FD-DAE3-422B-99FD-BBD3EDE35CB3}" type="datetimeFigureOut">
               <a:rPr lang="ko-KR" altLang="en-US" smtClean="0"/>
-              <a:t>23-11-23</a:t>
+              <a:t>23-11-24</a:t>
             </a:fld>
             <a:endParaRPr lang="ko-KR" altLang="en-US"/>
           </a:p>
@@ -1153,7 +1153,7 @@
           <a:p>
             <a:fld id="{D45358FD-DAE3-422B-99FD-BBD3EDE35CB3}" type="datetimeFigureOut">
               <a:rPr lang="ko-KR" altLang="en-US" smtClean="0"/>
-              <a:t>23-11-23</a:t>
+              <a:t>23-11-24</a:t>
             </a:fld>
             <a:endParaRPr lang="ko-KR" altLang="en-US"/>
           </a:p>
@@ -1418,7 +1418,7 @@
           <a:p>
             <a:fld id="{D45358FD-DAE3-422B-99FD-BBD3EDE35CB3}" type="datetimeFigureOut">
               <a:rPr lang="ko-KR" altLang="en-US" smtClean="0"/>
-              <a:t>23-11-23</a:t>
+              <a:t>23-11-24</a:t>
             </a:fld>
             <a:endParaRPr lang="ko-KR" altLang="en-US"/>
           </a:p>
@@ -1830,7 +1830,7 @@
           <a:p>
             <a:fld id="{D45358FD-DAE3-422B-99FD-BBD3EDE35CB3}" type="datetimeFigureOut">
               <a:rPr lang="ko-KR" altLang="en-US" smtClean="0"/>
-              <a:t>23-11-23</a:t>
+              <a:t>23-11-24</a:t>
             </a:fld>
             <a:endParaRPr lang="ko-KR" altLang="en-US"/>
           </a:p>
@@ -1971,7 +1971,7 @@
           <a:p>
             <a:fld id="{D45358FD-DAE3-422B-99FD-BBD3EDE35CB3}" type="datetimeFigureOut">
               <a:rPr lang="ko-KR" altLang="en-US" smtClean="0"/>
-              <a:t>23-11-23</a:t>
+              <a:t>23-11-24</a:t>
             </a:fld>
             <a:endParaRPr lang="ko-KR" altLang="en-US"/>
           </a:p>
@@ -2084,7 +2084,7 @@
           <a:p>
             <a:fld id="{D45358FD-DAE3-422B-99FD-BBD3EDE35CB3}" type="datetimeFigureOut">
               <a:rPr lang="ko-KR" altLang="en-US" smtClean="0"/>
-              <a:t>23-11-23</a:t>
+              <a:t>23-11-24</a:t>
             </a:fld>
             <a:endParaRPr lang="ko-KR" altLang="en-US"/>
           </a:p>
@@ -2395,7 +2395,7 @@
           <a:p>
             <a:fld id="{D45358FD-DAE3-422B-99FD-BBD3EDE35CB3}" type="datetimeFigureOut">
               <a:rPr lang="ko-KR" altLang="en-US" smtClean="0"/>
-              <a:t>23-11-23</a:t>
+              <a:t>23-11-24</a:t>
             </a:fld>
             <a:endParaRPr lang="ko-KR" altLang="en-US"/>
           </a:p>
@@ -2683,7 +2683,7 @@
           <a:p>
             <a:fld id="{D45358FD-DAE3-422B-99FD-BBD3EDE35CB3}" type="datetimeFigureOut">
               <a:rPr lang="ko-KR" altLang="en-US" smtClean="0"/>
-              <a:t>23-11-23</a:t>
+              <a:t>23-11-24</a:t>
             </a:fld>
             <a:endParaRPr lang="ko-KR" altLang="en-US"/>
           </a:p>
@@ -2924,7 +2924,7 @@
           <a:p>
             <a:fld id="{D45358FD-DAE3-422B-99FD-BBD3EDE35CB3}" type="datetimeFigureOut">
               <a:rPr lang="ko-KR" altLang="en-US" smtClean="0"/>
-              <a:t>23-11-23</a:t>
+              <a:t>23-11-24</a:t>
             </a:fld>
             <a:endParaRPr lang="ko-KR" altLang="en-US"/>
           </a:p>
@@ -3479,6 +3479,11 @@
           </a:bodyPr>
           <a:lstStyle/>
           <a:p>
+            <a:pPr>
+              <a:lnSpc>
+                <a:spcPct val="100000"/>
+              </a:lnSpc>
+            </a:pPr>
             <a:r>
               <a:rPr lang="en-US" altLang="ko-KR" dirty="0" err="1"/>
               <a:t>onset_novelty</a:t>
@@ -3486,7 +3491,11 @@
             <a:endParaRPr lang="en-US" altLang="ko-KR" dirty="0"/>
           </a:p>
           <a:p>
-            <a:pPr lvl="1"/>
+            <a:pPr lvl="1">
+              <a:lnSpc>
+                <a:spcPct val="100000"/>
+              </a:lnSpc>
+            </a:pPr>
             <a:r>
               <a:rPr lang="en-US" altLang="ko-KR" dirty="0"/>
               <a:t>Onset</a:t>
@@ -3498,7 +3507,11 @@
             <a:endParaRPr lang="en-US" altLang="ko-KR" dirty="0"/>
           </a:p>
           <a:p>
-            <a:pPr lvl="1"/>
+            <a:pPr lvl="1">
+              <a:lnSpc>
+                <a:spcPct val="100000"/>
+              </a:lnSpc>
+            </a:pPr>
             <a:r>
               <a:rPr lang="en-US" altLang="ko-KR" dirty="0"/>
               <a:t>Fundamentals of Music Processing</a:t>
@@ -3536,7 +3549,11 @@
             </a:r>
           </a:p>
           <a:p>
-            <a:pPr lvl="1"/>
+            <a:pPr lvl="1">
+              <a:lnSpc>
+                <a:spcPct val="100000"/>
+              </a:lnSpc>
+            </a:pPr>
             <a:endParaRPr lang="en-US" altLang="ko-KR" dirty="0"/>
           </a:p>
         </p:txBody>
@@ -4465,109 +4482,109 @@
           <a:lstStyle/>
           <a:p>
             <a:r>
-              <a:rPr lang="ko-KR" altLang="en-US" dirty="0"/>
+              <a:rPr lang="ko-KR" altLang="en-US" sz="2000" dirty="0"/>
               <a:t>실시간 출력 과정에서 같은 연주에 대해 </a:t>
             </a:r>
             <a:r>
-              <a:rPr lang="en-US" altLang="ko-KR" dirty="0"/>
+              <a:rPr lang="en-US" altLang="ko-KR" sz="2000" dirty="0"/>
               <a:t>onset</a:t>
             </a:r>
             <a:r>
-              <a:rPr lang="ko-KR" altLang="en-US" dirty="0"/>
+              <a:rPr lang="ko-KR" altLang="en-US" sz="2000" dirty="0"/>
               <a:t> 값이 다르게 측정되어</a:t>
             </a:r>
             <a:r>
-              <a:rPr lang="en-US" altLang="ko-KR" dirty="0"/>
+              <a:rPr lang="en-US" altLang="ko-KR" sz="2000" dirty="0"/>
               <a:t>,</a:t>
             </a:r>
             <a:r>
-              <a:rPr lang="ko-KR" altLang="en-US" dirty="0"/>
+              <a:rPr lang="ko-KR" altLang="en-US" sz="2000" dirty="0"/>
               <a:t> 매우 짧은 시간에 같은 악기가 두 번 잡히는 경우가 있음</a:t>
             </a:r>
-            <a:endParaRPr lang="en-US" altLang="ko-KR" dirty="0"/>
+            <a:endParaRPr lang="en-US" altLang="ko-KR" sz="2000" dirty="0"/>
           </a:p>
           <a:p>
             <a:pPr lvl="1"/>
             <a:r>
-              <a:rPr lang="ko-KR" altLang="en-US" dirty="0"/>
+              <a:rPr lang="ko-KR" altLang="en-US" sz="1800" dirty="0"/>
               <a:t>음원을 </a:t>
             </a:r>
             <a:r>
-              <a:rPr lang="ko-KR" altLang="en-US" dirty="0" err="1"/>
+              <a:rPr lang="ko-KR" altLang="en-US" sz="1800" dirty="0" err="1"/>
               <a:t>읽어들일</a:t>
             </a:r>
             <a:r>
-              <a:rPr lang="ko-KR" altLang="en-US" dirty="0"/>
+              <a:rPr lang="ko-KR" altLang="en-US" sz="1800" dirty="0"/>
               <a:t> 때</a:t>
             </a:r>
             <a:r>
-              <a:rPr lang="en-US" altLang="ko-KR" dirty="0"/>
+              <a:rPr lang="en-US" altLang="ko-KR" sz="1800" dirty="0"/>
               <a:t>, </a:t>
             </a:r>
             <a:r>
-              <a:rPr lang="ko-KR" altLang="en-US" dirty="0"/>
+              <a:rPr lang="ko-KR" altLang="en-US" sz="1800" dirty="0"/>
               <a:t>시간을 단축하기 위해 앞쪽의 불필요한 부분을 </a:t>
             </a:r>
             <a:r>
-              <a:rPr lang="en-US" altLang="ko-KR" dirty="0" err="1"/>
+              <a:rPr lang="en-US" altLang="ko-KR" sz="1800" dirty="0" err="1"/>
               <a:t>offse</a:t>
             </a:r>
             <a:r>
-              <a:rPr lang="ko-KR" altLang="en-US" dirty="0"/>
+              <a:rPr lang="ko-KR" altLang="en-US" sz="1800" dirty="0"/>
               <a:t>으로 잘라내며 읽는데</a:t>
             </a:r>
             <a:r>
-              <a:rPr lang="en-US" altLang="ko-KR" dirty="0"/>
+              <a:rPr lang="en-US" altLang="ko-KR" sz="1800" dirty="0"/>
               <a:t>, </a:t>
             </a:r>
             <a:r>
-              <a:rPr lang="ko-KR" altLang="en-US" dirty="0"/>
+              <a:rPr lang="ko-KR" altLang="en-US" sz="1800" dirty="0"/>
               <a:t>이렇게 잘라낸 후 </a:t>
             </a:r>
             <a:r>
-              <a:rPr lang="en-US" altLang="ko-KR" dirty="0"/>
+              <a:rPr lang="en-US" altLang="ko-KR" sz="1800" dirty="0"/>
               <a:t>normalize-onset detection </a:t>
             </a:r>
             <a:r>
-              <a:rPr lang="ko-KR" altLang="en-US" dirty="0"/>
+              <a:rPr lang="ko-KR" altLang="en-US" sz="1800" dirty="0"/>
               <a:t>과정에서 미세한 차이가 발생하는 것으로 보임</a:t>
             </a:r>
-            <a:endParaRPr lang="en-US" altLang="ko-KR" dirty="0"/>
+            <a:endParaRPr lang="en-US" altLang="ko-KR" sz="1800" dirty="0"/>
           </a:p>
           <a:p>
             <a:pPr lvl="1"/>
-            <a:endParaRPr lang="en-US" altLang="ko-KR" dirty="0"/>
-          </a:p>
-          <a:p>
-            <a:r>
-              <a:rPr lang="ko-KR" altLang="en-US" dirty="0"/>
+            <a:endParaRPr lang="en-US" altLang="ko-KR" sz="1800" dirty="0"/>
+          </a:p>
+          <a:p>
+            <a:r>
+              <a:rPr lang="ko-KR" altLang="en-US" sz="2000" dirty="0"/>
               <a:t>실시간 생성은 </a:t>
             </a:r>
             <a:r>
-              <a:rPr lang="ko-KR" altLang="en-US" dirty="0" err="1"/>
+              <a:rPr lang="ko-KR" altLang="en-US" sz="2000" dirty="0" err="1"/>
               <a:t>청크</a:t>
             </a:r>
             <a:r>
-              <a:rPr lang="ko-KR" altLang="en-US" dirty="0"/>
+              <a:rPr lang="ko-KR" altLang="en-US" sz="2000" dirty="0"/>
               <a:t> 단위로 동작을 생성하기 때문에 </a:t>
             </a:r>
             <a:r>
-              <a:rPr lang="ko-KR" altLang="en-US" dirty="0" err="1"/>
+              <a:rPr lang="ko-KR" altLang="en-US" sz="2000" dirty="0" err="1"/>
               <a:t>청크</a:t>
             </a:r>
             <a:r>
-              <a:rPr lang="en-US" altLang="ko-KR" dirty="0"/>
+              <a:rPr lang="en-US" altLang="ko-KR" sz="2000" dirty="0"/>
               <a:t>-</a:t>
             </a:r>
             <a:r>
-              <a:rPr lang="ko-KR" altLang="en-US" dirty="0" err="1"/>
+              <a:rPr lang="ko-KR" altLang="en-US" sz="2000" dirty="0" err="1"/>
               <a:t>청크</a:t>
             </a:r>
             <a:r>
-              <a:rPr lang="ko-KR" altLang="en-US" dirty="0"/>
+              <a:rPr lang="ko-KR" altLang="en-US" sz="2000" dirty="0"/>
               <a:t> 간 손 매핑에 문제가 생길 가능성 있음</a:t>
             </a:r>
-            <a:endParaRPr lang="en-US" altLang="ko-KR" dirty="0"/>
+            <a:endParaRPr lang="en-US" altLang="ko-KR" sz="2000" dirty="0"/>
           </a:p>
         </p:txBody>
       </p:sp>
@@ -4898,8 +4915,21 @@
           <a:p>
             <a:r>
               <a:rPr lang="ko-KR" altLang="en-US" dirty="0"/>
-              <a:t>디렉토리 설명</a:t>
-            </a:r>
+              <a:t>설치 </a:t>
+            </a:r>
+            <a:r>
+              <a:rPr lang="en-US" altLang="ko-KR" dirty="0"/>
+              <a:t>(pip </a:t>
+            </a:r>
+            <a:r>
+              <a:rPr lang="ko-KR" altLang="en-US" dirty="0"/>
+              <a:t>오류 시</a:t>
+            </a:r>
+            <a:r>
+              <a:rPr lang="en-US" altLang="ko-KR" dirty="0"/>
+              <a:t>)</a:t>
+            </a:r>
+            <a:endParaRPr lang="ko-KR" altLang="en-US" dirty="0"/>
           </a:p>
         </p:txBody>
       </p:sp>
@@ -4922,171 +4952,60 @@
         <p:spPr/>
         <p:txBody>
           <a:bodyPr>
-            <a:normAutofit fontScale="85000" lnSpcReduction="20000"/>
+            <a:normAutofit/>
           </a:bodyPr>
           <a:lstStyle/>
           <a:p>
-            <a:r>
-              <a:rPr lang="en-US" altLang="ko-KR" dirty="0"/>
-              <a:t>modules/</a:t>
-            </a:r>
-          </a:p>
-          <a:p>
-            <a:pPr lvl="1"/>
-            <a:r>
-              <a:rPr lang="ko-KR" altLang="en-US" dirty="0"/>
-              <a:t>실행에 필요한 코드가 담겨있음</a:t>
-            </a:r>
-            <a:endParaRPr lang="en-US" altLang="ko-KR" dirty="0"/>
-          </a:p>
-          <a:p>
-            <a:r>
-              <a:rPr lang="en-US" altLang="ko-KR" dirty="0" err="1"/>
-              <a:t>imsi</a:t>
-            </a:r>
-            <a:r>
-              <a:rPr lang="en-US" altLang="ko-KR" dirty="0"/>
-              <a:t>/</a:t>
-            </a:r>
-          </a:p>
-          <a:p>
-            <a:pPr lvl="1"/>
-            <a:r>
-              <a:rPr lang="ko-KR" altLang="en-US" dirty="0"/>
-              <a:t>잘려진 음원과 음원의 멜 </a:t>
-            </a:r>
-            <a:r>
-              <a:rPr lang="ko-KR" altLang="en-US" dirty="0" err="1"/>
-              <a:t>스펙트로그램이</a:t>
-            </a:r>
-            <a:r>
-              <a:rPr lang="ko-KR" altLang="en-US" dirty="0"/>
-              <a:t> 담기는 곳</a:t>
-            </a:r>
-            <a:endParaRPr lang="en-US" altLang="ko-KR" dirty="0"/>
-          </a:p>
-          <a:p>
-            <a:r>
-              <a:rPr lang="en-US" altLang="ko-KR" dirty="0"/>
-              <a:t>data/</a:t>
-            </a:r>
-          </a:p>
-          <a:p>
-            <a:pPr lvl="1"/>
-            <a:r>
-              <a:rPr lang="ko-KR" altLang="en-US" dirty="0"/>
-              <a:t>실시간 동작 중 데이터가 섞이는 것을 방지하기 위해 잠시 옮겨지는 곳</a:t>
-            </a:r>
-            <a:endParaRPr lang="en-US" altLang="ko-KR" dirty="0"/>
-          </a:p>
-          <a:p>
-            <a:r>
-              <a:rPr lang="en-US" altLang="ko-KR" dirty="0"/>
-              <a:t>.</a:t>
-            </a:r>
-            <a:r>
-              <a:rPr lang="en-US" altLang="ko-KR" dirty="0" err="1"/>
-              <a:t>vscode</a:t>
-            </a:r>
-            <a:r>
-              <a:rPr lang="en-US" altLang="ko-KR" dirty="0"/>
-              <a:t>/</a:t>
-            </a:r>
-            <a:r>
-              <a:rPr lang="en-US" altLang="ko-KR" dirty="0" err="1"/>
-              <a:t>launch.json</a:t>
-            </a:r>
-            <a:endParaRPr lang="en-US" altLang="ko-KR" dirty="0"/>
-          </a:p>
-          <a:p>
-            <a:pPr lvl="1"/>
-            <a:r>
-              <a:rPr lang="en-US" altLang="ko-KR" dirty="0" err="1"/>
-              <a:t>VSCode</a:t>
-            </a:r>
-            <a:r>
-              <a:rPr lang="en-US" altLang="ko-KR" dirty="0"/>
-              <a:t> </a:t>
-            </a:r>
-            <a:r>
-              <a:rPr lang="ko-KR" altLang="en-US" dirty="0"/>
-              <a:t>내에서 컴파일 시 참조되는 파일</a:t>
-            </a:r>
-            <a:endParaRPr lang="en-US" altLang="ko-KR" dirty="0"/>
-          </a:p>
-          <a:p>
-            <a:pPr lvl="1"/>
-            <a:r>
-              <a:rPr lang="ko-KR" altLang="en-US" dirty="0"/>
-              <a:t>필요 시 </a:t>
-            </a:r>
-            <a:r>
-              <a:rPr lang="en-US" altLang="ko-KR" dirty="0"/>
-              <a:t>“</a:t>
-            </a:r>
-            <a:r>
-              <a:rPr lang="en-US" altLang="ko-KR" dirty="0" err="1"/>
-              <a:t>args</a:t>
-            </a:r>
-            <a:r>
-              <a:rPr lang="en-US" altLang="ko-KR" dirty="0"/>
-              <a:t>” </a:t>
-            </a:r>
-            <a:r>
-              <a:rPr lang="ko-KR" altLang="en-US" dirty="0"/>
-              <a:t>항목에 </a:t>
-            </a:r>
-            <a:r>
-              <a:rPr lang="en-US" altLang="ko-KR" dirty="0"/>
-              <a:t>parser </a:t>
-            </a:r>
-            <a:r>
-              <a:rPr lang="ko-KR" altLang="en-US" dirty="0"/>
-              <a:t>를 넣으면 됨</a:t>
-            </a:r>
-            <a:endParaRPr lang="en-US" altLang="ko-KR" dirty="0"/>
-          </a:p>
-          <a:p>
-            <a:r>
-              <a:rPr lang="en-US" altLang="ko-KR" dirty="0"/>
-              <a:t>.</a:t>
-            </a:r>
-            <a:r>
-              <a:rPr lang="en-US" altLang="ko-KR" dirty="0" err="1"/>
-              <a:t>ckpt</a:t>
-            </a:r>
-            <a:r>
-              <a:rPr lang="en-US" altLang="ko-KR" dirty="0"/>
-              <a:t>/</a:t>
-            </a:r>
-          </a:p>
-          <a:p>
-            <a:pPr lvl="1"/>
-            <a:r>
-              <a:rPr lang="ko-KR" altLang="en-US" dirty="0"/>
-              <a:t>모델의 가중치를 </a:t>
-            </a:r>
-            <a:r>
-              <a:rPr lang="ko-KR" altLang="en-US" dirty="0" err="1"/>
-              <a:t>저장해놓은</a:t>
-            </a:r>
-            <a:r>
-              <a:rPr lang="ko-KR" altLang="en-US" dirty="0"/>
-              <a:t> 디렉토리</a:t>
-            </a:r>
-            <a:endParaRPr lang="en-US" altLang="ko-KR" dirty="0"/>
-          </a:p>
-          <a:p>
-            <a:r>
-              <a:rPr lang="en-US" altLang="ko-KR" dirty="0"/>
-              <a:t>breaks.wav</a:t>
-            </a:r>
-          </a:p>
-          <a:p>
-            <a:pPr lvl="1"/>
-            <a:r>
-              <a:rPr lang="ko-KR" altLang="en-US" dirty="0"/>
-              <a:t>테스트용 드럼 연주 음원</a:t>
+            <a:pPr>
+              <a:lnSpc>
+                <a:spcPct val="150000"/>
+              </a:lnSpc>
+            </a:pPr>
+            <a:r>
+              <a:rPr lang="ko-KR" altLang="en-US" dirty="0"/>
+              <a:t>시스템 환경 변수 </a:t>
+            </a:r>
+            <a:r>
+              <a:rPr lang="en-US" altLang="ko-KR" dirty="0"/>
+              <a:t>Path</a:t>
+            </a:r>
+            <a:r>
+              <a:rPr lang="ko-KR" altLang="en-US" dirty="0"/>
+              <a:t>에 아래 세 항목 추가</a:t>
+            </a:r>
+            <a:endParaRPr lang="en-US" altLang="ko-KR" dirty="0"/>
+          </a:p>
+          <a:p>
+            <a:pPr lvl="1">
+              <a:lnSpc>
+                <a:spcPct val="150000"/>
+              </a:lnSpc>
+            </a:pPr>
+            <a:r>
+              <a:rPr lang="en-US" altLang="ko-KR" dirty="0"/>
+              <a:t>C:\[Conda Directory]</a:t>
+            </a:r>
+          </a:p>
+          <a:p>
+            <a:pPr lvl="1">
+              <a:lnSpc>
+                <a:spcPct val="150000"/>
+              </a:lnSpc>
+            </a:pPr>
+            <a:r>
+              <a:rPr lang="en-US" altLang="ko-KR" dirty="0"/>
+              <a:t>C:\[Conda Directory]\Scripts</a:t>
+            </a:r>
+          </a:p>
+          <a:p>
+            <a:pPr lvl="1">
+              <a:lnSpc>
+                <a:spcPct val="150000"/>
+              </a:lnSpc>
+            </a:pPr>
+            <a:r>
+              <a:rPr lang="en-US" altLang="ko-KR" dirty="0"/>
+              <a:t>C:\[Conda Directory]\Library\bin</a:t>
             </a:r>
           </a:p>
         </p:txBody>
@@ -5094,7 +5013,7 @@
     </p:spTree>
     <p:extLst>
       <p:ext uri="{BB962C8B-B14F-4D97-AF65-F5344CB8AC3E}">
-        <p14:creationId xmlns:p14="http://schemas.microsoft.com/office/powerpoint/2010/main" val="2832960477"/>
+        <p14:creationId xmlns:p14="http://schemas.microsoft.com/office/powerpoint/2010/main" val="578943170"/>
       </p:ext>
     </p:extLst>
   </p:cSld>
@@ -5144,7 +5063,15 @@
           <a:p>
             <a:r>
               <a:rPr lang="ko-KR" altLang="en-US" dirty="0"/>
-              <a:t>기본 사용 방법</a:t>
+              <a:t>프로젝트 디렉토리</a:t>
+            </a:r>
+            <a:r>
+              <a:rPr lang="en-US" altLang="ko-KR" dirty="0"/>
+              <a:t>/</a:t>
+            </a:r>
+            <a:r>
+              <a:rPr lang="ko-KR" altLang="en-US" dirty="0"/>
+              <a:t>파일 설명</a:t>
             </a:r>
           </a:p>
         </p:txBody>
@@ -5165,136 +5092,240 @@
             <p:ph idx="1"/>
           </p:nvPr>
         </p:nvSpPr>
-        <p:spPr>
-          <a:xfrm>
-            <a:off x="838200" y="1825624"/>
-            <a:ext cx="10515600" cy="4552315"/>
-          </a:xfrm>
-        </p:spPr>
+        <p:spPr/>
         <p:txBody>
           <a:bodyPr>
-            <a:normAutofit/>
+            <a:normAutofit fontScale="55000" lnSpcReduction="20000"/>
           </a:bodyPr>
           <a:lstStyle/>
           <a:p>
-            <a:r>
-              <a:rPr lang="en-US" altLang="ko-KR" dirty="0"/>
-              <a:t>python DRUM.py </a:t>
-            </a:r>
-          </a:p>
-          <a:p>
-            <a:pPr lvl="1"/>
-            <a:r>
-              <a:rPr lang="ko-KR" altLang="en-US" dirty="0"/>
-              <a:t>녹음을 받은 후 </a:t>
-            </a:r>
-            <a:r>
-              <a:rPr lang="en-US" altLang="ko-KR" dirty="0"/>
-              <a:t>bpm</a:t>
-            </a:r>
-            <a:r>
-              <a:rPr lang="ko-KR" altLang="en-US" dirty="0"/>
-              <a:t>정보를 사용하여 악보를 생성</a:t>
-            </a:r>
-            <a:endParaRPr lang="en-US" altLang="ko-KR" dirty="0"/>
-          </a:p>
-          <a:p>
-            <a:r>
-              <a:rPr lang="en-US" altLang="ko-KR" dirty="0"/>
-              <a:t>python DRUM.py --</a:t>
-            </a:r>
+            <a:pPr>
+              <a:lnSpc>
+                <a:spcPct val="120000"/>
+              </a:lnSpc>
+            </a:pPr>
+            <a:r>
+              <a:rPr lang="en-US" altLang="ko-KR" dirty="0"/>
+              <a:t>modules/</a:t>
+            </a:r>
+          </a:p>
+          <a:p>
+            <a:pPr lvl="1">
+              <a:lnSpc>
+                <a:spcPct val="120000"/>
+              </a:lnSpc>
+            </a:pPr>
+            <a:r>
+              <a:rPr lang="ko-KR" altLang="en-US" dirty="0"/>
+              <a:t>실행에 필요한 코드가 담겨있음</a:t>
+            </a:r>
+            <a:endParaRPr lang="en-US" altLang="ko-KR" dirty="0"/>
+          </a:p>
+          <a:p>
+            <a:pPr>
+              <a:lnSpc>
+                <a:spcPct val="120000"/>
+              </a:lnSpc>
+            </a:pPr>
             <a:r>
               <a:rPr lang="en-US" altLang="ko-KR" dirty="0" err="1"/>
-              <a:t>real_time</a:t>
-            </a:r>
-            <a:endParaRPr lang="en-US" altLang="ko-KR" dirty="0"/>
-          </a:p>
-          <a:p>
-            <a:pPr lvl="1"/>
-            <a:r>
-              <a:rPr lang="ko-KR" altLang="en-US" dirty="0"/>
-              <a:t>실시간으로 녹음을 받으며 악보를 생성</a:t>
-            </a:r>
-            <a:endParaRPr lang="en-US" altLang="ko-KR" dirty="0"/>
-          </a:p>
-          <a:p>
-            <a:pPr lvl="1"/>
-            <a:r>
-              <a:rPr lang="en-US" altLang="ko-KR" dirty="0"/>
-              <a:t>Bpm</a:t>
-            </a:r>
-            <a:r>
-              <a:rPr lang="ko-KR" altLang="en-US" dirty="0"/>
-              <a:t>정보 및 </a:t>
+              <a:t>imsi</a:t>
+            </a:r>
+            <a:r>
+              <a:rPr lang="en-US" altLang="ko-KR" dirty="0"/>
+              <a:t>/</a:t>
+            </a:r>
+          </a:p>
+          <a:p>
+            <a:pPr lvl="1">
+              <a:lnSpc>
+                <a:spcPct val="120000"/>
+              </a:lnSpc>
+            </a:pPr>
+            <a:r>
+              <a:rPr lang="ko-KR" altLang="en-US" dirty="0"/>
+              <a:t>잘려진 음원과 음원의 멜 </a:t>
+            </a:r>
+            <a:r>
+              <a:rPr lang="ko-KR" altLang="en-US" dirty="0" err="1"/>
+              <a:t>스펙트로그램이</a:t>
+            </a:r>
+            <a:r>
+              <a:rPr lang="ko-KR" altLang="en-US" dirty="0"/>
+              <a:t> 담기는 곳</a:t>
+            </a:r>
+            <a:endParaRPr lang="en-US" altLang="ko-KR" dirty="0"/>
+          </a:p>
+          <a:p>
+            <a:pPr>
+              <a:lnSpc>
+                <a:spcPct val="120000"/>
+              </a:lnSpc>
+            </a:pPr>
+            <a:r>
+              <a:rPr lang="en-US" altLang="ko-KR" dirty="0"/>
+              <a:t>data/</a:t>
+            </a:r>
+          </a:p>
+          <a:p>
+            <a:pPr lvl="1">
+              <a:lnSpc>
+                <a:spcPct val="120000"/>
+              </a:lnSpc>
+            </a:pPr>
+            <a:r>
+              <a:rPr lang="ko-KR" altLang="en-US" dirty="0"/>
+              <a:t>실시간 동작 중 데이터가 섞이는 것을 방지하기 위해 잠시 옮겨지는 곳</a:t>
+            </a:r>
+            <a:endParaRPr lang="en-US" altLang="ko-KR" dirty="0"/>
+          </a:p>
+          <a:p>
+            <a:pPr>
+              <a:lnSpc>
+                <a:spcPct val="120000"/>
+              </a:lnSpc>
+            </a:pPr>
+            <a:r>
+              <a:rPr lang="en-US" altLang="ko-KR" dirty="0"/>
+              <a:t>.</a:t>
             </a:r>
             <a:r>
               <a:rPr lang="en-US" altLang="ko-KR" dirty="0" err="1"/>
-              <a:t>rnn</a:t>
-            </a:r>
-            <a:r>
-              <a:rPr lang="ko-KR" altLang="en-US" dirty="0"/>
-              <a:t>은 사용할 수 없음</a:t>
-            </a:r>
-            <a:endParaRPr lang="en-US" altLang="ko-KR" dirty="0"/>
-          </a:p>
-          <a:p>
-            <a:r>
-              <a:rPr lang="en-US" altLang="ko-KR" dirty="0"/>
-              <a:t>python DRUM.py --wav “filename.wav”</a:t>
-            </a:r>
-          </a:p>
-          <a:p>
-            <a:pPr lvl="1"/>
-            <a:r>
-              <a:rPr lang="en-US" altLang="ko-KR" dirty="0"/>
-              <a:t>filename.wav </a:t>
-            </a:r>
-            <a:r>
-              <a:rPr lang="ko-KR" altLang="en-US" dirty="0"/>
-              <a:t>파일을 분석하여 악보를 생성</a:t>
-            </a:r>
-            <a:endParaRPr lang="en-US" altLang="ko-KR" dirty="0"/>
-          </a:p>
-          <a:p>
-            <a:pPr lvl="1"/>
-            <a:r>
-              <a:rPr lang="ko-KR" altLang="en-US" dirty="0"/>
-              <a:t>출력 또한 해당 파일의 이름을 따라 감</a:t>
-            </a:r>
-            <a:endParaRPr lang="en-US" altLang="ko-KR" dirty="0"/>
-          </a:p>
-          <a:p>
-            <a:r>
-              <a:rPr lang="en-US" altLang="ko-KR" dirty="0"/>
-              <a:t>python DRUM.py --</a:t>
+              <a:t>vscode</a:t>
+            </a:r>
+            <a:r>
+              <a:rPr lang="en-US" altLang="ko-KR" dirty="0"/>
+              <a:t>/</a:t>
             </a:r>
             <a:r>
               <a:rPr lang="en-US" altLang="ko-KR" dirty="0" err="1"/>
-              <a:t>create_midi</a:t>
-            </a:r>
-            <a:endParaRPr lang="en-US" altLang="ko-KR" dirty="0"/>
-          </a:p>
-          <a:p>
-            <a:pPr lvl="1"/>
-            <a:r>
-              <a:rPr lang="en-US" altLang="ko-KR" dirty="0"/>
-              <a:t>midi</a:t>
-            </a:r>
-            <a:r>
-              <a:rPr lang="ko-KR" altLang="en-US" dirty="0"/>
-              <a:t>파일을 생성함</a:t>
-            </a:r>
-          </a:p>
-          <a:p>
-            <a:pPr lvl="1"/>
-            <a:endParaRPr lang="ko-KR" altLang="en-US" dirty="0"/>
+              <a:t>launch.json</a:t>
+            </a:r>
+            <a:endParaRPr lang="en-US" altLang="ko-KR" dirty="0"/>
+          </a:p>
+          <a:p>
+            <a:pPr lvl="1">
+              <a:lnSpc>
+                <a:spcPct val="120000"/>
+              </a:lnSpc>
+            </a:pPr>
+            <a:r>
+              <a:rPr lang="en-US" altLang="ko-KR" dirty="0" err="1"/>
+              <a:t>VSCode</a:t>
+            </a:r>
+            <a:r>
+              <a:rPr lang="en-US" altLang="ko-KR" dirty="0"/>
+              <a:t> </a:t>
+            </a:r>
+            <a:r>
+              <a:rPr lang="ko-KR" altLang="en-US" dirty="0"/>
+              <a:t>내에서 컴파일 시 참조되는 파일</a:t>
+            </a:r>
+            <a:endParaRPr lang="en-US" altLang="ko-KR" dirty="0"/>
+          </a:p>
+          <a:p>
+            <a:pPr lvl="1">
+              <a:lnSpc>
+                <a:spcPct val="120000"/>
+              </a:lnSpc>
+            </a:pPr>
+            <a:r>
+              <a:rPr lang="ko-KR" altLang="en-US" dirty="0"/>
+              <a:t>필요 시 </a:t>
+            </a:r>
+            <a:r>
+              <a:rPr lang="en-US" altLang="ko-KR" dirty="0"/>
+              <a:t>“</a:t>
+            </a:r>
+            <a:r>
+              <a:rPr lang="en-US" altLang="ko-KR" dirty="0" err="1"/>
+              <a:t>args</a:t>
+            </a:r>
+            <a:r>
+              <a:rPr lang="en-US" altLang="ko-KR" dirty="0"/>
+              <a:t>” </a:t>
+            </a:r>
+            <a:r>
+              <a:rPr lang="ko-KR" altLang="en-US" dirty="0"/>
+              <a:t>항목에 </a:t>
+            </a:r>
+            <a:r>
+              <a:rPr lang="en-US" altLang="ko-KR" dirty="0"/>
+              <a:t>parser </a:t>
+            </a:r>
+            <a:r>
+              <a:rPr lang="ko-KR" altLang="en-US" dirty="0"/>
+              <a:t>를 넣으면 됨</a:t>
+            </a:r>
+            <a:endParaRPr lang="en-US" altLang="ko-KR" dirty="0"/>
+          </a:p>
+          <a:p>
+            <a:pPr>
+              <a:lnSpc>
+                <a:spcPct val="120000"/>
+              </a:lnSpc>
+            </a:pPr>
+            <a:r>
+              <a:rPr lang="en-US" altLang="ko-KR" dirty="0"/>
+              <a:t>.</a:t>
+            </a:r>
+            <a:r>
+              <a:rPr lang="en-US" altLang="ko-KR" dirty="0" err="1"/>
+              <a:t>ckpt</a:t>
+            </a:r>
+            <a:r>
+              <a:rPr lang="en-US" altLang="ko-KR" dirty="0"/>
+              <a:t>/</a:t>
+            </a:r>
+          </a:p>
+          <a:p>
+            <a:pPr lvl="1">
+              <a:lnSpc>
+                <a:spcPct val="120000"/>
+              </a:lnSpc>
+            </a:pPr>
+            <a:r>
+              <a:rPr lang="ko-KR" altLang="en-US" dirty="0"/>
+              <a:t>모델의 가중치를 </a:t>
+            </a:r>
+            <a:r>
+              <a:rPr lang="ko-KR" altLang="en-US" dirty="0" err="1"/>
+              <a:t>저장해놓은</a:t>
+            </a:r>
+            <a:r>
+              <a:rPr lang="ko-KR" altLang="en-US" dirty="0"/>
+              <a:t> 디렉토리</a:t>
+            </a:r>
+            <a:endParaRPr lang="en-US" altLang="ko-KR" dirty="0"/>
+          </a:p>
+          <a:p>
+            <a:pPr>
+              <a:lnSpc>
+                <a:spcPct val="120000"/>
+              </a:lnSpc>
+            </a:pPr>
+            <a:r>
+              <a:rPr lang="en-US" altLang="ko-KR" dirty="0"/>
+              <a:t>breaks.wav</a:t>
+            </a:r>
+          </a:p>
+          <a:p>
+            <a:pPr lvl="1">
+              <a:lnSpc>
+                <a:spcPct val="120000"/>
+              </a:lnSpc>
+            </a:pPr>
+            <a:r>
+              <a:rPr lang="ko-KR" altLang="en-US" dirty="0"/>
+              <a:t>테스트용 드럼 연주 음원</a:t>
+            </a:r>
           </a:p>
         </p:txBody>
       </p:sp>
     </p:spTree>
     <p:extLst>
       <p:ext uri="{BB962C8B-B14F-4D97-AF65-F5344CB8AC3E}">
-        <p14:creationId xmlns:p14="http://schemas.microsoft.com/office/powerpoint/2010/main" val="2594572097"/>
+        <p14:creationId xmlns:p14="http://schemas.microsoft.com/office/powerpoint/2010/main" val="2832960477"/>
       </p:ext>
     </p:extLst>
   </p:cSld>
@@ -5343,18 +5374,9 @@
           <a:lstStyle/>
           <a:p>
             <a:r>
-              <a:rPr lang="en-US" altLang="ko-KR" dirty="0"/>
-              <a:t>Parser </a:t>
-            </a:r>
-            <a:r>
-              <a:rPr lang="ko-KR" altLang="en-US" dirty="0"/>
-              <a:t>옵션</a:t>
-            </a:r>
-            <a:r>
-              <a:rPr lang="en-US" altLang="ko-KR" dirty="0"/>
-              <a:t> </a:t>
-            </a:r>
-            <a:endParaRPr lang="ko-KR" altLang="en-US" dirty="0"/>
+              <a:rPr lang="ko-KR" altLang="en-US" dirty="0"/>
+              <a:t>기본 사용 방법</a:t>
+            </a:r>
           </a:p>
         </p:txBody>
       </p:sp>
@@ -5376,54 +5398,140 @@
         </p:nvSpPr>
         <p:spPr>
           <a:xfrm>
-            <a:off x="838200" y="1825625"/>
-            <a:ext cx="10515600" cy="4667250"/>
+            <a:off x="838200" y="1485900"/>
+            <a:ext cx="10515600" cy="5177790"/>
           </a:xfrm>
         </p:spPr>
         <p:txBody>
           <a:bodyPr>
-            <a:normAutofit fontScale="62500" lnSpcReduction="20000"/>
+            <a:normAutofit fontScale="55000" lnSpcReduction="20000"/>
           </a:bodyPr>
           <a:lstStyle/>
           <a:p>
-            <a:r>
-              <a:rPr lang="en-US" altLang="ko-KR" dirty="0"/>
-              <a:t>--</a:t>
-            </a:r>
-            <a:r>
-              <a:rPr lang="en-US" altLang="ko-KR" dirty="0" err="1"/>
-              <a:t>use_rnn</a:t>
-            </a:r>
-            <a:endParaRPr lang="en-US" altLang="ko-KR" dirty="0"/>
-          </a:p>
-          <a:p>
-            <a:pPr lvl="1"/>
-            <a:r>
-              <a:rPr lang="ko-KR" altLang="en-US" dirty="0"/>
-              <a:t>음원에서 악보를 만들 때</a:t>
-            </a:r>
-            <a:r>
-              <a:rPr lang="en-US" altLang="ko-KR" dirty="0"/>
-              <a:t>, RNN</a:t>
-            </a:r>
-            <a:r>
-              <a:rPr lang="ko-KR" altLang="en-US" dirty="0"/>
-              <a:t>을 통해 </a:t>
-            </a:r>
-            <a:r>
-              <a:rPr lang="en-US" altLang="ko-KR" dirty="0"/>
-              <a:t>CNN </a:t>
-            </a:r>
-            <a:r>
-              <a:rPr lang="ko-KR" altLang="en-US" dirty="0"/>
-              <a:t>모델의 예측을 보정할 수 있음</a:t>
-            </a:r>
-            <a:endParaRPr lang="en-US" altLang="ko-KR" dirty="0"/>
-          </a:p>
-          <a:p>
-            <a:r>
-              <a:rPr lang="en-US" altLang="ko-KR" dirty="0"/>
-              <a:t>--</a:t>
+            <a:pPr>
+              <a:lnSpc>
+                <a:spcPct val="120000"/>
+              </a:lnSpc>
+            </a:pPr>
+            <a:r>
+              <a:rPr lang="en-US" altLang="ko-KR" dirty="0"/>
+              <a:t>python DRUM.py </a:t>
+            </a:r>
+          </a:p>
+          <a:p>
+            <a:pPr lvl="1">
+              <a:lnSpc>
+                <a:spcPct val="120000"/>
+              </a:lnSpc>
+            </a:pPr>
+            <a:r>
+              <a:rPr lang="ko-KR" altLang="en-US" dirty="0"/>
+              <a:t>녹음을 받은 후 </a:t>
+            </a:r>
+            <a:r>
+              <a:rPr lang="en-US" altLang="ko-KR" dirty="0"/>
+              <a:t>bpm</a:t>
+            </a:r>
+            <a:r>
+              <a:rPr lang="ko-KR" altLang="en-US" dirty="0"/>
+              <a:t>정보를 사용하여 악보를 생성</a:t>
+            </a:r>
+            <a:endParaRPr lang="en-US" altLang="ko-KR" dirty="0"/>
+          </a:p>
+          <a:p>
+            <a:pPr lvl="1">
+              <a:lnSpc>
+                <a:spcPct val="120000"/>
+              </a:lnSpc>
+            </a:pPr>
+            <a:r>
+              <a:rPr lang="ko-KR" altLang="en-US" dirty="0"/>
+              <a:t>실행까지 대기시간이 필요하고</a:t>
+            </a:r>
+            <a:r>
+              <a:rPr lang="en-US" altLang="ko-KR" dirty="0"/>
+              <a:t>, </a:t>
+            </a:r>
+            <a:r>
+              <a:rPr lang="ko-KR" altLang="en-US" dirty="0"/>
+              <a:t>각종 경고문이 나오니</a:t>
+            </a:r>
+            <a:endParaRPr lang="en-US" altLang="ko-KR" dirty="0"/>
+          </a:p>
+          <a:p>
+            <a:pPr marL="914400" lvl="2" indent="0">
+              <a:lnSpc>
+                <a:spcPct val="120000"/>
+              </a:lnSpc>
+              <a:buNone/>
+            </a:pPr>
+            <a:r>
+              <a:rPr lang="en-US" altLang="ko-KR" dirty="0"/>
+              <a:t>"Press 'q' to stop recording."</a:t>
+            </a:r>
+          </a:p>
+          <a:p>
+            <a:pPr marL="914400" lvl="2" indent="0">
+              <a:lnSpc>
+                <a:spcPct val="120000"/>
+              </a:lnSpc>
+              <a:buNone/>
+            </a:pPr>
+            <a:r>
+              <a:rPr lang="ko-KR" altLang="en-US" dirty="0"/>
+              <a:t>가 화면에 출력되는 것을 </a:t>
+            </a:r>
+            <a:r>
+              <a:rPr lang="ko-KR" altLang="en-US" dirty="0" err="1"/>
+              <a:t>주의깊게</a:t>
+            </a:r>
+            <a:r>
+              <a:rPr lang="ko-KR" altLang="en-US" dirty="0"/>
+              <a:t> 확인할 필요가 있음</a:t>
+            </a:r>
+            <a:endParaRPr lang="en-US" altLang="ko-KR" dirty="0"/>
+          </a:p>
+          <a:p>
+            <a:pPr lvl="1">
+              <a:lnSpc>
+                <a:spcPct val="120000"/>
+              </a:lnSpc>
+            </a:pPr>
+            <a:r>
+              <a:rPr lang="en-US" altLang="ko-KR" dirty="0"/>
+              <a:t>Q</a:t>
+            </a:r>
+            <a:r>
+              <a:rPr lang="ko-KR" altLang="en-US" dirty="0"/>
+              <a:t>를 </a:t>
+            </a:r>
+            <a:r>
+              <a:rPr lang="en-US" altLang="ko-KR" dirty="0"/>
+              <a:t>‘</a:t>
+            </a:r>
+            <a:r>
+              <a:rPr lang="ko-KR" altLang="en-US" dirty="0"/>
+              <a:t>누르면 즉시</a:t>
+            </a:r>
+            <a:r>
+              <a:rPr lang="en-US" altLang="ko-KR" dirty="0"/>
+              <a:t>’ </a:t>
+            </a:r>
+            <a:r>
+              <a:rPr lang="ko-KR" altLang="en-US" dirty="0"/>
+              <a:t>녹음이 중지되고 음원 처리가 시작됨</a:t>
+            </a:r>
+            <a:endParaRPr lang="en-US" altLang="ko-KR" dirty="0"/>
+          </a:p>
+          <a:p>
+            <a:pPr>
+              <a:lnSpc>
+                <a:spcPct val="120000"/>
+              </a:lnSpc>
+            </a:pPr>
+            <a:r>
+              <a:rPr lang="en-US" altLang="ko-KR" dirty="0"/>
+              <a:t>python DRUM.py --</a:t>
             </a:r>
             <a:r>
               <a:rPr lang="en-US" altLang="ko-KR" dirty="0" err="1"/>
@@ -5432,211 +5540,181 @@
             <a:endParaRPr lang="en-US" altLang="ko-KR" dirty="0"/>
           </a:p>
           <a:p>
-            <a:pPr lvl="1"/>
-            <a:r>
-              <a:rPr lang="ko-KR" altLang="en-US" dirty="0"/>
-              <a:t>음원사용 대신 실시간으로 녹음을 하며 악보 생성</a:t>
-            </a:r>
-            <a:endParaRPr lang="en-US" altLang="ko-KR" dirty="0"/>
-          </a:p>
-          <a:p>
-            <a:r>
-              <a:rPr lang="en-US" altLang="ko-KR" dirty="0"/>
-              <a:t>--</a:t>
+            <a:pPr lvl="1">
+              <a:lnSpc>
+                <a:spcPct val="120000"/>
+              </a:lnSpc>
+            </a:pPr>
+            <a:r>
+              <a:rPr lang="ko-KR" altLang="en-US" dirty="0"/>
+              <a:t>실시간으로 녹음을 받으며 악보를 생성</a:t>
+            </a:r>
+            <a:endParaRPr lang="en-US" altLang="ko-KR" dirty="0"/>
+          </a:p>
+          <a:p>
+            <a:pPr lvl="1">
+              <a:lnSpc>
+                <a:spcPct val="120000"/>
+              </a:lnSpc>
+            </a:pPr>
+            <a:r>
+              <a:rPr lang="en-US" altLang="ko-KR" dirty="0"/>
+              <a:t>Bpm</a:t>
+            </a:r>
+            <a:r>
+              <a:rPr lang="ko-KR" altLang="en-US" dirty="0"/>
+              <a:t>정보 및 </a:t>
             </a:r>
             <a:r>
               <a:rPr lang="en-US" altLang="ko-KR" dirty="0" err="1"/>
-              <a:t>ignore_bpm</a:t>
-            </a:r>
-            <a:endParaRPr lang="en-US" altLang="ko-KR" dirty="0"/>
-          </a:p>
-          <a:p>
-            <a:pPr lvl="1"/>
-            <a:r>
-              <a:rPr lang="ko-KR" altLang="en-US" dirty="0"/>
-              <a:t>음원에서 악보를 만들 때</a:t>
-            </a:r>
-            <a:r>
-              <a:rPr lang="en-US" altLang="ko-KR" dirty="0"/>
-              <a:t>, bpm</a:t>
-            </a:r>
-            <a:r>
-              <a:rPr lang="ko-KR" altLang="en-US" dirty="0"/>
-              <a:t>정보를 무시하고 절대시간으로 악보를 생성함 </a:t>
-            </a:r>
-            <a:r>
-              <a:rPr lang="en-US" altLang="ko-KR" dirty="0"/>
-              <a:t>(</a:t>
-            </a:r>
-            <a:r>
-              <a:rPr lang="ko-KR" altLang="en-US" dirty="0"/>
-              <a:t>조정수 박사님 로봇 기준 </a:t>
-            </a:r>
-            <a:r>
-              <a:rPr lang="en-US" altLang="ko-KR" dirty="0"/>
-              <a:t>100bpm)</a:t>
-            </a:r>
-          </a:p>
-          <a:p>
-            <a:pPr lvl="1"/>
-            <a:r>
-              <a:rPr lang="en-US" altLang="ko-KR" dirty="0" err="1"/>
-              <a:t>real_time</a:t>
-            </a:r>
-            <a:r>
-              <a:rPr lang="en-US" altLang="ko-KR" dirty="0"/>
-              <a:t> </a:t>
-            </a:r>
-            <a:r>
-              <a:rPr lang="ko-KR" altLang="en-US" dirty="0"/>
-              <a:t>사용 시 </a:t>
-            </a:r>
-            <a:r>
-              <a:rPr lang="en-US" altLang="ko-KR" dirty="0" err="1"/>
-              <a:t>ignore_bpm</a:t>
-            </a:r>
-            <a:r>
-              <a:rPr lang="ko-KR" altLang="en-US" dirty="0"/>
-              <a:t>은 항상 </a:t>
-            </a:r>
-            <a:r>
-              <a:rPr lang="en-US" altLang="ko-KR" dirty="0"/>
-              <a:t>True</a:t>
-            </a:r>
-            <a:r>
-              <a:rPr lang="ko-KR" altLang="en-US" dirty="0"/>
-              <a:t>임</a:t>
-            </a:r>
-            <a:endParaRPr lang="en-US" altLang="ko-KR" dirty="0"/>
-          </a:p>
-          <a:p>
-            <a:r>
-              <a:rPr lang="en-US" altLang="ko-KR" dirty="0"/>
-              <a:t>--</a:t>
-            </a:r>
-            <a:r>
-              <a:rPr lang="en-US" altLang="ko-KR" dirty="0" err="1"/>
-              <a:t>idx_list</a:t>
-            </a:r>
-            <a:endParaRPr lang="en-US" altLang="ko-KR" dirty="0"/>
-          </a:p>
-          <a:p>
-            <a:pPr lvl="1"/>
+              <a:t>rnn</a:t>
+            </a:r>
+            <a:r>
+              <a:rPr lang="ko-KR" altLang="en-US" dirty="0"/>
+              <a:t>은 사용할 수 없음</a:t>
+            </a:r>
+            <a:endParaRPr lang="en-US" altLang="ko-KR" dirty="0"/>
+          </a:p>
+          <a:p>
+            <a:pPr lvl="1">
+              <a:lnSpc>
+                <a:spcPct val="120000"/>
+              </a:lnSpc>
+            </a:pPr>
+            <a:r>
+              <a:rPr lang="ko-KR" altLang="en-US" dirty="0"/>
+              <a:t>실행까지 대기시간이 필요하고</a:t>
+            </a:r>
+            <a:r>
+              <a:rPr lang="en-US" altLang="ko-KR" dirty="0"/>
+              <a:t>, </a:t>
+            </a:r>
+            <a:r>
+              <a:rPr lang="ko-KR" altLang="en-US" dirty="0"/>
+              <a:t>각종 경고문이 나오니</a:t>
+            </a:r>
+            <a:endParaRPr lang="en-US" altLang="ko-KR" dirty="0"/>
+          </a:p>
+          <a:p>
+            <a:pPr marL="914400" lvl="2" indent="0">
+              <a:lnSpc>
+                <a:spcPct val="120000"/>
+              </a:lnSpc>
+              <a:buNone/>
+            </a:pPr>
+            <a:r>
+              <a:rPr lang="en-US" altLang="ko-KR" dirty="0"/>
+              <a:t>Recording Started.  Type 'q' to Terminate.</a:t>
+            </a:r>
+          </a:p>
+          <a:p>
+            <a:pPr marL="914400" lvl="2" indent="0">
+              <a:lnSpc>
+                <a:spcPct val="120000"/>
+              </a:lnSpc>
+              <a:buNone/>
+            </a:pPr>
+            <a:r>
+              <a:rPr lang="ko-KR" altLang="en-US" dirty="0"/>
+              <a:t>가 화면에 출력되는 것을 </a:t>
+            </a:r>
             <a:r>
               <a:rPr lang="ko-KR" altLang="en-US" dirty="0" err="1"/>
-              <a:t>녹음받을</a:t>
-            </a:r>
-            <a:r>
-              <a:rPr lang="ko-KR" altLang="en-US" dirty="0"/>
-              <a:t> 장치의 </a:t>
-            </a:r>
-            <a:r>
-              <a:rPr lang="en-US" altLang="ko-KR" dirty="0"/>
-              <a:t>index</a:t>
-            </a:r>
-            <a:r>
-              <a:rPr lang="ko-KR" altLang="en-US" dirty="0"/>
-              <a:t>를 찾기 위한 </a:t>
-            </a:r>
-            <a:r>
-              <a:rPr lang="en-US" altLang="ko-KR" dirty="0"/>
-              <a:t>parser</a:t>
-            </a:r>
-          </a:p>
-          <a:p>
-            <a:pPr lvl="1"/>
-            <a:r>
-              <a:rPr lang="ko-KR" altLang="en-US" dirty="0"/>
-              <a:t>해당 </a:t>
-            </a:r>
-            <a:r>
-              <a:rPr lang="en-US" altLang="ko-KR" dirty="0"/>
-              <a:t>parser </a:t>
-            </a:r>
-            <a:r>
-              <a:rPr lang="ko-KR" altLang="en-US" dirty="0"/>
-              <a:t>추가 시 장치목록만을 출력하고 프로그램 종료</a:t>
-            </a:r>
-            <a:endParaRPr lang="en-US" altLang="ko-KR" dirty="0"/>
-          </a:p>
-          <a:p>
-            <a:r>
-              <a:rPr lang="en-US" altLang="ko-KR" dirty="0"/>
-              <a:t>--</a:t>
-            </a:r>
-            <a:r>
-              <a:rPr lang="en-US" altLang="ko-KR" dirty="0" err="1"/>
-              <a:t>record_idx</a:t>
-            </a:r>
-            <a:r>
-              <a:rPr lang="en-US" altLang="ko-KR" dirty="0"/>
-              <a:t> [num]</a:t>
-            </a:r>
-          </a:p>
-          <a:p>
-            <a:pPr lvl="1"/>
+              <a:t>주의깊게</a:t>
+            </a:r>
+            <a:r>
+              <a:rPr lang="ko-KR" altLang="en-US" dirty="0"/>
+              <a:t> 확인할 필요가 있음</a:t>
+            </a:r>
+            <a:endParaRPr lang="en-US" altLang="ko-KR" dirty="0"/>
+          </a:p>
+          <a:p>
+            <a:pPr lvl="1">
+              <a:lnSpc>
+                <a:spcPct val="120000"/>
+              </a:lnSpc>
+            </a:pPr>
+            <a:r>
+              <a:rPr lang="en-US" altLang="ko-KR" dirty="0"/>
+              <a:t>Q</a:t>
+            </a:r>
+            <a:r>
+              <a:rPr lang="ko-KR" altLang="en-US" dirty="0"/>
+              <a:t>를 입력하고 </a:t>
+            </a:r>
+            <a:r>
+              <a:rPr lang="en-US" altLang="ko-KR" dirty="0"/>
+              <a:t>‘</a:t>
+            </a:r>
             <a:r>
               <a:rPr lang="ko-KR" altLang="en-US" dirty="0" err="1"/>
-              <a:t>녹음받을</a:t>
-            </a:r>
-            <a:r>
-              <a:rPr lang="ko-KR" altLang="en-US" dirty="0"/>
-              <a:t> 장치의 </a:t>
-            </a:r>
-            <a:r>
-              <a:rPr lang="en-US" altLang="ko-KR" dirty="0"/>
-              <a:t>index</a:t>
-            </a:r>
-            <a:r>
-              <a:rPr lang="ko-KR" altLang="en-US" dirty="0"/>
-              <a:t>를 지정해줌 </a:t>
-            </a:r>
-            <a:r>
-              <a:rPr lang="en-US" altLang="ko-KR" dirty="0"/>
-              <a:t>ex) --</a:t>
-            </a:r>
-            <a:r>
-              <a:rPr lang="en-US" altLang="ko-KR" dirty="0" err="1"/>
-              <a:t>record_idx</a:t>
-            </a:r>
-            <a:r>
-              <a:rPr lang="en-US" altLang="ko-KR" dirty="0"/>
-              <a:t> 2</a:t>
-            </a:r>
-          </a:p>
-          <a:p>
-            <a:pPr lvl="1"/>
-            <a:r>
-              <a:rPr lang="en-US" altLang="ko-KR" dirty="0"/>
-              <a:t>Default </a:t>
-            </a:r>
-            <a:r>
-              <a:rPr lang="ko-KR" altLang="en-US" dirty="0"/>
-              <a:t>값은 </a:t>
-            </a:r>
-            <a:r>
-              <a:rPr lang="en-US" altLang="ko-KR" dirty="0"/>
-              <a:t>2</a:t>
-            </a:r>
-          </a:p>
-          <a:p>
-            <a:r>
-              <a:rPr lang="en-US" altLang="ko-KR" dirty="0"/>
-              <a:t>--wav “filename.wav”</a:t>
-            </a:r>
-          </a:p>
-          <a:p>
-            <a:pPr lvl="1"/>
-            <a:r>
-              <a:rPr lang="ko-KR" altLang="en-US" dirty="0"/>
-              <a:t>기존에 존재하는 음원에서 악보를 생성</a:t>
-            </a:r>
-            <a:endParaRPr lang="en-US" altLang="ko-KR" dirty="0"/>
-          </a:p>
-          <a:p>
-            <a:r>
-              <a:rPr lang="en-US" altLang="ko-KR" dirty="0"/>
-              <a:t>--</a:t>
+              <a:t>엔터를</a:t>
+            </a:r>
+            <a:r>
+              <a:rPr lang="ko-KR" altLang="en-US" dirty="0"/>
+              <a:t> 치면</a:t>
+            </a:r>
+            <a:r>
+              <a:rPr lang="en-US" altLang="ko-KR" dirty="0"/>
+              <a:t>’ </a:t>
+            </a:r>
+            <a:r>
+              <a:rPr lang="ko-KR" altLang="en-US" dirty="0"/>
+              <a:t>모든 프로세스가 중지됨</a:t>
+            </a:r>
+            <a:endParaRPr lang="en-US" altLang="ko-KR" dirty="0"/>
+          </a:p>
+          <a:p>
+            <a:pPr>
+              <a:lnSpc>
+                <a:spcPct val="120000"/>
+              </a:lnSpc>
+            </a:pPr>
+            <a:r>
+              <a:rPr lang="en-US" altLang="ko-KR" dirty="0"/>
+              <a:t>python DRUM.py --wav “filename.wav”</a:t>
+            </a:r>
+          </a:p>
+          <a:p>
+            <a:pPr lvl="1">
+              <a:lnSpc>
+                <a:spcPct val="120000"/>
+              </a:lnSpc>
+            </a:pPr>
+            <a:r>
+              <a:rPr lang="en-US" altLang="ko-KR" dirty="0"/>
+              <a:t>filename.wav </a:t>
+            </a:r>
+            <a:r>
+              <a:rPr lang="ko-KR" altLang="en-US" dirty="0"/>
+              <a:t>파일을 분석하여 악보를 생성</a:t>
+            </a:r>
+            <a:endParaRPr lang="en-US" altLang="ko-KR" dirty="0"/>
+          </a:p>
+          <a:p>
+            <a:pPr lvl="1">
+              <a:lnSpc>
+                <a:spcPct val="120000"/>
+              </a:lnSpc>
+            </a:pPr>
+            <a:r>
+              <a:rPr lang="ko-KR" altLang="en-US" dirty="0"/>
+              <a:t>출력 또한 해당 파일의 이름을 따라 감 </a:t>
+            </a:r>
+            <a:r>
+              <a:rPr lang="en-US" altLang="ko-KR" dirty="0"/>
+              <a:t>(filename.txt / filename.mid)</a:t>
+            </a:r>
+          </a:p>
+          <a:p>
+            <a:pPr>
+              <a:lnSpc>
+                <a:spcPct val="120000"/>
+              </a:lnSpc>
+            </a:pPr>
+            <a:r>
+              <a:rPr lang="en-US" altLang="ko-KR" dirty="0"/>
+              <a:t>python DRUM.py --</a:t>
             </a:r>
             <a:r>
               <a:rPr lang="en-US" altLang="ko-KR" dirty="0" err="1"/>
@@ -5645,63 +5723,26 @@
             <a:endParaRPr lang="en-US" altLang="ko-KR" dirty="0"/>
           </a:p>
           <a:p>
-            <a:pPr lvl="1"/>
-            <a:r>
-              <a:rPr lang="en-US" altLang="ko-KR" dirty="0"/>
-              <a:t>.mid </a:t>
+            <a:pPr lvl="1">
+              <a:lnSpc>
+                <a:spcPct val="120000"/>
+              </a:lnSpc>
+            </a:pPr>
+            <a:r>
+              <a:rPr lang="en-US" altLang="ko-KR" dirty="0"/>
+              <a:t>midi</a:t>
             </a:r>
             <a:r>
               <a:rPr lang="ko-KR" altLang="en-US" dirty="0"/>
               <a:t>파일을 생성함</a:t>
             </a:r>
-            <a:endParaRPr lang="en-US" altLang="ko-KR" dirty="0"/>
-          </a:p>
-          <a:p>
-            <a:pPr lvl="1"/>
-            <a:r>
-              <a:rPr lang="en-US" altLang="ko-KR" dirty="0"/>
-              <a:t>--</a:t>
-            </a:r>
-            <a:r>
-              <a:rPr lang="en-US" altLang="ko-KR" dirty="0" err="1"/>
-              <a:t>create_midi</a:t>
-            </a:r>
-            <a:r>
-              <a:rPr lang="en-US" altLang="ko-KR" dirty="0"/>
-              <a:t> </a:t>
-            </a:r>
-            <a:r>
-              <a:rPr lang="ko-KR" altLang="en-US" dirty="0"/>
-              <a:t>사용 시</a:t>
-            </a:r>
-            <a:r>
-              <a:rPr lang="en-US" altLang="ko-KR" dirty="0"/>
-              <a:t>, </a:t>
-            </a:r>
-            <a:r>
-              <a:rPr lang="en-US" altLang="ko-KR" dirty="0" err="1"/>
-              <a:t>real_time</a:t>
-            </a:r>
-            <a:r>
-              <a:rPr lang="ko-KR" altLang="en-US" dirty="0"/>
-              <a:t>과 </a:t>
-            </a:r>
-            <a:r>
-              <a:rPr lang="en-US" altLang="ko-KR" dirty="0" err="1"/>
-              <a:t>ignore_bpm</a:t>
-            </a:r>
-            <a:r>
-              <a:rPr lang="ko-KR" altLang="en-US" dirty="0"/>
-              <a:t>은 사용 불가</a:t>
-            </a:r>
-            <a:endParaRPr lang="en-US" altLang="ko-KR" dirty="0"/>
           </a:p>
         </p:txBody>
       </p:sp>
     </p:spTree>
     <p:extLst>
       <p:ext uri="{BB962C8B-B14F-4D97-AF65-F5344CB8AC3E}">
-        <p14:creationId xmlns:p14="http://schemas.microsoft.com/office/powerpoint/2010/main" val="852900237"/>
+        <p14:creationId xmlns:p14="http://schemas.microsoft.com/office/powerpoint/2010/main" val="2594572097"/>
       </p:ext>
     </p:extLst>
   </p:cSld>
@@ -5751,12 +5792,17 @@
           <a:p>
             <a:r>
               <a:rPr lang="en-US" altLang="ko-KR" dirty="0"/>
-              <a:t>Module </a:t>
-            </a:r>
-            <a:r>
-              <a:rPr lang="ko-KR" altLang="en-US" dirty="0"/>
-              <a:t>설명</a:t>
-            </a:r>
+              <a:t>Parser </a:t>
+            </a:r>
+            <a:r>
+              <a:rPr lang="ko-KR" altLang="en-US" dirty="0"/>
+              <a:t>옵션</a:t>
+            </a:r>
+            <a:r>
+              <a:rPr lang="en-US" altLang="ko-KR" dirty="0"/>
+              <a:t> </a:t>
+            </a:r>
+            <a:endParaRPr lang="ko-KR" altLang="en-US" dirty="0"/>
           </a:p>
         </p:txBody>
       </p:sp>
@@ -5776,181 +5822,424 @@
             <p:ph idx="1"/>
           </p:nvPr>
         </p:nvSpPr>
-        <p:spPr/>
+        <p:spPr>
+          <a:xfrm>
+            <a:off x="838200" y="1497330"/>
+            <a:ext cx="10515600" cy="5360669"/>
+          </a:xfrm>
+        </p:spPr>
         <p:txBody>
           <a:bodyPr>
-            <a:normAutofit/>
+            <a:normAutofit fontScale="47500" lnSpcReduction="20000"/>
           </a:bodyPr>
           <a:lstStyle/>
           <a:p>
+            <a:pPr>
+              <a:lnSpc>
+                <a:spcPct val="120000"/>
+              </a:lnSpc>
+            </a:pPr>
+            <a:r>
+              <a:rPr lang="en-US" altLang="ko-KR" dirty="0"/>
+              <a:t>--</a:t>
+            </a:r>
             <a:r>
               <a:rPr lang="en-US" altLang="ko-KR" dirty="0" err="1"/>
-              <a:t>LR_assign</a:t>
-            </a:r>
-            <a:endParaRPr lang="en-US" altLang="ko-KR" dirty="0"/>
-          </a:p>
-          <a:p>
-            <a:pPr lvl="1"/>
+              <a:t>use_rnn</a:t>
+            </a:r>
+            <a:endParaRPr lang="en-US" altLang="ko-KR" dirty="0"/>
+          </a:p>
+          <a:p>
+            <a:pPr lvl="1">
+              <a:lnSpc>
+                <a:spcPct val="120000"/>
+              </a:lnSpc>
+            </a:pPr>
+            <a:r>
+              <a:rPr lang="ko-KR" altLang="en-US" dirty="0"/>
+              <a:t>음원에서 악보를 만들 때</a:t>
+            </a:r>
+            <a:r>
+              <a:rPr lang="en-US" altLang="ko-KR" dirty="0"/>
+              <a:t>, RNN</a:t>
+            </a:r>
+            <a:r>
+              <a:rPr lang="ko-KR" altLang="en-US" dirty="0"/>
+              <a:t>을 통해 </a:t>
+            </a:r>
+            <a:r>
+              <a:rPr lang="en-US" altLang="ko-KR" dirty="0"/>
+              <a:t>CNN </a:t>
+            </a:r>
+            <a:r>
+              <a:rPr lang="ko-KR" altLang="en-US" dirty="0"/>
+              <a:t>모델의 예측을 보정할 수 있음</a:t>
+            </a:r>
+            <a:endParaRPr lang="en-US" altLang="ko-KR" dirty="0"/>
+          </a:p>
+          <a:p>
+            <a:pPr>
+              <a:lnSpc>
+                <a:spcPct val="120000"/>
+              </a:lnSpc>
+            </a:pPr>
+            <a:r>
+              <a:rPr lang="en-US" altLang="ko-KR" dirty="0"/>
+              <a:t>--</a:t>
+            </a:r>
             <a:r>
               <a:rPr lang="en-US" altLang="ko-KR" dirty="0" err="1"/>
-              <a:t>separate_ccl</a:t>
-            </a:r>
-            <a:r>
-              <a:rPr lang="en-US" altLang="ko-KR" dirty="0"/>
-              <a:t>()</a:t>
-            </a:r>
-          </a:p>
-          <a:p>
-            <a:pPr lvl="2"/>
-            <a:r>
-              <a:rPr lang="en-US" altLang="ko-KR" dirty="0"/>
-              <a:t>C (Crash) </a:t>
-            </a:r>
-            <a:r>
-              <a:rPr lang="ko-KR" altLang="en-US" dirty="0"/>
-              <a:t>클래스를 좌측의 </a:t>
-            </a:r>
-            <a:r>
-              <a:rPr lang="en-US" altLang="ko-KR" dirty="0"/>
-              <a:t>Crash (</a:t>
+              <a:t>real_time</a:t>
+            </a:r>
+            <a:endParaRPr lang="en-US" altLang="ko-KR" dirty="0"/>
+          </a:p>
+          <a:p>
+            <a:pPr lvl="1">
+              <a:lnSpc>
+                <a:spcPct val="120000"/>
+              </a:lnSpc>
+            </a:pPr>
+            <a:r>
+              <a:rPr lang="ko-KR" altLang="en-US" dirty="0"/>
+              <a:t>음원사용 대신 실시간으로 녹음을 하며 악보 생성</a:t>
+            </a:r>
+            <a:endParaRPr lang="en-US" altLang="ko-KR" dirty="0"/>
+          </a:p>
+          <a:p>
+            <a:pPr>
+              <a:lnSpc>
+                <a:spcPct val="120000"/>
+              </a:lnSpc>
+            </a:pPr>
+            <a:r>
+              <a:rPr lang="en-US" altLang="ko-KR" dirty="0"/>
+              <a:t>--</a:t>
             </a:r>
             <a:r>
               <a:rPr lang="en-US" altLang="ko-KR" dirty="0" err="1"/>
-              <a:t>cc_l</a:t>
-            </a:r>
-            <a:r>
-              <a:rPr lang="en-US" altLang="ko-KR" dirty="0"/>
-              <a:t>)</a:t>
-            </a:r>
-            <a:r>
-              <a:rPr lang="ko-KR" altLang="en-US" dirty="0"/>
-              <a:t>와 우측의 </a:t>
-            </a:r>
-            <a:r>
-              <a:rPr lang="en-US" altLang="ko-KR" dirty="0"/>
-              <a:t>Crash (</a:t>
-            </a:r>
+              <a:t>ignore_bpm</a:t>
+            </a:r>
+            <a:endParaRPr lang="en-US" altLang="ko-KR" dirty="0"/>
+          </a:p>
+          <a:p>
+            <a:pPr lvl="1">
+              <a:lnSpc>
+                <a:spcPct val="120000"/>
+              </a:lnSpc>
+            </a:pPr>
+            <a:r>
+              <a:rPr lang="ko-KR" altLang="en-US" dirty="0"/>
+              <a:t>음원에서 악보를 만들 때</a:t>
+            </a:r>
+            <a:r>
+              <a:rPr lang="en-US" altLang="ko-KR" dirty="0"/>
+              <a:t>, bpm</a:t>
+            </a:r>
+            <a:r>
+              <a:rPr lang="ko-KR" altLang="en-US" dirty="0"/>
+              <a:t>정보를 무시하고 절대시간으로 악보를 생성함 </a:t>
+            </a:r>
+            <a:r>
+              <a:rPr lang="en-US" altLang="ko-KR" dirty="0"/>
+              <a:t>(</a:t>
+            </a:r>
+            <a:r>
+              <a:rPr lang="ko-KR" altLang="en-US" dirty="0"/>
+              <a:t>조정수 박사님 로봇 기준 </a:t>
+            </a:r>
+            <a:r>
+              <a:rPr lang="en-US" altLang="ko-KR" dirty="0"/>
+              <a:t>100bpm)</a:t>
+            </a:r>
+          </a:p>
+          <a:p>
+            <a:pPr lvl="1">
+              <a:lnSpc>
+                <a:spcPct val="120000"/>
+              </a:lnSpc>
+            </a:pPr>
             <a:r>
               <a:rPr lang="en-US" altLang="ko-KR" dirty="0" err="1"/>
-              <a:t>cc_r</a:t>
-            </a:r>
-            <a:r>
-              <a:rPr lang="en-US" altLang="ko-KR" dirty="0"/>
-              <a:t>)</a:t>
-            </a:r>
-            <a:r>
-              <a:rPr lang="ko-KR" altLang="en-US" dirty="0"/>
-              <a:t>로 나누어 줌</a:t>
-            </a:r>
-            <a:endParaRPr lang="en-US" altLang="ko-KR" dirty="0"/>
-          </a:p>
-          <a:p>
-            <a:pPr lvl="1"/>
+              <a:t>real_time</a:t>
+            </a:r>
+            <a:r>
+              <a:rPr lang="en-US" altLang="ko-KR" dirty="0"/>
+              <a:t> </a:t>
+            </a:r>
+            <a:r>
+              <a:rPr lang="ko-KR" altLang="en-US" dirty="0"/>
+              <a:t>사용 시 </a:t>
+            </a:r>
             <a:r>
               <a:rPr lang="en-US" altLang="ko-KR" dirty="0" err="1"/>
-              <a:t>Foot_hand_separation</a:t>
-            </a:r>
-            <a:r>
-              <a:rPr lang="en-US" altLang="ko-KR" dirty="0"/>
-              <a:t>()</a:t>
-            </a:r>
-          </a:p>
-          <a:p>
-            <a:pPr lvl="2"/>
-            <a:r>
-              <a:rPr lang="ko-KR" altLang="en-US" dirty="0"/>
-              <a:t>손동작과 발동작을 나누어 줌</a:t>
-            </a:r>
-            <a:endParaRPr lang="en-US" altLang="ko-KR" dirty="0"/>
-          </a:p>
-          <a:p>
-            <a:pPr lvl="2"/>
-            <a:r>
-              <a:rPr lang="ko-KR" altLang="en-US" dirty="0"/>
-              <a:t>기본적으로 </a:t>
-            </a:r>
-            <a:r>
-              <a:rPr lang="en-US" altLang="ko-KR" dirty="0"/>
-              <a:t>hi-hat </a:t>
-            </a:r>
-            <a:r>
-              <a:rPr lang="ko-KR" altLang="en-US" dirty="0"/>
-              <a:t>페달은 </a:t>
-            </a:r>
-            <a:r>
-              <a:rPr lang="en-US" altLang="ko-KR" dirty="0"/>
-              <a:t>open-hat</a:t>
-            </a:r>
-            <a:r>
-              <a:rPr lang="ko-KR" altLang="en-US" dirty="0"/>
-              <a:t>을 연주할 때를 제외하면 전부 밟게 설정함</a:t>
-            </a:r>
-            <a:endParaRPr lang="en-US" altLang="ko-KR" dirty="0"/>
-          </a:p>
-          <a:p>
-            <a:pPr lvl="1"/>
+              <a:t>ignore_bpm</a:t>
+            </a:r>
+            <a:r>
+              <a:rPr lang="ko-KR" altLang="en-US" dirty="0"/>
+              <a:t>은 항상 </a:t>
+            </a:r>
+            <a:r>
+              <a:rPr lang="en-US" altLang="ko-KR" dirty="0"/>
+              <a:t>True</a:t>
+            </a:r>
+            <a:r>
+              <a:rPr lang="ko-KR" altLang="en-US" dirty="0"/>
+              <a:t>임</a:t>
+            </a:r>
+            <a:endParaRPr lang="en-US" altLang="ko-KR" dirty="0"/>
+          </a:p>
+          <a:p>
+            <a:pPr lvl="1">
+              <a:lnSpc>
+                <a:spcPct val="120000"/>
+              </a:lnSpc>
+            </a:pPr>
             <a:r>
               <a:rPr lang="en-US" altLang="ko-KR" dirty="0" err="1"/>
-              <a:t>first_progress</a:t>
-            </a:r>
-            <a:r>
-              <a:rPr lang="en-US" altLang="ko-KR" dirty="0"/>
-              <a:t>() / </a:t>
+              <a:t>create_midi</a:t>
+            </a:r>
+            <a:r>
+              <a:rPr lang="en-US" altLang="ko-KR" dirty="0"/>
+              <a:t> </a:t>
+            </a:r>
+            <a:r>
+              <a:rPr lang="ko-KR" altLang="en-US" dirty="0"/>
+              <a:t>와 병행사용 불가</a:t>
+            </a:r>
+            <a:endParaRPr lang="en-US" altLang="ko-KR" dirty="0"/>
+          </a:p>
+          <a:p>
+            <a:pPr>
+              <a:lnSpc>
+                <a:spcPct val="120000"/>
+              </a:lnSpc>
+            </a:pPr>
+            <a:r>
+              <a:rPr lang="en-US" altLang="ko-KR" dirty="0"/>
+              <a:t>--</a:t>
             </a:r>
             <a:r>
               <a:rPr lang="en-US" altLang="ko-KR" dirty="0" err="1"/>
-              <a:t>second_progress</a:t>
-            </a:r>
-            <a:r>
-              <a:rPr lang="en-US" altLang="ko-KR" dirty="0"/>
-              <a:t>()</a:t>
-            </a:r>
-          </a:p>
-          <a:p>
-            <a:pPr lvl="2"/>
-            <a:r>
-              <a:rPr lang="ko-KR" altLang="en-US" dirty="0"/>
-              <a:t>특정 논리에 따라 왼손</a:t>
-            </a:r>
-            <a:r>
-              <a:rPr lang="en-US" altLang="ko-KR" dirty="0"/>
-              <a:t>/</a:t>
-            </a:r>
-            <a:r>
-              <a:rPr lang="ko-KR" altLang="en-US" dirty="0"/>
-              <a:t>오른손을 할당 함</a:t>
-            </a:r>
-            <a:endParaRPr lang="en-US" altLang="ko-KR" dirty="0"/>
-          </a:p>
-          <a:p>
-            <a:pPr lvl="2"/>
-            <a:r>
-              <a:rPr lang="ko-KR" altLang="en-US" dirty="0"/>
-              <a:t>내용은 모름</a:t>
-            </a:r>
-            <a:endParaRPr lang="en-US" altLang="ko-KR" dirty="0"/>
-          </a:p>
-          <a:p>
-            <a:pPr lvl="1"/>
-            <a:r>
-              <a:rPr lang="ko-KR" altLang="en-US" dirty="0"/>
-              <a:t>사용 과정은 </a:t>
-            </a:r>
-            <a:r>
-              <a:rPr lang="en-US" altLang="ko-KR" dirty="0"/>
-              <a:t>not_real_time.py </a:t>
-            </a:r>
-            <a:r>
-              <a:rPr lang="ko-KR" altLang="en-US" dirty="0"/>
-              <a:t>의 </a:t>
-            </a:r>
-            <a:r>
-              <a:rPr lang="en-US" altLang="ko-KR" dirty="0"/>
-              <a:t>150-155 </a:t>
-            </a:r>
-            <a:r>
-              <a:rPr lang="ko-KR" altLang="en-US" dirty="0"/>
-              <a:t>줄 참조</a:t>
+              <a:t>idx_list</a:t>
+            </a:r>
+            <a:endParaRPr lang="en-US" altLang="ko-KR" dirty="0"/>
+          </a:p>
+          <a:p>
+            <a:pPr lvl="1">
+              <a:lnSpc>
+                <a:spcPct val="120000"/>
+              </a:lnSpc>
+            </a:pPr>
+            <a:r>
+              <a:rPr lang="ko-KR" altLang="en-US" dirty="0" err="1"/>
+              <a:t>녹음받을</a:t>
+            </a:r>
+            <a:r>
+              <a:rPr lang="ko-KR" altLang="en-US" dirty="0"/>
+              <a:t> 장치의 </a:t>
+            </a:r>
+            <a:r>
+              <a:rPr lang="en-US" altLang="ko-KR" dirty="0"/>
+              <a:t>index</a:t>
+            </a:r>
+            <a:r>
+              <a:rPr lang="ko-KR" altLang="en-US" dirty="0"/>
+              <a:t>를 찾기 위한 </a:t>
+            </a:r>
+            <a:r>
+              <a:rPr lang="en-US" altLang="ko-KR" dirty="0"/>
+              <a:t>parser</a:t>
+            </a:r>
+          </a:p>
+          <a:p>
+            <a:pPr lvl="1">
+              <a:lnSpc>
+                <a:spcPct val="120000"/>
+              </a:lnSpc>
+            </a:pPr>
+            <a:r>
+              <a:rPr lang="ko-KR" altLang="en-US" dirty="0"/>
+              <a:t>해당 </a:t>
+            </a:r>
+            <a:r>
+              <a:rPr lang="en-US" altLang="ko-KR" dirty="0"/>
+              <a:t>parser </a:t>
+            </a:r>
+            <a:r>
+              <a:rPr lang="ko-KR" altLang="en-US" dirty="0"/>
+              <a:t>추가 시 장치목록만을 출력하고 프로그램 종료</a:t>
+            </a:r>
+            <a:endParaRPr lang="en-US" altLang="ko-KR" dirty="0"/>
+          </a:p>
+          <a:p>
+            <a:pPr>
+              <a:lnSpc>
+                <a:spcPct val="120000"/>
+              </a:lnSpc>
+            </a:pPr>
+            <a:r>
+              <a:rPr lang="en-US" altLang="ko-KR" dirty="0"/>
+              <a:t>--</a:t>
+            </a:r>
+            <a:r>
+              <a:rPr lang="en-US" altLang="ko-KR" dirty="0" err="1"/>
+              <a:t>record_idx</a:t>
+            </a:r>
+            <a:r>
+              <a:rPr lang="en-US" altLang="ko-KR" dirty="0"/>
+              <a:t> [num]</a:t>
+            </a:r>
+          </a:p>
+          <a:p>
+            <a:pPr lvl="1">
+              <a:lnSpc>
+                <a:spcPct val="120000"/>
+              </a:lnSpc>
+            </a:pPr>
+            <a:r>
+              <a:rPr lang="ko-KR" altLang="en-US" dirty="0" err="1"/>
+              <a:t>녹음받을</a:t>
+            </a:r>
+            <a:r>
+              <a:rPr lang="ko-KR" altLang="en-US" dirty="0"/>
+              <a:t> 장치의 </a:t>
+            </a:r>
+            <a:r>
+              <a:rPr lang="en-US" altLang="ko-KR" dirty="0"/>
+              <a:t>index</a:t>
+            </a:r>
+            <a:r>
+              <a:rPr lang="ko-KR" altLang="en-US" dirty="0"/>
+              <a:t>를 지정해줌 </a:t>
+            </a:r>
+            <a:r>
+              <a:rPr lang="en-US" altLang="ko-KR" dirty="0"/>
+              <a:t>ex) --</a:t>
+            </a:r>
+            <a:r>
+              <a:rPr lang="en-US" altLang="ko-KR" dirty="0" err="1"/>
+              <a:t>record_idx</a:t>
+            </a:r>
+            <a:r>
+              <a:rPr lang="en-US" altLang="ko-KR" dirty="0"/>
+              <a:t> 2</a:t>
+            </a:r>
+          </a:p>
+          <a:p>
+            <a:pPr lvl="1">
+              <a:lnSpc>
+                <a:spcPct val="120000"/>
+              </a:lnSpc>
+            </a:pPr>
+            <a:r>
+              <a:rPr lang="en-US" altLang="ko-KR" dirty="0"/>
+              <a:t>Default </a:t>
+            </a:r>
+            <a:r>
+              <a:rPr lang="ko-KR" altLang="en-US" dirty="0"/>
+              <a:t>값은 </a:t>
+            </a:r>
+            <a:r>
+              <a:rPr lang="en-US" altLang="ko-KR" dirty="0"/>
+              <a:t>2</a:t>
+            </a:r>
+          </a:p>
+          <a:p>
+            <a:pPr>
+              <a:lnSpc>
+                <a:spcPct val="120000"/>
+              </a:lnSpc>
+            </a:pPr>
+            <a:r>
+              <a:rPr lang="en-US" altLang="ko-KR" dirty="0"/>
+              <a:t>--wav “filename.wav”</a:t>
+            </a:r>
+          </a:p>
+          <a:p>
+            <a:pPr lvl="1">
+              <a:lnSpc>
+                <a:spcPct val="120000"/>
+              </a:lnSpc>
+            </a:pPr>
+            <a:r>
+              <a:rPr lang="ko-KR" altLang="en-US" dirty="0"/>
+              <a:t>기존에 존재하는 음원에서 악보를 생성</a:t>
+            </a:r>
+            <a:endParaRPr lang="en-US" altLang="ko-KR" dirty="0"/>
+          </a:p>
+          <a:p>
+            <a:pPr>
+              <a:lnSpc>
+                <a:spcPct val="120000"/>
+              </a:lnSpc>
+            </a:pPr>
+            <a:r>
+              <a:rPr lang="en-US" altLang="ko-KR" dirty="0"/>
+              <a:t>--</a:t>
+            </a:r>
+            <a:r>
+              <a:rPr lang="en-US" altLang="ko-KR" dirty="0" err="1"/>
+              <a:t>create_midi</a:t>
+            </a:r>
+            <a:endParaRPr lang="en-US" altLang="ko-KR" dirty="0"/>
+          </a:p>
+          <a:p>
+            <a:pPr lvl="1">
+              <a:lnSpc>
+                <a:spcPct val="120000"/>
+              </a:lnSpc>
+            </a:pPr>
+            <a:r>
+              <a:rPr lang="en-US" altLang="ko-KR" dirty="0"/>
+              <a:t>.mid </a:t>
+            </a:r>
+            <a:r>
+              <a:rPr lang="ko-KR" altLang="en-US" dirty="0"/>
+              <a:t>파일을 생성함</a:t>
+            </a:r>
+            <a:endParaRPr lang="en-US" altLang="ko-KR" dirty="0"/>
+          </a:p>
+          <a:p>
+            <a:pPr lvl="1">
+              <a:lnSpc>
+                <a:spcPct val="120000"/>
+              </a:lnSpc>
+            </a:pPr>
+            <a:r>
+              <a:rPr lang="en-US" altLang="ko-KR" dirty="0"/>
+              <a:t>--</a:t>
+            </a:r>
+            <a:r>
+              <a:rPr lang="en-US" altLang="ko-KR" dirty="0" err="1"/>
+              <a:t>create_midi</a:t>
+            </a:r>
+            <a:r>
+              <a:rPr lang="en-US" altLang="ko-KR" dirty="0"/>
+              <a:t> </a:t>
+            </a:r>
+            <a:r>
+              <a:rPr lang="ko-KR" altLang="en-US" dirty="0"/>
+              <a:t>사용 시</a:t>
+            </a:r>
+            <a:r>
+              <a:rPr lang="en-US" altLang="ko-KR" dirty="0"/>
+              <a:t>, </a:t>
+            </a:r>
+            <a:r>
+              <a:rPr lang="en-US" altLang="ko-KR" dirty="0" err="1"/>
+              <a:t>real_time</a:t>
+            </a:r>
+            <a:r>
+              <a:rPr lang="ko-KR" altLang="en-US" dirty="0"/>
+              <a:t>과 </a:t>
+            </a:r>
+            <a:r>
+              <a:rPr lang="en-US" altLang="ko-KR" dirty="0" err="1"/>
+              <a:t>ignore_bpm</a:t>
+            </a:r>
+            <a:r>
+              <a:rPr lang="ko-KR" altLang="en-US" dirty="0"/>
+              <a:t>은 사용 불가</a:t>
             </a:r>
             <a:endParaRPr lang="en-US" altLang="ko-KR" dirty="0"/>
           </a:p>
@@ -5959,7 +6248,7 @@
     </p:spTree>
     <p:extLst>
       <p:ext uri="{BB962C8B-B14F-4D97-AF65-F5344CB8AC3E}">
-        <p14:creationId xmlns:p14="http://schemas.microsoft.com/office/powerpoint/2010/main" val="932298666"/>
+        <p14:creationId xmlns:p14="http://schemas.microsoft.com/office/powerpoint/2010/main" val="852900237"/>
       </p:ext>
     </p:extLst>
   </p:cSld>
@@ -6043,31 +6332,188 @@
           <a:p>
             <a:r>
               <a:rPr lang="en-US" altLang="ko-KR" dirty="0" err="1"/>
-              <a:t>make_midi</a:t>
+              <a:t>LR_assign</a:t>
             </a:r>
             <a:endParaRPr lang="en-US" altLang="ko-KR" dirty="0"/>
           </a:p>
           <a:p>
             <a:pPr lvl="1"/>
             <a:r>
-              <a:rPr lang="ko-KR" altLang="en-US" dirty="0"/>
-              <a:t>악보를 </a:t>
-            </a:r>
-            <a:r>
-              <a:rPr lang="en-US" altLang="ko-KR" dirty="0"/>
-              <a:t>midi </a:t>
-            </a:r>
-            <a:r>
-              <a:rPr lang="ko-KR" altLang="en-US" dirty="0"/>
-              <a:t>형식으로 만듦</a:t>
+              <a:rPr lang="en-US" altLang="ko-KR" dirty="0" err="1"/>
+              <a:t>separate_cc</a:t>
+            </a:r>
+            <a:r>
+              <a:rPr lang="en-US" altLang="ko-KR" dirty="0"/>
+              <a:t>()</a:t>
+            </a:r>
+          </a:p>
+          <a:p>
+            <a:pPr lvl="2"/>
+            <a:r>
+              <a:rPr lang="en-US" altLang="ko-KR" dirty="0"/>
+              <a:t>C (Crash) </a:t>
+            </a:r>
+            <a:r>
+              <a:rPr lang="ko-KR" altLang="en-US" dirty="0"/>
+              <a:t>클래스를 좌측의 </a:t>
+            </a:r>
+            <a:r>
+              <a:rPr lang="en-US" altLang="ko-KR" dirty="0"/>
+              <a:t>Crash (</a:t>
+            </a:r>
+            <a:r>
+              <a:rPr lang="en-US" altLang="ko-KR" dirty="0" err="1"/>
+              <a:t>cc_l</a:t>
+            </a:r>
+            <a:r>
+              <a:rPr lang="en-US" altLang="ko-KR" dirty="0"/>
+              <a:t>)</a:t>
+            </a:r>
+            <a:r>
+              <a:rPr lang="ko-KR" altLang="en-US" dirty="0"/>
+              <a:t>와 우측의 </a:t>
+            </a:r>
+            <a:r>
+              <a:rPr lang="en-US" altLang="ko-KR" dirty="0"/>
+              <a:t>Crash (</a:t>
+            </a:r>
+            <a:r>
+              <a:rPr lang="en-US" altLang="ko-KR" dirty="0" err="1"/>
+              <a:t>cc_r</a:t>
+            </a:r>
+            <a:r>
+              <a:rPr lang="en-US" altLang="ko-KR" dirty="0"/>
+              <a:t>)</a:t>
+            </a:r>
+            <a:r>
+              <a:rPr lang="ko-KR" altLang="en-US" dirty="0"/>
+              <a:t>로 나누어 줌</a:t>
             </a:r>
             <a:endParaRPr lang="en-US" altLang="ko-KR" dirty="0"/>
           </a:p>
           <a:p>
             <a:pPr lvl="1"/>
             <a:r>
-              <a:rPr lang="ko-KR" altLang="en-US" dirty="0"/>
-              <a:t>수정 중</a:t>
+              <a:rPr lang="en-US" altLang="ko-KR" dirty="0" err="1"/>
+              <a:t>Foot_hand_separation</a:t>
+            </a:r>
+            <a:r>
+              <a:rPr lang="en-US" altLang="ko-KR" dirty="0"/>
+              <a:t>()</a:t>
+            </a:r>
+          </a:p>
+          <a:p>
+            <a:pPr lvl="2"/>
+            <a:r>
+              <a:rPr lang="ko-KR" altLang="en-US" dirty="0"/>
+              <a:t>손동작과 발동작을 나누어 주고 후처리를 위해 </a:t>
+            </a:r>
+            <a:r>
+              <a:rPr lang="en-US" altLang="ko-KR" dirty="0"/>
+              <a:t>CH,OH</a:t>
+            </a:r>
+            <a:r>
+              <a:rPr lang="ko-KR" altLang="en-US" dirty="0"/>
+              <a:t>가 </a:t>
+            </a:r>
+            <a:r>
+              <a:rPr lang="en-US" altLang="ko-KR" dirty="0"/>
+              <a:t>HH</a:t>
+            </a:r>
+            <a:r>
+              <a:rPr lang="ko-KR" altLang="en-US" dirty="0"/>
+              <a:t>로 통일됨</a:t>
+            </a:r>
+            <a:endParaRPr lang="en-US" altLang="ko-KR" dirty="0"/>
+          </a:p>
+          <a:p>
+            <a:pPr lvl="2"/>
+            <a:r>
+              <a:rPr lang="ko-KR" altLang="en-US" dirty="0"/>
+              <a:t>기본적으로 </a:t>
+            </a:r>
+            <a:r>
+              <a:rPr lang="en-US" altLang="ko-KR" dirty="0"/>
+              <a:t>hi-hat </a:t>
+            </a:r>
+            <a:r>
+              <a:rPr lang="ko-KR" altLang="en-US" dirty="0"/>
+              <a:t>페달은 </a:t>
+            </a:r>
+            <a:r>
+              <a:rPr lang="en-US" altLang="ko-KR" dirty="0"/>
+              <a:t>open-hat</a:t>
+            </a:r>
+            <a:r>
+              <a:rPr lang="ko-KR" altLang="en-US" dirty="0"/>
+              <a:t>을 연주할 때를 제외하면 전부 밟게 설정함</a:t>
+            </a:r>
+            <a:endParaRPr lang="en-US" altLang="ko-KR" dirty="0"/>
+          </a:p>
+          <a:p>
+            <a:pPr lvl="1"/>
+            <a:r>
+              <a:rPr lang="en-US" altLang="ko-KR" dirty="0" err="1"/>
+              <a:t>First_progress</a:t>
+            </a:r>
+            <a:r>
+              <a:rPr lang="en-US" altLang="ko-KR" dirty="0"/>
+              <a:t>() / </a:t>
+            </a:r>
+            <a:r>
+              <a:rPr lang="en-US" altLang="ko-KR" dirty="0" err="1"/>
+              <a:t>second_progress</a:t>
+            </a:r>
+            <a:r>
+              <a:rPr lang="en-US" altLang="ko-KR" dirty="0"/>
+              <a:t>()</a:t>
+            </a:r>
+          </a:p>
+          <a:p>
+            <a:pPr lvl="2"/>
+            <a:r>
+              <a:rPr lang="ko-KR" altLang="en-US" dirty="0"/>
+              <a:t>특정 논리에 따라 왼손</a:t>
+            </a:r>
+            <a:r>
+              <a:rPr lang="en-US" altLang="ko-KR" dirty="0"/>
+              <a:t>/</a:t>
+            </a:r>
+            <a:r>
+              <a:rPr lang="ko-KR" altLang="en-US" dirty="0"/>
+              <a:t>오른손을 할당 함</a:t>
+            </a:r>
+            <a:endParaRPr lang="en-US" altLang="ko-KR" dirty="0"/>
+          </a:p>
+          <a:p>
+            <a:pPr lvl="2"/>
+            <a:r>
+              <a:rPr lang="ko-KR" altLang="en-US" dirty="0"/>
+              <a:t>내용은 모름</a:t>
+            </a:r>
+            <a:endParaRPr lang="en-US" altLang="ko-KR" dirty="0"/>
+          </a:p>
+          <a:p>
+            <a:pPr lvl="1"/>
+            <a:r>
+              <a:rPr lang="ko-KR" altLang="en-US" dirty="0"/>
+              <a:t>과정은 </a:t>
+            </a:r>
+            <a:r>
+              <a:rPr lang="en-US" altLang="ko-KR" dirty="0"/>
+              <a:t>not_real_time.py </a:t>
+            </a:r>
+            <a:r>
+              <a:rPr lang="ko-KR" altLang="en-US" dirty="0"/>
+              <a:t>의 </a:t>
+            </a:r>
+            <a:r>
+              <a:rPr lang="en-US" altLang="ko-KR" dirty="0"/>
+              <a:t>150-155 </a:t>
+            </a:r>
+            <a:r>
+              <a:rPr lang="ko-KR" altLang="en-US" dirty="0"/>
+              <a:t>줄 참조</a:t>
             </a:r>
             <a:endParaRPr lang="en-US" altLang="ko-KR" dirty="0"/>
           </a:p>
@@ -6076,7 +6522,7 @@
     </p:spTree>
     <p:extLst>
       <p:ext uri="{BB962C8B-B14F-4D97-AF65-F5344CB8AC3E}">
-        <p14:creationId xmlns:p14="http://schemas.microsoft.com/office/powerpoint/2010/main" val="2163187054"/>
+        <p14:creationId xmlns:p14="http://schemas.microsoft.com/office/powerpoint/2010/main" val="932298666"/>
       </p:ext>
     </p:extLst>
   </p:cSld>
@@ -6158,6 +6604,11 @@
           </a:bodyPr>
           <a:lstStyle/>
           <a:p>
+            <a:pPr>
+              <a:lnSpc>
+                <a:spcPct val="100000"/>
+              </a:lnSpc>
+            </a:pPr>
             <a:r>
               <a:rPr lang="en-US" altLang="ko-KR" dirty="0" err="1"/>
               <a:t>model_def</a:t>
@@ -6165,7 +6616,11 @@
             <a:endParaRPr lang="en-US" altLang="ko-KR" dirty="0"/>
           </a:p>
           <a:p>
-            <a:pPr lvl="1"/>
+            <a:pPr lvl="1">
+              <a:lnSpc>
+                <a:spcPct val="100000"/>
+              </a:lnSpc>
+            </a:pPr>
             <a:r>
               <a:rPr lang="en-US" altLang="ko-KR" dirty="0"/>
               <a:t>Import</a:t>
@@ -6193,7 +6648,11 @@
             <a:endParaRPr lang="en-US" altLang="ko-KR" dirty="0"/>
           </a:p>
           <a:p>
-            <a:pPr lvl="1"/>
+            <a:pPr lvl="1">
+              <a:lnSpc>
+                <a:spcPct val="100000"/>
+              </a:lnSpc>
+            </a:pPr>
             <a:r>
               <a:rPr lang="en-US" altLang="ko-KR" dirty="0" err="1"/>
               <a:t>rnn</a:t>
@@ -6220,7 +6679,11 @@
             </a:r>
           </a:p>
           <a:p>
-            <a:pPr lvl="2"/>
+            <a:pPr lvl="2">
+              <a:lnSpc>
+                <a:spcPct val="100000"/>
+              </a:lnSpc>
+            </a:pPr>
             <a:r>
               <a:rPr lang="ko-KR" altLang="en-US" dirty="0"/>
               <a:t>자주 사용되지 않기 때문에 경량화를 위해 함수로 따로 초기화 되게끔 처리함</a:t>
@@ -6228,11 +6691,19 @@
             <a:endParaRPr lang="en-US" altLang="ko-KR" dirty="0"/>
           </a:p>
           <a:p>
-            <a:pPr lvl="1"/>
-            <a:endParaRPr lang="en-US" altLang="ko-KR" dirty="0"/>
-          </a:p>
-          <a:p>
-            <a:pPr lvl="1"/>
+            <a:pPr lvl="1">
+              <a:lnSpc>
+                <a:spcPct val="100000"/>
+              </a:lnSpc>
+            </a:pPr>
+            <a:endParaRPr lang="en-US" altLang="ko-KR" dirty="0"/>
+          </a:p>
+          <a:p>
+            <a:pPr lvl="1">
+              <a:lnSpc>
+                <a:spcPct val="100000"/>
+              </a:lnSpc>
+            </a:pPr>
             <a:r>
               <a:rPr lang="ko-KR" altLang="en-US" dirty="0"/>
               <a:t>그 외 모델 및 음원 정보 관련 상수가 저장되어 있음</a:t>

--- a/청음지능 인수인계.pptx
+++ b/청음지능 인수인계.pptx
@@ -21,6 +21,7 @@
     <p:sldId id="268" r:id="rId15"/>
     <p:sldId id="269" r:id="rId16"/>
     <p:sldId id="270" r:id="rId17"/>
+    <p:sldId id="273" r:id="rId18"/>
   </p:sldIdLst>
   <p:sldSz cx="12192000" cy="6858000"/>
   <p:notesSz cx="6858000" cy="9144000"/>
@@ -4601,6 +4602,134 @@
 </p:sld>
 </file>
 
+<file path=ppt/slides/slide17.xml><?xml version="1.0" encoding="utf-8"?>
+<p:sld xmlns:a="http://schemas.openxmlformats.org/drawingml/2006/main" xmlns:r="http://schemas.openxmlformats.org/officeDocument/2006/relationships" xmlns:p="http://schemas.openxmlformats.org/presentationml/2006/main">
+  <p:cSld>
+    <p:spTree>
+      <p:nvGrpSpPr>
+        <p:cNvPr id="1" name=""/>
+        <p:cNvGrpSpPr/>
+        <p:nvPr/>
+      </p:nvGrpSpPr>
+      <p:grpSpPr>
+        <a:xfrm>
+          <a:off x="0" y="0"/>
+          <a:ext cx="0" cy="0"/>
+          <a:chOff x="0" y="0"/>
+          <a:chExt cx="0" cy="0"/>
+        </a:xfrm>
+      </p:grpSpPr>
+      <p:sp>
+        <p:nvSpPr>
+          <p:cNvPr id="2" name="제목 1">
+            <a:extLst>
+              <a:ext uri="{FF2B5EF4-FFF2-40B4-BE49-F238E27FC236}">
+                <a16:creationId xmlns:a16="http://schemas.microsoft.com/office/drawing/2014/main" id="{86DE65FF-D8E1-451A-8B2F-700E1630C581}"/>
+              </a:ext>
+            </a:extLst>
+          </p:cNvPr>
+          <p:cNvSpPr>
+            <a:spLocks noGrp="1"/>
+          </p:cNvSpPr>
+          <p:nvPr>
+            <p:ph type="title"/>
+          </p:nvPr>
+        </p:nvSpPr>
+        <p:spPr/>
+        <p:txBody>
+          <a:bodyPr/>
+          <a:lstStyle/>
+          <a:p>
+            <a:r>
+              <a:rPr lang="ko-KR" altLang="en-US" dirty="0"/>
+              <a:t>시도해 볼 만한 것</a:t>
+            </a:r>
+          </a:p>
+        </p:txBody>
+      </p:sp>
+      <p:sp>
+        <p:nvSpPr>
+          <p:cNvPr id="3" name="내용 개체 틀 2">
+            <a:extLst>
+              <a:ext uri="{FF2B5EF4-FFF2-40B4-BE49-F238E27FC236}">
+                <a16:creationId xmlns:a16="http://schemas.microsoft.com/office/drawing/2014/main" id="{413AD29C-9DB1-4AC4-9A09-ECCA3709E2A0}"/>
+              </a:ext>
+            </a:extLst>
+          </p:cNvPr>
+          <p:cNvSpPr>
+            <a:spLocks noGrp="1"/>
+          </p:cNvSpPr>
+          <p:nvPr>
+            <p:ph idx="1"/>
+          </p:nvPr>
+        </p:nvSpPr>
+        <p:spPr/>
+        <p:txBody>
+          <a:bodyPr>
+            <a:normAutofit/>
+          </a:bodyPr>
+          <a:lstStyle/>
+          <a:p>
+            <a:r>
+              <a:rPr lang="en-US" altLang="ko-KR" sz="2000" dirty="0"/>
+              <a:t>CNN </a:t>
+            </a:r>
+            <a:r>
+              <a:rPr lang="ko-KR" altLang="en-US" sz="2000" dirty="0"/>
+              <a:t>모델 경량화</a:t>
+            </a:r>
+            <a:endParaRPr lang="en-US" altLang="ko-KR" sz="2000" dirty="0"/>
+          </a:p>
+          <a:p>
+            <a:pPr lvl="1"/>
+            <a:r>
+              <a:rPr lang="en-US" altLang="ko-KR" sz="1600" dirty="0"/>
+              <a:t>ResNet50</a:t>
+            </a:r>
+            <a:r>
+              <a:rPr lang="ko-KR" altLang="en-US" sz="1600" dirty="0"/>
+              <a:t> 대신 파라미터 수가 적은 </a:t>
+            </a:r>
+            <a:r>
+              <a:rPr lang="ko-KR" altLang="en-US" sz="1600" dirty="0" err="1"/>
+              <a:t>아키텍쳐로</a:t>
+            </a:r>
+            <a:r>
+              <a:rPr lang="ko-KR" altLang="en-US" sz="1600" dirty="0"/>
+              <a:t> 학습을 하여 사양이 낮은 </a:t>
+            </a:r>
+            <a:r>
+              <a:rPr lang="en-US" altLang="ko-KR" sz="1600" dirty="0"/>
+              <a:t>pc</a:t>
+            </a:r>
+            <a:r>
+              <a:rPr lang="ko-KR" altLang="en-US" sz="1600" dirty="0"/>
+              <a:t>에서도 성능 안정화 가능성</a:t>
+            </a:r>
+            <a:endParaRPr lang="en-US" altLang="ko-KR" sz="1600" dirty="0"/>
+          </a:p>
+          <a:p>
+            <a:pPr lvl="1"/>
+            <a:endParaRPr lang="en-US" altLang="ko-KR" sz="1600" dirty="0"/>
+          </a:p>
+          <a:p>
+            <a:endParaRPr lang="en-US" altLang="ko-KR" sz="2000" dirty="0"/>
+          </a:p>
+        </p:txBody>
+      </p:sp>
+    </p:spTree>
+    <p:extLst>
+      <p:ext uri="{BB962C8B-B14F-4D97-AF65-F5344CB8AC3E}">
+        <p14:creationId xmlns:p14="http://schemas.microsoft.com/office/powerpoint/2010/main" val="1748693036"/>
+      </p:ext>
+    </p:extLst>
+  </p:cSld>
+  <p:clrMapOvr>
+    <a:masterClrMapping/>
+  </p:clrMapOvr>
+</p:sld>
+</file>
+
 <file path=ppt/slides/slide2.xml><?xml version="1.0" encoding="utf-8"?>
 <p:sld xmlns:a="http://schemas.openxmlformats.org/drawingml/2006/main" xmlns:r="http://schemas.openxmlformats.org/officeDocument/2006/relationships" xmlns:p="http://schemas.openxmlformats.org/presentationml/2006/main">
   <p:cSld>

--- a/청음지능 인수인계.pptx
+++ b/청음지능 인수인계.pptx
@@ -275,7 +275,7 @@
           <a:p>
             <a:fld id="{D45358FD-DAE3-422B-99FD-BBD3EDE35CB3}" type="datetimeFigureOut">
               <a:rPr lang="ko-KR" altLang="en-US" smtClean="0"/>
-              <a:t>23-11-24</a:t>
+              <a:t>23-11-27</a:t>
             </a:fld>
             <a:endParaRPr lang="ko-KR" altLang="en-US"/>
           </a:p>
@@ -473,7 +473,7 @@
           <a:p>
             <a:fld id="{D45358FD-DAE3-422B-99FD-BBD3EDE35CB3}" type="datetimeFigureOut">
               <a:rPr lang="ko-KR" altLang="en-US" smtClean="0"/>
-              <a:t>23-11-24</a:t>
+              <a:t>23-11-27</a:t>
             </a:fld>
             <a:endParaRPr lang="ko-KR" altLang="en-US"/>
           </a:p>
@@ -681,7 +681,7 @@
           <a:p>
             <a:fld id="{D45358FD-DAE3-422B-99FD-BBD3EDE35CB3}" type="datetimeFigureOut">
               <a:rPr lang="ko-KR" altLang="en-US" smtClean="0"/>
-              <a:t>23-11-24</a:t>
+              <a:t>23-11-27</a:t>
             </a:fld>
             <a:endParaRPr lang="ko-KR" altLang="en-US"/>
           </a:p>
@@ -879,7 +879,7 @@
           <a:p>
             <a:fld id="{D45358FD-DAE3-422B-99FD-BBD3EDE35CB3}" type="datetimeFigureOut">
               <a:rPr lang="ko-KR" altLang="en-US" smtClean="0"/>
-              <a:t>23-11-24</a:t>
+              <a:t>23-11-27</a:t>
             </a:fld>
             <a:endParaRPr lang="ko-KR" altLang="en-US"/>
           </a:p>
@@ -1154,7 +1154,7 @@
           <a:p>
             <a:fld id="{D45358FD-DAE3-422B-99FD-BBD3EDE35CB3}" type="datetimeFigureOut">
               <a:rPr lang="ko-KR" altLang="en-US" smtClean="0"/>
-              <a:t>23-11-24</a:t>
+              <a:t>23-11-27</a:t>
             </a:fld>
             <a:endParaRPr lang="ko-KR" altLang="en-US"/>
           </a:p>
@@ -1419,7 +1419,7 @@
           <a:p>
             <a:fld id="{D45358FD-DAE3-422B-99FD-BBD3EDE35CB3}" type="datetimeFigureOut">
               <a:rPr lang="ko-KR" altLang="en-US" smtClean="0"/>
-              <a:t>23-11-24</a:t>
+              <a:t>23-11-27</a:t>
             </a:fld>
             <a:endParaRPr lang="ko-KR" altLang="en-US"/>
           </a:p>
@@ -1831,7 +1831,7 @@
           <a:p>
             <a:fld id="{D45358FD-DAE3-422B-99FD-BBD3EDE35CB3}" type="datetimeFigureOut">
               <a:rPr lang="ko-KR" altLang="en-US" smtClean="0"/>
-              <a:t>23-11-24</a:t>
+              <a:t>23-11-27</a:t>
             </a:fld>
             <a:endParaRPr lang="ko-KR" altLang="en-US"/>
           </a:p>
@@ -1972,7 +1972,7 @@
           <a:p>
             <a:fld id="{D45358FD-DAE3-422B-99FD-BBD3EDE35CB3}" type="datetimeFigureOut">
               <a:rPr lang="ko-KR" altLang="en-US" smtClean="0"/>
-              <a:t>23-11-24</a:t>
+              <a:t>23-11-27</a:t>
             </a:fld>
             <a:endParaRPr lang="ko-KR" altLang="en-US"/>
           </a:p>
@@ -2085,7 +2085,7 @@
           <a:p>
             <a:fld id="{D45358FD-DAE3-422B-99FD-BBD3EDE35CB3}" type="datetimeFigureOut">
               <a:rPr lang="ko-KR" altLang="en-US" smtClean="0"/>
-              <a:t>23-11-24</a:t>
+              <a:t>23-11-27</a:t>
             </a:fld>
             <a:endParaRPr lang="ko-KR" altLang="en-US"/>
           </a:p>
@@ -2396,7 +2396,7 @@
           <a:p>
             <a:fld id="{D45358FD-DAE3-422B-99FD-BBD3EDE35CB3}" type="datetimeFigureOut">
               <a:rPr lang="ko-KR" altLang="en-US" smtClean="0"/>
-              <a:t>23-11-24</a:t>
+              <a:t>23-11-27</a:t>
             </a:fld>
             <a:endParaRPr lang="ko-KR" altLang="en-US"/>
           </a:p>
@@ -2684,7 +2684,7 @@
           <a:p>
             <a:fld id="{D45358FD-DAE3-422B-99FD-BBD3EDE35CB3}" type="datetimeFigureOut">
               <a:rPr lang="ko-KR" altLang="en-US" smtClean="0"/>
-              <a:t>23-11-24</a:t>
+              <a:t>23-11-27</a:t>
             </a:fld>
             <a:endParaRPr lang="ko-KR" altLang="en-US"/>
           </a:p>
@@ -2925,7 +2925,7 @@
           <a:p>
             <a:fld id="{D45358FD-DAE3-422B-99FD-BBD3EDE35CB3}" type="datetimeFigureOut">
               <a:rPr lang="ko-KR" altLang="en-US" smtClean="0"/>
-              <a:t>23-11-24</a:t>
+              <a:t>23-11-27</a:t>
             </a:fld>
             <a:endParaRPr lang="ko-KR" altLang="en-US"/>
           </a:p>
@@ -5048,7 +5048,7 @@
             </a:r>
             <a:r>
               <a:rPr lang="en-US" altLang="ko-KR" dirty="0"/>
-              <a:t>(pip </a:t>
+              <a:t>(pip SSL </a:t>
             </a:r>
             <a:r>
               <a:rPr lang="ko-KR" altLang="en-US" dirty="0"/>
@@ -5676,7 +5676,7 @@
             </a:pPr>
             <a:r>
               <a:rPr lang="ko-KR" altLang="en-US" dirty="0"/>
-              <a:t>실시간으로 녹음을 받으며 악보를 생성</a:t>
+              <a:t>녹음을 받으며 실시간으로 악보를 생성</a:t>
             </a:r>
             <a:endParaRPr lang="en-US" altLang="ko-KR" dirty="0"/>
           </a:p>
@@ -6196,7 +6196,19 @@
             </a:r>
             <a:r>
               <a:rPr lang="ko-KR" altLang="en-US" dirty="0"/>
-              <a:t>추가 시 장치목록만을 출력하고 프로그램 종료</a:t>
+              <a:t>추가 시 장치목록만을 출력하고 녹음</a:t>
+            </a:r>
+            <a:r>
+              <a:rPr lang="en-US" altLang="ko-KR" dirty="0"/>
+              <a:t>/</a:t>
+            </a:r>
+            <a:r>
+              <a:rPr lang="ko-KR" altLang="en-US"/>
+              <a:t>악보생성 없이 프로그램 </a:t>
+            </a:r>
+            <a:r>
+              <a:rPr lang="ko-KR" altLang="en-US" dirty="0"/>
+              <a:t>종료</a:t>
             </a:r>
             <a:endParaRPr lang="en-US" altLang="ko-KR" dirty="0"/>
           </a:p>

--- a/청음지능 인수인계.pptx
+++ b/청음지능 인수인계.pptx
@@ -275,7 +275,7 @@
           <a:p>
             <a:fld id="{D45358FD-DAE3-422B-99FD-BBD3EDE35CB3}" type="datetimeFigureOut">
               <a:rPr lang="ko-KR" altLang="en-US" smtClean="0"/>
-              <a:t>23-11-27</a:t>
+              <a:t>23-11-28</a:t>
             </a:fld>
             <a:endParaRPr lang="ko-KR" altLang="en-US"/>
           </a:p>
@@ -473,7 +473,7 @@
           <a:p>
             <a:fld id="{D45358FD-DAE3-422B-99FD-BBD3EDE35CB3}" type="datetimeFigureOut">
               <a:rPr lang="ko-KR" altLang="en-US" smtClean="0"/>
-              <a:t>23-11-27</a:t>
+              <a:t>23-11-28</a:t>
             </a:fld>
             <a:endParaRPr lang="ko-KR" altLang="en-US"/>
           </a:p>
@@ -681,7 +681,7 @@
           <a:p>
             <a:fld id="{D45358FD-DAE3-422B-99FD-BBD3EDE35CB3}" type="datetimeFigureOut">
               <a:rPr lang="ko-KR" altLang="en-US" smtClean="0"/>
-              <a:t>23-11-27</a:t>
+              <a:t>23-11-28</a:t>
             </a:fld>
             <a:endParaRPr lang="ko-KR" altLang="en-US"/>
           </a:p>
@@ -879,7 +879,7 @@
           <a:p>
             <a:fld id="{D45358FD-DAE3-422B-99FD-BBD3EDE35CB3}" type="datetimeFigureOut">
               <a:rPr lang="ko-KR" altLang="en-US" smtClean="0"/>
-              <a:t>23-11-27</a:t>
+              <a:t>23-11-28</a:t>
             </a:fld>
             <a:endParaRPr lang="ko-KR" altLang="en-US"/>
           </a:p>
@@ -1154,7 +1154,7 @@
           <a:p>
             <a:fld id="{D45358FD-DAE3-422B-99FD-BBD3EDE35CB3}" type="datetimeFigureOut">
               <a:rPr lang="ko-KR" altLang="en-US" smtClean="0"/>
-              <a:t>23-11-27</a:t>
+              <a:t>23-11-28</a:t>
             </a:fld>
             <a:endParaRPr lang="ko-KR" altLang="en-US"/>
           </a:p>
@@ -1419,7 +1419,7 @@
           <a:p>
             <a:fld id="{D45358FD-DAE3-422B-99FD-BBD3EDE35CB3}" type="datetimeFigureOut">
               <a:rPr lang="ko-KR" altLang="en-US" smtClean="0"/>
-              <a:t>23-11-27</a:t>
+              <a:t>23-11-28</a:t>
             </a:fld>
             <a:endParaRPr lang="ko-KR" altLang="en-US"/>
           </a:p>
@@ -1831,7 +1831,7 @@
           <a:p>
             <a:fld id="{D45358FD-DAE3-422B-99FD-BBD3EDE35CB3}" type="datetimeFigureOut">
               <a:rPr lang="ko-KR" altLang="en-US" smtClean="0"/>
-              <a:t>23-11-27</a:t>
+              <a:t>23-11-28</a:t>
             </a:fld>
             <a:endParaRPr lang="ko-KR" altLang="en-US"/>
           </a:p>
@@ -1972,7 +1972,7 @@
           <a:p>
             <a:fld id="{D45358FD-DAE3-422B-99FD-BBD3EDE35CB3}" type="datetimeFigureOut">
               <a:rPr lang="ko-KR" altLang="en-US" smtClean="0"/>
-              <a:t>23-11-27</a:t>
+              <a:t>23-11-28</a:t>
             </a:fld>
             <a:endParaRPr lang="ko-KR" altLang="en-US"/>
           </a:p>
@@ -2085,7 +2085,7 @@
           <a:p>
             <a:fld id="{D45358FD-DAE3-422B-99FD-BBD3EDE35CB3}" type="datetimeFigureOut">
               <a:rPr lang="ko-KR" altLang="en-US" smtClean="0"/>
-              <a:t>23-11-27</a:t>
+              <a:t>23-11-28</a:t>
             </a:fld>
             <a:endParaRPr lang="ko-KR" altLang="en-US"/>
           </a:p>
@@ -2396,7 +2396,7 @@
           <a:p>
             <a:fld id="{D45358FD-DAE3-422B-99FD-BBD3EDE35CB3}" type="datetimeFigureOut">
               <a:rPr lang="ko-KR" altLang="en-US" smtClean="0"/>
-              <a:t>23-11-27</a:t>
+              <a:t>23-11-28</a:t>
             </a:fld>
             <a:endParaRPr lang="ko-KR" altLang="en-US"/>
           </a:p>
@@ -2684,7 +2684,7 @@
           <a:p>
             <a:fld id="{D45358FD-DAE3-422B-99FD-BBD3EDE35CB3}" type="datetimeFigureOut">
               <a:rPr lang="ko-KR" altLang="en-US" smtClean="0"/>
-              <a:t>23-11-27</a:t>
+              <a:t>23-11-28</a:t>
             </a:fld>
             <a:endParaRPr lang="ko-KR" altLang="en-US"/>
           </a:p>
@@ -2925,7 +2925,7 @@
           <a:p>
             <a:fld id="{D45358FD-DAE3-422B-99FD-BBD3EDE35CB3}" type="datetimeFigureOut">
               <a:rPr lang="ko-KR" altLang="en-US" smtClean="0"/>
-              <a:t>23-11-27</a:t>
+              <a:t>23-11-28</a:t>
             </a:fld>
             <a:endParaRPr lang="ko-KR" altLang="en-US"/>
           </a:p>
@@ -4817,9 +4817,12 @@
             </a:r>
             <a:r>
               <a:rPr lang="ko-KR" altLang="en-US" dirty="0"/>
-              <a:t>환경 생성 추천</a:t>
-            </a:r>
-            <a:endParaRPr lang="en-US" altLang="ko-KR" dirty="0"/>
+              <a:t>환경 생성 추천 </a:t>
+            </a:r>
+            <a:r>
+              <a:rPr lang="en-US" altLang="ko-KR" dirty="0"/>
+              <a:t>(Python ver. : 3.9.12)</a:t>
+            </a:r>
           </a:p>
           <a:p>
             <a:pPr>

--- a/청음지능 인수인계.pptx
+++ b/청음지능 인수인계.pptx
@@ -8,20 +8,22 @@
     <p:sldId id="256" r:id="rId2"/>
     <p:sldId id="257" r:id="rId3"/>
     <p:sldId id="272" r:id="rId4"/>
-    <p:sldId id="271" r:id="rId5"/>
-    <p:sldId id="259" r:id="rId6"/>
-    <p:sldId id="258" r:id="rId7"/>
-    <p:sldId id="260" r:id="rId8"/>
-    <p:sldId id="262" r:id="rId9"/>
-    <p:sldId id="263" r:id="rId10"/>
-    <p:sldId id="264" r:id="rId11"/>
-    <p:sldId id="265" r:id="rId12"/>
-    <p:sldId id="267" r:id="rId13"/>
-    <p:sldId id="266" r:id="rId14"/>
-    <p:sldId id="268" r:id="rId15"/>
-    <p:sldId id="269" r:id="rId16"/>
-    <p:sldId id="270" r:id="rId17"/>
-    <p:sldId id="273" r:id="rId18"/>
+    <p:sldId id="275" r:id="rId5"/>
+    <p:sldId id="274" r:id="rId6"/>
+    <p:sldId id="271" r:id="rId7"/>
+    <p:sldId id="259" r:id="rId8"/>
+    <p:sldId id="258" r:id="rId9"/>
+    <p:sldId id="260" r:id="rId10"/>
+    <p:sldId id="262" r:id="rId11"/>
+    <p:sldId id="263" r:id="rId12"/>
+    <p:sldId id="264" r:id="rId13"/>
+    <p:sldId id="265" r:id="rId14"/>
+    <p:sldId id="267" r:id="rId15"/>
+    <p:sldId id="266" r:id="rId16"/>
+    <p:sldId id="268" r:id="rId17"/>
+    <p:sldId id="269" r:id="rId18"/>
+    <p:sldId id="270" r:id="rId19"/>
+    <p:sldId id="273" r:id="rId20"/>
   </p:sldIdLst>
   <p:sldSz cx="12192000" cy="6858000"/>
   <p:notesSz cx="6858000" cy="9144000"/>
@@ -2761,9 +2763,14 @@
 <p:sldMaster xmlns:a="http://schemas.openxmlformats.org/drawingml/2006/main" xmlns:r="http://schemas.openxmlformats.org/officeDocument/2006/relationships" xmlns:p="http://schemas.openxmlformats.org/presentationml/2006/main">
   <p:cSld>
     <p:bg>
-      <p:bgRef idx="1001">
-        <a:schemeClr val="bg1"/>
-      </p:bgRef>
+      <p:bgPr>
+        <a:solidFill>
+          <a:schemeClr val="bg1">
+            <a:lumMod val="95000"/>
+          </a:schemeClr>
+        </a:solidFill>
+        <a:effectLst/>
+      </p:bgPr>
     </p:bg>
     <p:spTree>
       <p:nvGrpSpPr>
@@ -3370,31 +3377,6 @@
           </a:p>
         </p:txBody>
       </p:sp>
-      <p:sp>
-        <p:nvSpPr>
-          <p:cNvPr id="3" name="부제목 2">
-            <a:extLst>
-              <a:ext uri="{FF2B5EF4-FFF2-40B4-BE49-F238E27FC236}">
-                <a16:creationId xmlns:a16="http://schemas.microsoft.com/office/drawing/2014/main" id="{9A87BC44-BA29-4CA2-8BC3-ED4FF8088E4E}"/>
-              </a:ext>
-            </a:extLst>
-          </p:cNvPr>
-          <p:cNvSpPr>
-            <a:spLocks noGrp="1"/>
-          </p:cNvSpPr>
-          <p:nvPr>
-            <p:ph type="subTitle" idx="1"/>
-          </p:nvPr>
-        </p:nvSpPr>
-        <p:spPr/>
-        <p:txBody>
-          <a:bodyPr/>
-          <a:lstStyle/>
-          <a:p>
-            <a:endParaRPr lang="ko-KR" altLang="en-US"/>
-          </a:p>
-        </p:txBody>
-      </p:sp>
     </p:spTree>
     <p:extLst>
       <p:ext uri="{BB962C8B-B14F-4D97-AF65-F5344CB8AC3E}">
@@ -3487,7 +3469,7 @@
             </a:pPr>
             <a:r>
               <a:rPr lang="en-US" altLang="ko-KR" dirty="0" err="1"/>
-              <a:t>onset_novelty</a:t>
+              <a:t>model_def</a:t>
             </a:r>
             <a:endParaRPr lang="en-US" altLang="ko-KR" dirty="0"/>
           </a:p>
@@ -3499,11 +3481,27 @@
             </a:pPr>
             <a:r>
               <a:rPr lang="en-US" altLang="ko-KR" dirty="0"/>
-              <a:t>Onset</a:t>
-            </a:r>
-            <a:r>
-              <a:rPr lang="ko-KR" altLang="en-US" dirty="0"/>
-              <a:t>과 관련된 함수들이 담김</a:t>
+              <a:t>Import</a:t>
+            </a:r>
+            <a:r>
+              <a:rPr lang="ko-KR" altLang="en-US" dirty="0"/>
+              <a:t> 시 </a:t>
+            </a:r>
+            <a:r>
+              <a:rPr lang="en-US" altLang="ko-KR" dirty="0" err="1"/>
+              <a:t>model_def.model</a:t>
+            </a:r>
+            <a:r>
+              <a:rPr lang="ko-KR" altLang="en-US" dirty="0"/>
+              <a:t>에 </a:t>
+            </a:r>
+            <a:r>
+              <a:rPr lang="en-US" altLang="ko-KR" dirty="0"/>
+              <a:t>CNN </a:t>
+            </a:r>
+            <a:r>
+              <a:rPr lang="ko-KR" altLang="en-US" dirty="0"/>
+              <a:t>함수가 할당 됨</a:t>
             </a:r>
             <a:endParaRPr lang="en-US" altLang="ko-KR" dirty="0"/>
           </a:p>
@@ -3514,40 +3512,41 @@
               </a:lnSpc>
             </a:pPr>
             <a:r>
-              <a:rPr lang="en-US" altLang="ko-KR" dirty="0"/>
-              <a:t>Fundamentals of Music Processing</a:t>
-            </a:r>
-            <a:br>
-              <a:rPr lang="en-US" altLang="ko-KR" dirty="0"/>
-            </a:br>
-            <a:r>
-              <a:rPr lang="en-US" altLang="ko-KR" dirty="0"/>
-              <a:t>Using Python and </a:t>
-            </a:r>
-            <a:r>
               <a:rPr lang="en-US" altLang="ko-KR" dirty="0" err="1"/>
-              <a:t>Jupyter</a:t>
-            </a:r>
-            <a:r>
-              <a:rPr lang="en-US" altLang="ko-KR" dirty="0"/>
-              <a:t> Notebooks </a:t>
-            </a:r>
-            <a:r>
-              <a:rPr lang="ko-KR" altLang="en-US" dirty="0"/>
-              <a:t>도서 참조 </a:t>
-            </a:r>
-            <a:r>
-              <a:rPr lang="en-US" altLang="ko-KR" dirty="0"/>
-              <a:t>(</a:t>
-            </a:r>
-            <a:r>
-              <a:rPr lang="ko-KR" altLang="en-US" dirty="0"/>
-              <a:t>분실된 것으로 추정</a:t>
-            </a:r>
-            <a:r>
-              <a:rPr lang="en-US" altLang="ko-KR" dirty="0"/>
-              <a:t>)</a:t>
-            </a:r>
+              <a:t>rnn</a:t>
+            </a:r>
+            <a:r>
+              <a:rPr lang="en-US" altLang="ko-KR" dirty="0"/>
+              <a:t>() </a:t>
+            </a:r>
+            <a:r>
+              <a:rPr lang="ko-KR" altLang="en-US" dirty="0"/>
+              <a:t>함수 호출 시 </a:t>
+            </a:r>
+            <a:r>
+              <a:rPr lang="en-US" altLang="ko-KR" dirty="0"/>
+              <a:t>RNN</a:t>
+            </a:r>
+            <a:r>
+              <a:rPr lang="ko-KR" altLang="en-US" dirty="0"/>
+              <a:t>모델이 생성되고 반환 됨</a:t>
+            </a:r>
+            <a:r>
+              <a:rPr lang="en-US" altLang="ko-KR" dirty="0"/>
+              <a:t>	</a:t>
+            </a:r>
+          </a:p>
+          <a:p>
+            <a:pPr lvl="2">
+              <a:lnSpc>
+                <a:spcPct val="100000"/>
+              </a:lnSpc>
+            </a:pPr>
+            <a:r>
+              <a:rPr lang="ko-KR" altLang="en-US" dirty="0"/>
+              <a:t>자주 사용되지 않기 때문에 경량화를 위해 함수로 따로 초기화 되게끔 처리함</a:t>
+            </a:r>
+            <a:endParaRPr lang="en-US" altLang="ko-KR" dirty="0"/>
           </a:p>
           <a:p>
             <a:pPr lvl="1">
@@ -3555,6 +3554,18 @@
                 <a:spcPct val="100000"/>
               </a:lnSpc>
             </a:pPr>
+            <a:endParaRPr lang="en-US" altLang="ko-KR" dirty="0"/>
+          </a:p>
+          <a:p>
+            <a:pPr lvl="1">
+              <a:lnSpc>
+                <a:spcPct val="100000"/>
+              </a:lnSpc>
+            </a:pPr>
+            <a:r>
+              <a:rPr lang="ko-KR" altLang="en-US" dirty="0"/>
+              <a:t>그 외 모델 및 음원 정보 관련 상수가 저장되어 있음</a:t>
+            </a:r>
             <a:endParaRPr lang="en-US" altLang="ko-KR" dirty="0"/>
           </a:p>
         </p:txBody>
@@ -3562,7 +3573,7 @@
     </p:spTree>
     <p:extLst>
       <p:ext uri="{BB962C8B-B14F-4D97-AF65-F5344CB8AC3E}">
-        <p14:creationId xmlns:p14="http://schemas.microsoft.com/office/powerpoint/2010/main" val="1503232804"/>
+        <p14:creationId xmlns:p14="http://schemas.microsoft.com/office/powerpoint/2010/main" val="59874136"/>
       </p:ext>
     </p:extLst>
   </p:cSld>
@@ -3637,76 +3648,210 @@
             <p:ph idx="1"/>
           </p:nvPr>
         </p:nvSpPr>
-        <p:spPr/>
+        <p:spPr>
+          <a:xfrm>
+            <a:off x="838200" y="1825624"/>
+            <a:ext cx="10515600" cy="5032375"/>
+          </a:xfrm>
+        </p:spPr>
         <p:txBody>
           <a:bodyPr>
-            <a:normAutofit/>
+            <a:normAutofit fontScale="47500" lnSpcReduction="20000"/>
           </a:bodyPr>
           <a:lstStyle/>
           <a:p>
+            <a:pPr>
+              <a:lnSpc>
+                <a:spcPct val="120000"/>
+              </a:lnSpc>
+            </a:pPr>
             <a:r>
               <a:rPr lang="en-US" altLang="ko-KR" dirty="0" err="1"/>
-              <a:t>pyaudio_index_list</a:t>
-            </a:r>
-            <a:endParaRPr lang="en-US" altLang="ko-KR" dirty="0"/>
-          </a:p>
-          <a:p>
-            <a:pPr lvl="1"/>
-            <a:r>
-              <a:rPr lang="ko-KR" altLang="en-US" dirty="0"/>
-              <a:t>사용할 녹음 장치의 </a:t>
-            </a:r>
-            <a:r>
-              <a:rPr lang="en-US" altLang="ko-KR" dirty="0"/>
-              <a:t>index</a:t>
-            </a:r>
-            <a:r>
-              <a:rPr lang="ko-KR" altLang="en-US" dirty="0"/>
-              <a:t>를 찾기 위해 사용하면 됨</a:t>
-            </a:r>
-            <a:endParaRPr lang="en-US" altLang="ko-KR" dirty="0"/>
-          </a:p>
-          <a:p>
-            <a:pPr lvl="1"/>
+              <a:t>not_real_time</a:t>
+            </a:r>
+            <a:endParaRPr lang="en-US" altLang="ko-KR" dirty="0"/>
+          </a:p>
+          <a:p>
+            <a:pPr lvl="1">
+              <a:lnSpc>
+                <a:spcPct val="120000"/>
+              </a:lnSpc>
+            </a:pPr>
+            <a:r>
+              <a:rPr lang="ko-KR" altLang="en-US" dirty="0"/>
+              <a:t>클래스 형식으로 만듦</a:t>
+            </a:r>
+            <a:endParaRPr lang="en-US" altLang="ko-KR" dirty="0"/>
+          </a:p>
+          <a:p>
+            <a:pPr lvl="1">
+              <a:lnSpc>
+                <a:spcPct val="120000"/>
+              </a:lnSpc>
+            </a:pPr>
+            <a:r>
+              <a:rPr lang="en-US" altLang="ko-KR" dirty="0"/>
+              <a:t>run()</a:t>
+            </a:r>
+            <a:r>
+              <a:rPr lang="ko-KR" altLang="en-US" dirty="0"/>
+              <a:t> 함수를 통해 일련의 과정이 실행되어 결과물을 생성</a:t>
+            </a:r>
+            <a:endParaRPr lang="en-US" altLang="ko-KR" dirty="0"/>
+          </a:p>
+          <a:p>
+            <a:pPr lvl="1">
+              <a:lnSpc>
+                <a:spcPct val="120000"/>
+              </a:lnSpc>
+            </a:pPr>
+            <a:r>
+              <a:rPr lang="en-US" altLang="ko-KR" dirty="0"/>
+              <a:t>read()</a:t>
+            </a:r>
+          </a:p>
+          <a:p>
+            <a:pPr lvl="2">
+              <a:lnSpc>
+                <a:spcPct val="120000"/>
+              </a:lnSpc>
+            </a:pPr>
+            <a:r>
+              <a:rPr lang="ko-KR" altLang="en-US" dirty="0"/>
+              <a:t>음원을 읽어 들임</a:t>
+            </a:r>
+            <a:endParaRPr lang="en-US" altLang="ko-KR" dirty="0"/>
+          </a:p>
+          <a:p>
+            <a:pPr lvl="1">
+              <a:lnSpc>
+                <a:spcPct val="120000"/>
+              </a:lnSpc>
+            </a:pPr>
             <a:r>
               <a:rPr lang="en-US" altLang="ko-KR" dirty="0" err="1"/>
-              <a:t>Pyaudio</a:t>
-            </a:r>
-            <a:r>
-              <a:rPr lang="ko-KR" altLang="en-US" dirty="0"/>
-              <a:t>로 녹음 시 </a:t>
-            </a:r>
+              <a:t>get_time_info</a:t>
+            </a:r>
+            <a:r>
+              <a:rPr lang="en-US" altLang="ko-KR" dirty="0"/>
+              <a:t>()</a:t>
+            </a:r>
+          </a:p>
+          <a:p>
+            <a:pPr lvl="2">
+              <a:lnSpc>
+                <a:spcPct val="120000"/>
+              </a:lnSpc>
+            </a:pPr>
+            <a:r>
+              <a:rPr lang="en-US" altLang="ko-KR" dirty="0"/>
+              <a:t>BPM, onset </a:t>
+            </a:r>
+            <a:r>
+              <a:rPr lang="ko-KR" altLang="en-US" dirty="0"/>
+              <a:t>등 전처리에 필요한 정보 추출 및 저장</a:t>
+            </a:r>
+            <a:endParaRPr lang="en-US" altLang="ko-KR" dirty="0"/>
+          </a:p>
+          <a:p>
+            <a:pPr lvl="1">
+              <a:lnSpc>
+                <a:spcPct val="120000"/>
+              </a:lnSpc>
+            </a:pPr>
             <a:r>
               <a:rPr lang="en-US" altLang="ko-KR" dirty="0" err="1"/>
-              <a:t>paramete</a:t>
-            </a:r>
-            <a:r>
-              <a:rPr lang="ko-KR" altLang="en-US" dirty="0"/>
-              <a:t>로 주어지는 </a:t>
+              <a:t>chop_samples</a:t>
+            </a:r>
+            <a:r>
+              <a:rPr lang="en-US" altLang="ko-KR" dirty="0"/>
+              <a:t>()</a:t>
+            </a:r>
+          </a:p>
+          <a:p>
+            <a:pPr lvl="2">
+              <a:lnSpc>
+                <a:spcPct val="120000"/>
+              </a:lnSpc>
+            </a:pPr>
+            <a:r>
+              <a:rPr lang="ko-KR" altLang="en-US" dirty="0"/>
+              <a:t>추출된 정보를 기반으로 멜 </a:t>
+            </a:r>
+            <a:r>
+              <a:rPr lang="ko-KR" altLang="en-US" dirty="0" err="1"/>
+              <a:t>스펙트로그램</a:t>
+            </a:r>
+            <a:r>
+              <a:rPr lang="ko-KR" altLang="en-US" dirty="0"/>
+              <a:t> 이미지 생성</a:t>
+            </a:r>
+            <a:endParaRPr lang="en-US" altLang="ko-KR" dirty="0"/>
+          </a:p>
+          <a:p>
+            <a:pPr lvl="1">
+              <a:lnSpc>
+                <a:spcPct val="120000"/>
+              </a:lnSpc>
+            </a:pPr>
+            <a:r>
+              <a:rPr lang="en-US" altLang="ko-KR" dirty="0"/>
+              <a:t>classify()</a:t>
+            </a:r>
+          </a:p>
+          <a:p>
+            <a:pPr lvl="2">
+              <a:lnSpc>
+                <a:spcPct val="120000"/>
+              </a:lnSpc>
+            </a:pPr>
+            <a:r>
+              <a:rPr lang="en-US" altLang="ko-KR" dirty="0"/>
+              <a:t>CNN </a:t>
+            </a:r>
+            <a:r>
+              <a:rPr lang="ko-KR" altLang="en-US" dirty="0"/>
+              <a:t>및 </a:t>
+            </a:r>
+            <a:r>
+              <a:rPr lang="en-US" altLang="ko-KR" dirty="0"/>
+              <a:t>RNN</a:t>
+            </a:r>
+            <a:r>
+              <a:rPr lang="ko-KR" altLang="en-US" dirty="0"/>
+              <a:t>을 사용하여 분류</a:t>
+            </a:r>
+            <a:endParaRPr lang="en-US" altLang="ko-KR" dirty="0"/>
+          </a:p>
+          <a:p>
+            <a:pPr lvl="2">
+              <a:lnSpc>
+                <a:spcPct val="120000"/>
+              </a:lnSpc>
+            </a:pPr>
+            <a:r>
+              <a:rPr lang="en-US" altLang="ko-KR" dirty="0"/>
+              <a:t>parser</a:t>
+            </a:r>
+            <a:r>
+              <a:rPr lang="ko-KR" altLang="en-US" dirty="0"/>
+              <a:t>에서 </a:t>
+            </a:r>
+            <a:r>
+              <a:rPr lang="en-US" altLang="ko-KR" dirty="0"/>
+              <a:t>--</a:t>
             </a:r>
             <a:r>
               <a:rPr lang="en-US" altLang="ko-KR" dirty="0" err="1"/>
-              <a:t>input_device_index</a:t>
-            </a:r>
-            <a:r>
-              <a:rPr lang="ko-KR" altLang="en-US" dirty="0"/>
-              <a:t>에 해당 장치의 </a:t>
-            </a:r>
-            <a:r>
-              <a:rPr lang="en-US" altLang="ko-KR" dirty="0"/>
-              <a:t>index</a:t>
-            </a:r>
-            <a:r>
-              <a:rPr lang="ko-KR" altLang="en-US" dirty="0"/>
-              <a:t>값을 넣어주면 됨</a:t>
-            </a:r>
-            <a:endParaRPr lang="en-US" altLang="ko-KR" dirty="0"/>
-          </a:p>
-          <a:p>
-            <a:pPr lvl="1"/>
-            <a:r>
-              <a:rPr lang="en-US" altLang="ko-KR" dirty="0"/>
-              <a:t>DRUM.py </a:t>
+              <a:t>use_rnn</a:t>
+            </a:r>
+            <a:r>
+              <a:rPr lang="ko-KR" altLang="en-US" dirty="0"/>
+              <a:t>을 입력하지 않았을 경우 단순히 </a:t>
+            </a:r>
+            <a:r>
+              <a:rPr lang="en-US" altLang="ko-KR" dirty="0"/>
+              <a:t>CNN</a:t>
             </a:r>
             <a:r>
               <a:rPr lang="ko-KR" altLang="en-US" dirty="0"/>
@@ -3714,24 +3859,336 @@
             </a:r>
             <a:r>
               <a:rPr lang="en-US" altLang="ko-KR" dirty="0"/>
-              <a:t>54</a:t>
-            </a:r>
-            <a:r>
-              <a:rPr lang="ko-KR" altLang="en-US" dirty="0"/>
-              <a:t>번째 줄을 수정함으로 </a:t>
-            </a:r>
-            <a:r>
-              <a:rPr lang="en-US" altLang="ko-KR" dirty="0"/>
-              <a:t>default </a:t>
-            </a:r>
-            <a:r>
-              <a:rPr lang="ko-KR" altLang="en-US" dirty="0"/>
-              <a:t>값 변경 가능</a:t>
-            </a:r>
-            <a:endParaRPr lang="en-US" altLang="ko-KR" dirty="0"/>
-          </a:p>
-          <a:p>
-            <a:pPr lvl="1"/>
+              <a:t>argmax </a:t>
+            </a:r>
+            <a:r>
+              <a:rPr lang="ko-KR" altLang="en-US" dirty="0"/>
+              <a:t>로 분류</a:t>
+            </a:r>
+            <a:endParaRPr lang="en-US" altLang="ko-KR" dirty="0"/>
+          </a:p>
+          <a:p>
+            <a:pPr lvl="2">
+              <a:lnSpc>
+                <a:spcPct val="120000"/>
+              </a:lnSpc>
+            </a:pPr>
+            <a:r>
+              <a:rPr lang="en-US" altLang="ko-KR" dirty="0"/>
+              <a:t>--</a:t>
+            </a:r>
+            <a:r>
+              <a:rPr lang="en-US" altLang="ko-KR" dirty="0" err="1"/>
+              <a:t>use_rnn</a:t>
+            </a:r>
+            <a:r>
+              <a:rPr lang="en-US" altLang="ko-KR" dirty="0"/>
+              <a:t> </a:t>
+            </a:r>
+            <a:r>
+              <a:rPr lang="ko-KR" altLang="en-US" dirty="0"/>
+              <a:t>시 </a:t>
+            </a:r>
+            <a:r>
+              <a:rPr lang="en-US" altLang="ko-KR" dirty="0"/>
+              <a:t>CNN </a:t>
+            </a:r>
+            <a:r>
+              <a:rPr lang="en-US" altLang="ko-KR" dirty="0" err="1"/>
+              <a:t>softmax</a:t>
+            </a:r>
+            <a:r>
+              <a:rPr lang="ko-KR" altLang="en-US" dirty="0"/>
+              <a:t>의</a:t>
+            </a:r>
+            <a:r>
+              <a:rPr lang="en-US" altLang="ko-KR" dirty="0"/>
+              <a:t> </a:t>
+            </a:r>
+            <a:r>
+              <a:rPr lang="ko-KR" altLang="en-US" dirty="0"/>
+              <a:t>최대값이 </a:t>
+            </a:r>
+            <a:r>
+              <a:rPr lang="en-US" altLang="ko-KR" dirty="0"/>
+              <a:t>0.7</a:t>
+            </a:r>
+            <a:r>
+              <a:rPr lang="ko-KR" altLang="en-US" dirty="0"/>
+              <a:t>을 넘지 않을 경우 </a:t>
+            </a:r>
+            <a:r>
+              <a:rPr lang="en-US" altLang="ko-KR" dirty="0"/>
+              <a:t>RNN </a:t>
+            </a:r>
+            <a:r>
+              <a:rPr lang="ko-KR" altLang="en-US" dirty="0"/>
+              <a:t>모델을 호출하여 계산 및 </a:t>
+            </a:r>
+            <a:r>
+              <a:rPr lang="en-US" altLang="ko-KR" dirty="0"/>
+              <a:t>element-wise product </a:t>
+            </a:r>
+            <a:r>
+              <a:rPr lang="ko-KR" altLang="en-US" dirty="0"/>
+              <a:t>를 하여 최대값으로 최종결과를 선택</a:t>
+            </a:r>
+            <a:endParaRPr lang="en-US" altLang="ko-KR" dirty="0"/>
+          </a:p>
+          <a:p>
+            <a:pPr lvl="1">
+              <a:lnSpc>
+                <a:spcPct val="120000"/>
+              </a:lnSpc>
+            </a:pPr>
+            <a:r>
+              <a:rPr lang="en-US" altLang="ko-KR" dirty="0"/>
+              <a:t>prd2text()</a:t>
+            </a:r>
+          </a:p>
+          <a:p>
+            <a:pPr lvl="2">
+              <a:lnSpc>
+                <a:spcPct val="120000"/>
+              </a:lnSpc>
+            </a:pPr>
+            <a:r>
+              <a:rPr lang="ko-KR" altLang="en-US" dirty="0"/>
+              <a:t>손</a:t>
+            </a:r>
+            <a:r>
+              <a:rPr lang="en-US" altLang="ko-KR" dirty="0"/>
+              <a:t>/</a:t>
+            </a:r>
+            <a:r>
+              <a:rPr lang="ko-KR" altLang="en-US" dirty="0"/>
+              <a:t>발 매핑이 이루어진 후 텍스트 파일로 저장</a:t>
+            </a:r>
+            <a:endParaRPr lang="en-US" altLang="ko-KR" dirty="0"/>
+          </a:p>
+          <a:p>
+            <a:pPr lvl="2">
+              <a:lnSpc>
+                <a:spcPct val="120000"/>
+              </a:lnSpc>
+            </a:pPr>
+            <a:r>
+              <a:rPr lang="en-US" altLang="ko-KR" dirty="0"/>
+              <a:t>--</a:t>
+            </a:r>
+            <a:r>
+              <a:rPr lang="en-US" altLang="ko-KR" dirty="0" err="1"/>
+              <a:t>ignore_bpm</a:t>
+            </a:r>
+            <a:r>
+              <a:rPr lang="ko-KR" altLang="en-US" dirty="0"/>
+              <a:t>을 옵션으로 넣었을 경우 텍스트 파일의 시간 간격은 절대시간 단위가 됨</a:t>
+            </a:r>
+            <a:endParaRPr lang="en-US" altLang="ko-KR" dirty="0"/>
+          </a:p>
+          <a:p>
+            <a:pPr lvl="2">
+              <a:lnSpc>
+                <a:spcPct val="120000"/>
+              </a:lnSpc>
+            </a:pPr>
+            <a:r>
+              <a:rPr lang="ko-KR" altLang="en-US" dirty="0"/>
+              <a:t>넣지 않았을 경우 텍스트 파일 맨 위에 </a:t>
+            </a:r>
+            <a:r>
+              <a:rPr lang="en-US" altLang="ko-KR" dirty="0"/>
+              <a:t>bpm </a:t>
+            </a:r>
+            <a:r>
+              <a:rPr lang="ko-KR" altLang="en-US" dirty="0"/>
+              <a:t>정보가 같이 저장되며</a:t>
+            </a:r>
+            <a:r>
+              <a:rPr lang="en-US" altLang="ko-KR" dirty="0"/>
+              <a:t>, </a:t>
+            </a:r>
+            <a:r>
+              <a:rPr lang="ko-KR" altLang="en-US" dirty="0"/>
+              <a:t>상대시간으로 계산됨 </a:t>
+            </a:r>
+            <a:r>
+              <a:rPr lang="en-US" altLang="ko-KR" dirty="0"/>
+              <a:t>(0.300 = 1</a:t>
+            </a:r>
+            <a:r>
+              <a:rPr lang="ko-KR" altLang="en-US" dirty="0"/>
+              <a:t>박</a:t>
+            </a:r>
+            <a:r>
+              <a:rPr lang="en-US" altLang="ko-KR" dirty="0"/>
+              <a:t>)</a:t>
+            </a:r>
+          </a:p>
+          <a:p>
+            <a:pPr lvl="1">
+              <a:lnSpc>
+                <a:spcPct val="120000"/>
+              </a:lnSpc>
+            </a:pPr>
+            <a:r>
+              <a:rPr lang="en-US" altLang="ko-KR" dirty="0"/>
+              <a:t>midi()</a:t>
+            </a:r>
+          </a:p>
+          <a:p>
+            <a:pPr lvl="2">
+              <a:lnSpc>
+                <a:spcPct val="120000"/>
+              </a:lnSpc>
+            </a:pPr>
+            <a:r>
+              <a:rPr lang="ko-KR" altLang="en-US" dirty="0"/>
+              <a:t>빈 </a:t>
+            </a:r>
+            <a:r>
+              <a:rPr lang="en-US" altLang="ko-KR" dirty="0"/>
+              <a:t>midi </a:t>
+            </a:r>
+            <a:r>
+              <a:rPr lang="ko-KR" altLang="en-US" dirty="0"/>
+              <a:t>파일 생성 후 </a:t>
+            </a:r>
+            <a:r>
+              <a:rPr lang="en-US" altLang="ko-KR" dirty="0" err="1"/>
+              <a:t>ticks_per_beat</a:t>
+            </a:r>
+            <a:r>
+              <a:rPr lang="ko-KR" altLang="en-US" dirty="0"/>
+              <a:t>를 </a:t>
+            </a:r>
+            <a:r>
+              <a:rPr lang="en-US" altLang="ko-KR" dirty="0"/>
+              <a:t>600</a:t>
+            </a:r>
+            <a:r>
+              <a:rPr lang="ko-KR" altLang="en-US" dirty="0"/>
+              <a:t>으로 고정 </a:t>
+            </a:r>
+            <a:r>
+              <a:rPr lang="en-US" altLang="ko-KR" dirty="0"/>
+              <a:t>(600time = 1</a:t>
+            </a:r>
+            <a:r>
+              <a:rPr lang="ko-KR" altLang="en-US" dirty="0"/>
+              <a:t>박자</a:t>
+            </a:r>
+            <a:r>
+              <a:rPr lang="en-US" altLang="ko-KR" dirty="0"/>
+              <a:t>)</a:t>
+            </a:r>
+          </a:p>
+          <a:p>
+            <a:pPr lvl="2">
+              <a:lnSpc>
+                <a:spcPct val="120000"/>
+              </a:lnSpc>
+            </a:pPr>
+            <a:r>
+              <a:rPr lang="ko-KR" altLang="en-US" dirty="0"/>
+              <a:t>드럼</a:t>
+            </a:r>
+            <a:r>
+              <a:rPr lang="en-US" altLang="ko-KR" dirty="0"/>
+              <a:t>-MIDI note</a:t>
+            </a:r>
+            <a:r>
+              <a:rPr lang="ko-KR" altLang="en-US" dirty="0"/>
+              <a:t>의 매핑은 </a:t>
+            </a:r>
+            <a:r>
+              <a:rPr lang="en-US" altLang="ko-KR" dirty="0"/>
+              <a:t>GM Standard </a:t>
+            </a:r>
+            <a:r>
+              <a:rPr lang="ko-KR" altLang="en-US" dirty="0"/>
+              <a:t>를 따름</a:t>
+            </a:r>
+            <a:r>
+              <a:rPr lang="en-US" altLang="ko-KR" dirty="0"/>
+              <a:t>. </a:t>
+            </a:r>
+            <a:r>
+              <a:rPr lang="ko-KR" altLang="en-US" dirty="0"/>
+              <a:t>단</a:t>
+            </a:r>
+            <a:r>
+              <a:rPr lang="en-US" altLang="ko-KR" dirty="0"/>
+              <a:t>, Crash</a:t>
+            </a:r>
+            <a:r>
+              <a:rPr lang="ko-KR" altLang="en-US" dirty="0"/>
+              <a:t>의 경우 두 개를 사용하고 있기 때문에 두 가지를 사용함</a:t>
+            </a:r>
+            <a:r>
+              <a:rPr lang="en-US" altLang="ko-KR" dirty="0"/>
+              <a:t>. </a:t>
+            </a:r>
+            <a:r>
+              <a:rPr lang="ko-KR" altLang="en-US" dirty="0"/>
+              <a:t>소리가 나지 않을 시 </a:t>
+            </a:r>
+            <a:r>
+              <a:rPr lang="ko-KR" altLang="en-US" dirty="0" err="1"/>
+              <a:t>대체제</a:t>
+            </a:r>
+            <a:r>
+              <a:rPr lang="ko-KR" altLang="en-US" dirty="0"/>
+              <a:t> 후보 </a:t>
+            </a:r>
+            <a:r>
+              <a:rPr lang="en-US" altLang="ko-KR" dirty="0"/>
+              <a:t>2</a:t>
+            </a:r>
+            <a:r>
+              <a:rPr lang="ko-KR" altLang="en-US" dirty="0"/>
+              <a:t>개의 매핑 또한 주석처리 되어있음</a:t>
+            </a:r>
+            <a:endParaRPr lang="en-US" altLang="ko-KR" dirty="0"/>
+          </a:p>
+          <a:p>
+            <a:pPr lvl="2">
+              <a:lnSpc>
+                <a:spcPct val="120000"/>
+              </a:lnSpc>
+            </a:pPr>
+            <a:r>
+              <a:rPr lang="en-US" altLang="ko-KR" dirty="0"/>
+              <a:t>midi</a:t>
+            </a:r>
+            <a:r>
+              <a:rPr lang="ko-KR" altLang="en-US" dirty="0"/>
+              <a:t>의 </a:t>
+            </a:r>
+            <a:r>
+              <a:rPr lang="en-US" altLang="ko-KR" dirty="0" err="1"/>
+              <a:t>note_off</a:t>
+            </a:r>
+            <a:r>
+              <a:rPr lang="en-US" altLang="ko-KR" dirty="0"/>
+              <a:t> </a:t>
+            </a:r>
+            <a:r>
+              <a:rPr lang="ko-KR" altLang="en-US" dirty="0"/>
+              <a:t>이벤트는 두 </a:t>
+            </a:r>
+            <a:r>
+              <a:rPr lang="en-US" altLang="ko-KR" dirty="0" err="1"/>
+              <a:t>note_on</a:t>
+            </a:r>
+            <a:r>
+              <a:rPr lang="en-US" altLang="ko-KR" dirty="0"/>
+              <a:t> </a:t>
+            </a:r>
+            <a:r>
+              <a:rPr lang="ko-KR" altLang="en-US" dirty="0"/>
+              <a:t>이벤트의 중간에 생김</a:t>
+            </a:r>
             <a:endParaRPr lang="en-US" altLang="ko-KR" dirty="0"/>
           </a:p>
         </p:txBody>
@@ -3739,7 +4196,7 @@
     </p:spTree>
     <p:extLst>
       <p:ext uri="{BB962C8B-B14F-4D97-AF65-F5344CB8AC3E}">
-        <p14:creationId xmlns:p14="http://schemas.microsoft.com/office/powerpoint/2010/main" val="2807056172"/>
+        <p14:creationId xmlns:p14="http://schemas.microsoft.com/office/powerpoint/2010/main" val="3559316315"/>
       </p:ext>
     </p:extLst>
   </p:cSld>
@@ -3789,15 +4246,7 @@
           <a:p>
             <a:r>
               <a:rPr lang="en-US" altLang="ko-KR" dirty="0"/>
-              <a:t>Module/</a:t>
-            </a:r>
-            <a:r>
-              <a:rPr lang="en-US" altLang="ko-KR" dirty="0" err="1"/>
-              <a:t>real_time</a:t>
-            </a:r>
-            <a:r>
-              <a:rPr lang="en-US" altLang="ko-KR" dirty="0"/>
-              <a:t> </a:t>
+              <a:t>Module </a:t>
             </a:r>
             <a:r>
               <a:rPr lang="ko-KR" altLang="en-US" dirty="0"/>
@@ -3829,54 +4278,81 @@
           </a:bodyPr>
           <a:lstStyle/>
           <a:p>
+            <a:pPr>
+              <a:lnSpc>
+                <a:spcPct val="100000"/>
+              </a:lnSpc>
+            </a:pPr>
             <a:r>
               <a:rPr lang="en-US" altLang="ko-KR" dirty="0" err="1"/>
-              <a:t>init</a:t>
-            </a:r>
-            <a:endParaRPr lang="en-US" altLang="ko-KR" dirty="0"/>
-          </a:p>
-          <a:p>
-            <a:pPr lvl="1"/>
-            <a:r>
-              <a:rPr lang="en-US" altLang="ko-KR" dirty="0"/>
-              <a:t>subprocess</a:t>
-            </a:r>
-            <a:r>
-              <a:rPr lang="ko-KR" altLang="en-US" dirty="0"/>
-              <a:t>와 </a:t>
-            </a:r>
-            <a:r>
-              <a:rPr lang="en-US" altLang="ko-KR" dirty="0"/>
-              <a:t>thread</a:t>
-            </a:r>
-            <a:r>
-              <a:rPr lang="ko-KR" altLang="en-US" dirty="0"/>
-              <a:t>로 자식 프로세스를 운영하여 실시간으로 동작하는 것처럼 보이게끔 만듦</a:t>
-            </a:r>
-            <a:endParaRPr lang="en-US" altLang="ko-KR" dirty="0"/>
-          </a:p>
-          <a:p>
-            <a:pPr lvl="1"/>
-            <a:r>
-              <a:rPr lang="ko-KR" altLang="en-US" dirty="0"/>
-              <a:t>녹음이 시작된 후 </a:t>
-            </a:r>
-            <a:r>
-              <a:rPr lang="en-US" altLang="ko-KR" dirty="0"/>
-              <a:t>q</a:t>
-            </a:r>
-            <a:r>
-              <a:rPr lang="ko-KR" altLang="en-US" dirty="0"/>
-              <a:t>를 입력 시 프로세스 종료</a:t>
-            </a:r>
-            <a:endParaRPr lang="en-US" altLang="ko-KR" dirty="0"/>
-          </a:p>
-          <a:p>
-            <a:pPr lvl="2"/>
-            <a:r>
-              <a:rPr lang="ko-KR" altLang="en-US" dirty="0"/>
-              <a:t>오류 및 경고는 전부 무시해도 됨</a:t>
-            </a:r>
+              <a:t>onset_novelty</a:t>
+            </a:r>
+            <a:endParaRPr lang="en-US" altLang="ko-KR" dirty="0"/>
+          </a:p>
+          <a:p>
+            <a:pPr lvl="1">
+              <a:lnSpc>
+                <a:spcPct val="100000"/>
+              </a:lnSpc>
+            </a:pPr>
+            <a:r>
+              <a:rPr lang="en-US" altLang="ko-KR" dirty="0"/>
+              <a:t>Onset</a:t>
+            </a:r>
+            <a:r>
+              <a:rPr lang="ko-KR" altLang="en-US" dirty="0"/>
+              <a:t>과 관련된 함수들이 담김</a:t>
+            </a:r>
+            <a:endParaRPr lang="en-US" altLang="ko-KR" dirty="0"/>
+          </a:p>
+          <a:p>
+            <a:pPr lvl="1">
+              <a:lnSpc>
+                <a:spcPct val="100000"/>
+              </a:lnSpc>
+            </a:pPr>
+            <a:r>
+              <a:rPr lang="en-US" altLang="ko-KR" dirty="0"/>
+              <a:t>Fundamentals of Music Processing</a:t>
+            </a:r>
+            <a:br>
+              <a:rPr lang="en-US" altLang="ko-KR" dirty="0"/>
+            </a:br>
+            <a:r>
+              <a:rPr lang="en-US" altLang="ko-KR" dirty="0"/>
+              <a:t>Using Python and </a:t>
+            </a:r>
+            <a:r>
+              <a:rPr lang="en-US" altLang="ko-KR" dirty="0" err="1"/>
+              <a:t>Jupyter</a:t>
+            </a:r>
+            <a:r>
+              <a:rPr lang="en-US" altLang="ko-KR" dirty="0"/>
+              <a:t> Notebooks </a:t>
+            </a:r>
+            <a:r>
+              <a:rPr lang="ko-KR" altLang="en-US" dirty="0"/>
+              <a:t>도서 참조 </a:t>
+            </a:r>
+            <a:r>
+              <a:rPr lang="en-US" altLang="ko-KR" dirty="0"/>
+              <a:t>(</a:t>
+            </a:r>
+            <a:r>
+              <a:rPr lang="ko-KR" altLang="en-US" dirty="0"/>
+              <a:t>분실된 것으로 추정</a:t>
+            </a:r>
+            <a:r>
+              <a:rPr lang="en-US" altLang="ko-KR" dirty="0"/>
+              <a:t>)</a:t>
+            </a:r>
+          </a:p>
+          <a:p>
+            <a:pPr lvl="1">
+              <a:lnSpc>
+                <a:spcPct val="100000"/>
+              </a:lnSpc>
+            </a:pPr>
             <a:endParaRPr lang="en-US" altLang="ko-KR" dirty="0"/>
           </a:p>
         </p:txBody>
@@ -3884,7 +4360,7 @@
     </p:spTree>
     <p:extLst>
       <p:ext uri="{BB962C8B-B14F-4D97-AF65-F5344CB8AC3E}">
-        <p14:creationId xmlns:p14="http://schemas.microsoft.com/office/powerpoint/2010/main" val="703950697"/>
+        <p14:creationId xmlns:p14="http://schemas.microsoft.com/office/powerpoint/2010/main" val="1503232804"/>
       </p:ext>
     </p:extLst>
   </p:cSld>
@@ -3934,15 +4410,7 @@
           <a:p>
             <a:r>
               <a:rPr lang="en-US" altLang="ko-KR" dirty="0"/>
-              <a:t>Module/</a:t>
-            </a:r>
-            <a:r>
-              <a:rPr lang="en-US" altLang="ko-KR" dirty="0" err="1"/>
-              <a:t>real_time</a:t>
-            </a:r>
-            <a:r>
-              <a:rPr lang="en-US" altLang="ko-KR" dirty="0"/>
-              <a:t> </a:t>
+              <a:t>Module </a:t>
             </a:r>
             <a:r>
               <a:rPr lang="ko-KR" altLang="en-US" dirty="0"/>
@@ -3975,124 +4443,93 @@
           <a:lstStyle/>
           <a:p>
             <a:r>
-              <a:rPr lang="en-US" altLang="ko-KR" dirty="0"/>
-              <a:t>chop</a:t>
-            </a:r>
+              <a:rPr lang="en-US" altLang="ko-KR" dirty="0" err="1"/>
+              <a:t>pyaudio_index_list</a:t>
+            </a:r>
+            <a:endParaRPr lang="en-US" altLang="ko-KR" dirty="0"/>
           </a:p>
           <a:p>
             <a:pPr lvl="1"/>
             <a:r>
               <a:rPr lang="ko-KR" altLang="en-US" dirty="0"/>
-              <a:t>녹음되고 있는 음원 파일을 계속해서 </a:t>
-            </a:r>
-            <a:r>
-              <a:rPr lang="ko-KR" altLang="en-US" dirty="0" err="1"/>
-              <a:t>읽어들이며</a:t>
-            </a:r>
-            <a:r>
-              <a:rPr lang="ko-KR" altLang="en-US" dirty="0"/>
-              <a:t> </a:t>
-            </a:r>
-            <a:r>
-              <a:rPr lang="en-US" altLang="ko-KR" dirty="0"/>
-              <a:t>onset</a:t>
-            </a:r>
-            <a:r>
-              <a:rPr lang="ko-KR" altLang="en-US" dirty="0"/>
-              <a:t>을 감지함</a:t>
+              <a:t>사용할 녹음 장치의 </a:t>
+            </a:r>
+            <a:r>
+              <a:rPr lang="en-US" altLang="ko-KR" dirty="0"/>
+              <a:t>index</a:t>
+            </a:r>
+            <a:r>
+              <a:rPr lang="ko-KR" altLang="en-US" dirty="0"/>
+              <a:t>를 찾기 위해 사용하면 됨</a:t>
             </a:r>
             <a:endParaRPr lang="en-US" altLang="ko-KR" dirty="0"/>
           </a:p>
           <a:p>
             <a:pPr lvl="1"/>
             <a:r>
-              <a:rPr lang="ko-KR" altLang="en-US" dirty="0"/>
-              <a:t>감지된 </a:t>
-            </a:r>
-            <a:r>
-              <a:rPr lang="en-US" altLang="ko-KR" dirty="0"/>
-              <a:t>onset</a:t>
-            </a:r>
-            <a:r>
-              <a:rPr lang="ko-KR" altLang="en-US" dirty="0"/>
-              <a:t>이 </a:t>
-            </a:r>
-            <a:r>
-              <a:rPr lang="en-US" altLang="ko-KR" dirty="0"/>
-              <a:t>5</a:t>
-            </a:r>
-            <a:r>
-              <a:rPr lang="ko-KR" altLang="en-US" dirty="0"/>
-              <a:t>개 이상일 시</a:t>
-            </a:r>
-            <a:r>
-              <a:rPr lang="en-US" altLang="ko-KR" dirty="0"/>
-              <a:t>, </a:t>
-            </a:r>
-            <a:r>
-              <a:rPr lang="ko-KR" altLang="en-US" dirty="0"/>
-              <a:t>뒤 </a:t>
-            </a:r>
-            <a:r>
-              <a:rPr lang="en-US" altLang="ko-KR" dirty="0"/>
-              <a:t>2</a:t>
-            </a:r>
-            <a:r>
-              <a:rPr lang="ko-KR" altLang="en-US" dirty="0"/>
-              <a:t>개를 제외한 나머지 </a:t>
-            </a:r>
-            <a:r>
-              <a:rPr lang="en-US" altLang="ko-KR" dirty="0"/>
-              <a:t>onset</a:t>
-            </a:r>
-            <a:r>
-              <a:rPr lang="ko-KR" altLang="en-US" dirty="0"/>
-              <a:t>을 통해 음원을 잘라내고 멜 </a:t>
-            </a:r>
-            <a:r>
-              <a:rPr lang="ko-KR" altLang="en-US" dirty="0" err="1"/>
-              <a:t>스팩트로그램</a:t>
-            </a:r>
-            <a:r>
-              <a:rPr lang="ko-KR" altLang="en-US" dirty="0"/>
-              <a:t> 이미지를 생성</a:t>
-            </a:r>
-            <a:endParaRPr lang="en-US" altLang="ko-KR" dirty="0"/>
-          </a:p>
-          <a:p>
-            <a:pPr lvl="2"/>
-            <a:r>
-              <a:rPr lang="en-US" altLang="ko-KR" dirty="0"/>
-              <a:t>2</a:t>
-            </a:r>
-            <a:r>
-              <a:rPr lang="ko-KR" altLang="en-US" dirty="0"/>
-              <a:t>개를 제외하는 이유는 잘려지는 소리의 안정성을 위해서임</a:t>
+              <a:rPr lang="en-US" altLang="ko-KR" dirty="0" err="1"/>
+              <a:t>Pyaudio</a:t>
+            </a:r>
+            <a:r>
+              <a:rPr lang="ko-KR" altLang="en-US" dirty="0"/>
+              <a:t>로 녹음 시 </a:t>
+            </a:r>
+            <a:r>
+              <a:rPr lang="en-US" altLang="ko-KR" dirty="0" err="1"/>
+              <a:t>paramete</a:t>
+            </a:r>
+            <a:r>
+              <a:rPr lang="ko-KR" altLang="en-US" dirty="0"/>
+              <a:t>로 주어지는 </a:t>
+            </a:r>
+            <a:r>
+              <a:rPr lang="en-US" altLang="ko-KR" dirty="0" err="1"/>
+              <a:t>input_device_index</a:t>
+            </a:r>
+            <a:r>
+              <a:rPr lang="ko-KR" altLang="en-US" dirty="0"/>
+              <a:t>에 해당 장치의 </a:t>
+            </a:r>
+            <a:r>
+              <a:rPr lang="en-US" altLang="ko-KR" dirty="0"/>
+              <a:t>index</a:t>
+            </a:r>
+            <a:r>
+              <a:rPr lang="ko-KR" altLang="en-US" dirty="0"/>
+              <a:t>값을 넣어주면 됨</a:t>
             </a:r>
             <a:endParaRPr lang="en-US" altLang="ko-KR" dirty="0"/>
           </a:p>
           <a:p>
             <a:pPr lvl="1"/>
             <a:r>
-              <a:rPr lang="ko-KR" altLang="en-US" dirty="0"/>
-              <a:t>새로 추가된 </a:t>
-            </a:r>
-            <a:r>
-              <a:rPr lang="en-US" altLang="ko-KR" dirty="0"/>
-              <a:t>onset</a:t>
-            </a:r>
-            <a:r>
-              <a:rPr lang="ko-KR" altLang="en-US" dirty="0"/>
-              <a:t>이 </a:t>
-            </a:r>
-            <a:r>
-              <a:rPr lang="en-US" altLang="ko-KR" dirty="0"/>
-              <a:t>5</a:t>
-            </a:r>
-            <a:r>
-              <a:rPr lang="ko-KR" altLang="en-US" dirty="0"/>
-              <a:t>개 미만으로 유지될 시에도 일정 시간 후에 작업이 이루어 짐</a:t>
-            </a:r>
+              <a:rPr lang="en-US" altLang="ko-KR" dirty="0"/>
+              <a:t>DRUM.py </a:t>
+            </a:r>
+            <a:r>
+              <a:rPr lang="ko-KR" altLang="en-US" dirty="0"/>
+              <a:t>의 </a:t>
+            </a:r>
+            <a:r>
+              <a:rPr lang="en-US" altLang="ko-KR" dirty="0"/>
+              <a:t>54</a:t>
+            </a:r>
+            <a:r>
+              <a:rPr lang="ko-KR" altLang="en-US" dirty="0"/>
+              <a:t>번째 줄을 수정함으로 </a:t>
+            </a:r>
+            <a:r>
+              <a:rPr lang="en-US" altLang="ko-KR" dirty="0"/>
+              <a:t>default </a:t>
+            </a:r>
+            <a:r>
+              <a:rPr lang="ko-KR" altLang="en-US" dirty="0"/>
+              <a:t>값 변경 가능</a:t>
+            </a:r>
+            <a:endParaRPr lang="en-US" altLang="ko-KR" dirty="0"/>
+          </a:p>
+          <a:p>
+            <a:pPr lvl="1"/>
             <a:endParaRPr lang="en-US" altLang="ko-KR" dirty="0"/>
           </a:p>
         </p:txBody>
@@ -4100,7 +4537,7 @@
     </p:spTree>
     <p:extLst>
       <p:ext uri="{BB962C8B-B14F-4D97-AF65-F5344CB8AC3E}">
-        <p14:creationId xmlns:p14="http://schemas.microsoft.com/office/powerpoint/2010/main" val="237516594"/>
+        <p14:creationId xmlns:p14="http://schemas.microsoft.com/office/powerpoint/2010/main" val="2807056172"/>
       </p:ext>
     </p:extLst>
   </p:cSld>
@@ -4191,91 +4628,52 @@
           <a:lstStyle/>
           <a:p>
             <a:r>
-              <a:rPr lang="en-US" altLang="ko-KR" dirty="0"/>
-              <a:t>receive</a:t>
-            </a:r>
+              <a:rPr lang="en-US" altLang="ko-KR" dirty="0" err="1"/>
+              <a:t>init</a:t>
+            </a:r>
+            <a:endParaRPr lang="en-US" altLang="ko-KR" dirty="0"/>
           </a:p>
           <a:p>
             <a:pPr lvl="1"/>
             <a:r>
-              <a:rPr lang="ko-KR" altLang="en-US" dirty="0"/>
-              <a:t>생성된 이미지를 </a:t>
-            </a:r>
-            <a:r>
-              <a:rPr lang="en-US" altLang="ko-KR" dirty="0"/>
-              <a:t>./data </a:t>
-            </a:r>
-            <a:r>
-              <a:rPr lang="ko-KR" altLang="en-US" dirty="0"/>
-              <a:t>디렉토리로 옮겨</a:t>
-            </a:r>
-            <a:r>
-              <a:rPr lang="en-US" altLang="ko-KR" dirty="0"/>
-              <a:t>, </a:t>
-            </a:r>
-            <a:r>
-              <a:rPr lang="ko-KR" altLang="en-US" dirty="0"/>
-              <a:t>일부 데이터의 누락</a:t>
-            </a:r>
-            <a:r>
-              <a:rPr lang="en-US" altLang="ko-KR" dirty="0"/>
-              <a:t>/</a:t>
-            </a:r>
-            <a:r>
-              <a:rPr lang="ko-KR" altLang="en-US" dirty="0"/>
-              <a:t>중복을 방지하게끔 만들어 둠</a:t>
+              <a:rPr lang="en-US" altLang="ko-KR" dirty="0"/>
+              <a:t>subprocess</a:t>
+            </a:r>
+            <a:r>
+              <a:rPr lang="ko-KR" altLang="en-US" dirty="0"/>
+              <a:t>와 </a:t>
+            </a:r>
+            <a:r>
+              <a:rPr lang="en-US" altLang="ko-KR" dirty="0"/>
+              <a:t>thread</a:t>
+            </a:r>
+            <a:r>
+              <a:rPr lang="ko-KR" altLang="en-US" dirty="0"/>
+              <a:t>로 자식 프로세스를 운영하여 실시간으로 동작하는 것처럼 보이게끔 만듦</a:t>
+            </a:r>
+            <a:endParaRPr lang="en-US" altLang="ko-KR" dirty="0"/>
+          </a:p>
+          <a:p>
+            <a:pPr lvl="1"/>
+            <a:r>
+              <a:rPr lang="ko-KR" altLang="en-US" dirty="0"/>
+              <a:t>녹음이 시작된 후 </a:t>
+            </a:r>
+            <a:r>
+              <a:rPr lang="en-US" altLang="ko-KR" dirty="0"/>
+              <a:t>q</a:t>
+            </a:r>
+            <a:r>
+              <a:rPr lang="ko-KR" altLang="en-US" dirty="0"/>
+              <a:t>를 입력 시 프로세스 종료</a:t>
             </a:r>
             <a:endParaRPr lang="en-US" altLang="ko-KR" dirty="0"/>
           </a:p>
           <a:p>
             <a:pPr lvl="2"/>
             <a:r>
-              <a:rPr lang="en-US" altLang="ko-KR" dirty="0"/>
-              <a:t>./data </a:t>
-            </a:r>
-            <a:r>
-              <a:rPr lang="ko-KR" altLang="en-US" dirty="0"/>
-              <a:t>디렉토리로 옮겨진 이미지는 결과물 생성 후 자동으로 삭제 됨</a:t>
-            </a:r>
-            <a:endParaRPr lang="en-US" altLang="ko-KR" dirty="0"/>
-          </a:p>
-          <a:p>
-            <a:pPr lvl="2"/>
-            <a:endParaRPr lang="en-US" altLang="ko-KR" dirty="0"/>
-          </a:p>
-          <a:p>
-            <a:pPr lvl="1"/>
-            <a:r>
-              <a:rPr lang="en-US" altLang="ko-KR" dirty="0"/>
-              <a:t>CNN </a:t>
-            </a:r>
-            <a:r>
-              <a:rPr lang="ko-KR" altLang="en-US" dirty="0"/>
-              <a:t>모델만을 통해</a:t>
-            </a:r>
-            <a:r>
-              <a:rPr lang="en-US" altLang="ko-KR" dirty="0"/>
-              <a:t> </a:t>
-            </a:r>
-            <a:r>
-              <a:rPr lang="ko-KR" altLang="en-US" dirty="0"/>
-              <a:t>클래스를 분류하고</a:t>
-            </a:r>
-            <a:r>
-              <a:rPr lang="en-US" altLang="ko-KR" dirty="0"/>
-              <a:t>, txt </a:t>
-            </a:r>
-            <a:r>
-              <a:rPr lang="ko-KR" altLang="en-US" dirty="0"/>
-              <a:t>파일이 없을 시 생성</a:t>
-            </a:r>
-            <a:r>
-              <a:rPr lang="en-US" altLang="ko-KR" dirty="0"/>
-              <a:t>, </a:t>
-            </a:r>
-            <a:r>
-              <a:rPr lang="ko-KR" altLang="en-US" dirty="0"/>
-              <a:t>있을 시 추가하여 결과를 계속 축적함</a:t>
+              <a:rPr lang="ko-KR" altLang="en-US" dirty="0"/>
+              <a:t>오류 및 경고는 전부 무시해도 됨</a:t>
             </a:r>
             <a:endParaRPr lang="en-US" altLang="ko-KR" dirty="0"/>
           </a:p>
@@ -4284,7 +4682,7 @@
     </p:spTree>
     <p:extLst>
       <p:ext uri="{BB962C8B-B14F-4D97-AF65-F5344CB8AC3E}">
-        <p14:creationId xmlns:p14="http://schemas.microsoft.com/office/powerpoint/2010/main" val="2766078382"/>
+        <p14:creationId xmlns:p14="http://schemas.microsoft.com/office/powerpoint/2010/main" val="703950697"/>
       </p:ext>
     </p:extLst>
   </p:cSld>
@@ -4376,26 +4774,122 @@
           <a:p>
             <a:r>
               <a:rPr lang="en-US" altLang="ko-KR" dirty="0"/>
-              <a:t>record</a:t>
+              <a:t>chop</a:t>
             </a:r>
           </a:p>
           <a:p>
             <a:pPr lvl="1"/>
             <a:r>
-              <a:rPr lang="en-US" altLang="ko-KR" dirty="0"/>
-              <a:t>Keyboard </a:t>
-            </a:r>
-            <a:r>
-              <a:rPr lang="en-US" altLang="ko-KR" dirty="0" err="1"/>
-              <a:t>Inturrupt</a:t>
-            </a:r>
-            <a:r>
-              <a:rPr lang="en-US" altLang="ko-KR" dirty="0"/>
+              <a:rPr lang="ko-KR" altLang="en-US" dirty="0"/>
+              <a:t>녹음되고 있는 음원 파일을 계속해서 </a:t>
+            </a:r>
+            <a:r>
+              <a:rPr lang="ko-KR" altLang="en-US" dirty="0" err="1"/>
+              <a:t>읽어들이며</a:t>
+            </a:r>
+            <a:r>
+              <a:rPr lang="ko-KR" altLang="en-US" dirty="0"/>
               <a:t> </a:t>
             </a:r>
             <a:r>
-              <a:rPr lang="ko-KR" altLang="en-US" dirty="0"/>
-              <a:t>발생 전까지 음원을 녹음함</a:t>
+              <a:rPr lang="en-US" altLang="ko-KR" dirty="0"/>
+              <a:t>onset</a:t>
+            </a:r>
+            <a:r>
+              <a:rPr lang="ko-KR" altLang="en-US" dirty="0"/>
+              <a:t>을 감지함</a:t>
+            </a:r>
+            <a:endParaRPr lang="en-US" altLang="ko-KR" dirty="0"/>
+          </a:p>
+          <a:p>
+            <a:pPr lvl="1"/>
+            <a:r>
+              <a:rPr lang="ko-KR" altLang="en-US" dirty="0"/>
+              <a:t>감지된 </a:t>
+            </a:r>
+            <a:r>
+              <a:rPr lang="en-US" altLang="ko-KR" dirty="0"/>
+              <a:t>onset</a:t>
+            </a:r>
+            <a:r>
+              <a:rPr lang="ko-KR" altLang="en-US" dirty="0"/>
+              <a:t>이 </a:t>
+            </a:r>
+            <a:r>
+              <a:rPr lang="en-US" altLang="ko-KR" dirty="0"/>
+              <a:t>5</a:t>
+            </a:r>
+            <a:r>
+              <a:rPr lang="ko-KR" altLang="en-US" dirty="0"/>
+              <a:t>개 이상일 시</a:t>
+            </a:r>
+            <a:r>
+              <a:rPr lang="en-US" altLang="ko-KR" dirty="0"/>
+              <a:t>, </a:t>
+            </a:r>
+            <a:r>
+              <a:rPr lang="ko-KR" altLang="en-US" dirty="0"/>
+              <a:t>뒤 </a:t>
+            </a:r>
+            <a:r>
+              <a:rPr lang="en-US" altLang="ko-KR" dirty="0"/>
+              <a:t>2</a:t>
+            </a:r>
+            <a:r>
+              <a:rPr lang="ko-KR" altLang="en-US" dirty="0"/>
+              <a:t>개를 제외한 나머지 </a:t>
+            </a:r>
+            <a:r>
+              <a:rPr lang="en-US" altLang="ko-KR" dirty="0"/>
+              <a:t>onset</a:t>
+            </a:r>
+            <a:r>
+              <a:rPr lang="ko-KR" altLang="en-US" dirty="0"/>
+              <a:t>을 통해 음원을 잘라내고 멜 </a:t>
+            </a:r>
+            <a:r>
+              <a:rPr lang="ko-KR" altLang="en-US" dirty="0" err="1"/>
+              <a:t>스팩트로그램</a:t>
+            </a:r>
+            <a:r>
+              <a:rPr lang="ko-KR" altLang="en-US" dirty="0"/>
+              <a:t> 이미지를 생성</a:t>
+            </a:r>
+            <a:endParaRPr lang="en-US" altLang="ko-KR" dirty="0"/>
+          </a:p>
+          <a:p>
+            <a:pPr lvl="2"/>
+            <a:r>
+              <a:rPr lang="en-US" altLang="ko-KR" dirty="0"/>
+              <a:t>2</a:t>
+            </a:r>
+            <a:r>
+              <a:rPr lang="ko-KR" altLang="en-US" dirty="0"/>
+              <a:t>개를 제외하는 이유는 잘려지는 소리의 안정성을 위해서임</a:t>
+            </a:r>
+            <a:endParaRPr lang="en-US" altLang="ko-KR" dirty="0"/>
+          </a:p>
+          <a:p>
+            <a:pPr lvl="1"/>
+            <a:r>
+              <a:rPr lang="ko-KR" altLang="en-US" dirty="0"/>
+              <a:t>새로 추가된 </a:t>
+            </a:r>
+            <a:r>
+              <a:rPr lang="en-US" altLang="ko-KR" dirty="0"/>
+              <a:t>onset</a:t>
+            </a:r>
+            <a:r>
+              <a:rPr lang="ko-KR" altLang="en-US" dirty="0"/>
+              <a:t>이 </a:t>
+            </a:r>
+            <a:r>
+              <a:rPr lang="en-US" altLang="ko-KR" dirty="0"/>
+              <a:t>5</a:t>
+            </a:r>
+            <a:r>
+              <a:rPr lang="ko-KR" altLang="en-US" dirty="0"/>
+              <a:t>개 미만으로 유지될 시에도 일정 시간 후에 작업이 이루어 짐</a:t>
             </a:r>
             <a:endParaRPr lang="en-US" altLang="ko-KR" dirty="0"/>
           </a:p>
@@ -4404,7 +4898,7 @@
     </p:spTree>
     <p:extLst>
       <p:ext uri="{BB962C8B-B14F-4D97-AF65-F5344CB8AC3E}">
-        <p14:creationId xmlns:p14="http://schemas.microsoft.com/office/powerpoint/2010/main" val="814364934"/>
+        <p14:creationId xmlns:p14="http://schemas.microsoft.com/office/powerpoint/2010/main" val="237516594"/>
       </p:ext>
     </p:extLst>
   </p:cSld>
@@ -4453,6 +4947,310 @@
           <a:lstStyle/>
           <a:p>
             <a:r>
+              <a:rPr lang="en-US" altLang="ko-KR" dirty="0"/>
+              <a:t>Module/</a:t>
+            </a:r>
+            <a:r>
+              <a:rPr lang="en-US" altLang="ko-KR" dirty="0" err="1"/>
+              <a:t>real_time</a:t>
+            </a:r>
+            <a:r>
+              <a:rPr lang="en-US" altLang="ko-KR" dirty="0"/>
+              <a:t> </a:t>
+            </a:r>
+            <a:r>
+              <a:rPr lang="ko-KR" altLang="en-US" dirty="0"/>
+              <a:t>설명</a:t>
+            </a:r>
+          </a:p>
+        </p:txBody>
+      </p:sp>
+      <p:sp>
+        <p:nvSpPr>
+          <p:cNvPr id="3" name="내용 개체 틀 2">
+            <a:extLst>
+              <a:ext uri="{FF2B5EF4-FFF2-40B4-BE49-F238E27FC236}">
+                <a16:creationId xmlns:a16="http://schemas.microsoft.com/office/drawing/2014/main" id="{413AD29C-9DB1-4AC4-9A09-ECCA3709E2A0}"/>
+              </a:ext>
+            </a:extLst>
+          </p:cNvPr>
+          <p:cNvSpPr>
+            <a:spLocks noGrp="1"/>
+          </p:cNvSpPr>
+          <p:nvPr>
+            <p:ph idx="1"/>
+          </p:nvPr>
+        </p:nvSpPr>
+        <p:spPr/>
+        <p:txBody>
+          <a:bodyPr>
+            <a:normAutofit/>
+          </a:bodyPr>
+          <a:lstStyle/>
+          <a:p>
+            <a:r>
+              <a:rPr lang="en-US" altLang="ko-KR" dirty="0"/>
+              <a:t>receive</a:t>
+            </a:r>
+          </a:p>
+          <a:p>
+            <a:pPr lvl="1"/>
+            <a:r>
+              <a:rPr lang="ko-KR" altLang="en-US" dirty="0"/>
+              <a:t>생성된 이미지를 </a:t>
+            </a:r>
+            <a:r>
+              <a:rPr lang="en-US" altLang="ko-KR" dirty="0"/>
+              <a:t>./data </a:t>
+            </a:r>
+            <a:r>
+              <a:rPr lang="ko-KR" altLang="en-US" dirty="0"/>
+              <a:t>디렉토리로 옮겨</a:t>
+            </a:r>
+            <a:r>
+              <a:rPr lang="en-US" altLang="ko-KR" dirty="0"/>
+              <a:t>, </a:t>
+            </a:r>
+            <a:r>
+              <a:rPr lang="ko-KR" altLang="en-US" dirty="0"/>
+              <a:t>일부 데이터의 누락</a:t>
+            </a:r>
+            <a:r>
+              <a:rPr lang="en-US" altLang="ko-KR" dirty="0"/>
+              <a:t>/</a:t>
+            </a:r>
+            <a:r>
+              <a:rPr lang="ko-KR" altLang="en-US" dirty="0"/>
+              <a:t>중복을 방지하게끔 만들어 둠</a:t>
+            </a:r>
+            <a:endParaRPr lang="en-US" altLang="ko-KR" dirty="0"/>
+          </a:p>
+          <a:p>
+            <a:pPr lvl="2"/>
+            <a:r>
+              <a:rPr lang="en-US" altLang="ko-KR" dirty="0"/>
+              <a:t>./data </a:t>
+            </a:r>
+            <a:r>
+              <a:rPr lang="ko-KR" altLang="en-US" dirty="0"/>
+              <a:t>디렉토리로 옮겨진 이미지는 결과물 생성 후 자동으로 삭제 됨</a:t>
+            </a:r>
+            <a:endParaRPr lang="en-US" altLang="ko-KR" dirty="0"/>
+          </a:p>
+          <a:p>
+            <a:pPr lvl="2"/>
+            <a:endParaRPr lang="en-US" altLang="ko-KR" dirty="0"/>
+          </a:p>
+          <a:p>
+            <a:pPr lvl="1"/>
+            <a:r>
+              <a:rPr lang="en-US" altLang="ko-KR" dirty="0"/>
+              <a:t>CNN </a:t>
+            </a:r>
+            <a:r>
+              <a:rPr lang="ko-KR" altLang="en-US" dirty="0"/>
+              <a:t>모델만을 통해</a:t>
+            </a:r>
+            <a:r>
+              <a:rPr lang="en-US" altLang="ko-KR" dirty="0"/>
+              <a:t> </a:t>
+            </a:r>
+            <a:r>
+              <a:rPr lang="ko-KR" altLang="en-US" dirty="0"/>
+              <a:t>클래스를 분류하고</a:t>
+            </a:r>
+            <a:r>
+              <a:rPr lang="en-US" altLang="ko-KR" dirty="0"/>
+              <a:t>, txt </a:t>
+            </a:r>
+            <a:r>
+              <a:rPr lang="ko-KR" altLang="en-US" dirty="0"/>
+              <a:t>파일이 없을 시 생성</a:t>
+            </a:r>
+            <a:r>
+              <a:rPr lang="en-US" altLang="ko-KR" dirty="0"/>
+              <a:t>, </a:t>
+            </a:r>
+            <a:r>
+              <a:rPr lang="ko-KR" altLang="en-US" dirty="0"/>
+              <a:t>있을 시 추가하여 결과를 계속 축적함</a:t>
+            </a:r>
+            <a:endParaRPr lang="en-US" altLang="ko-KR" dirty="0"/>
+          </a:p>
+        </p:txBody>
+      </p:sp>
+    </p:spTree>
+    <p:extLst>
+      <p:ext uri="{BB962C8B-B14F-4D97-AF65-F5344CB8AC3E}">
+        <p14:creationId xmlns:p14="http://schemas.microsoft.com/office/powerpoint/2010/main" val="2766078382"/>
+      </p:ext>
+    </p:extLst>
+  </p:cSld>
+  <p:clrMapOvr>
+    <a:masterClrMapping/>
+  </p:clrMapOvr>
+</p:sld>
+</file>
+
+<file path=ppt/slides/slide17.xml><?xml version="1.0" encoding="utf-8"?>
+<p:sld xmlns:a="http://schemas.openxmlformats.org/drawingml/2006/main" xmlns:r="http://schemas.openxmlformats.org/officeDocument/2006/relationships" xmlns:p="http://schemas.openxmlformats.org/presentationml/2006/main">
+  <p:cSld>
+    <p:spTree>
+      <p:nvGrpSpPr>
+        <p:cNvPr id="1" name=""/>
+        <p:cNvGrpSpPr/>
+        <p:nvPr/>
+      </p:nvGrpSpPr>
+      <p:grpSpPr>
+        <a:xfrm>
+          <a:off x="0" y="0"/>
+          <a:ext cx="0" cy="0"/>
+          <a:chOff x="0" y="0"/>
+          <a:chExt cx="0" cy="0"/>
+        </a:xfrm>
+      </p:grpSpPr>
+      <p:sp>
+        <p:nvSpPr>
+          <p:cNvPr id="2" name="제목 1">
+            <a:extLst>
+              <a:ext uri="{FF2B5EF4-FFF2-40B4-BE49-F238E27FC236}">
+                <a16:creationId xmlns:a16="http://schemas.microsoft.com/office/drawing/2014/main" id="{86DE65FF-D8E1-451A-8B2F-700E1630C581}"/>
+              </a:ext>
+            </a:extLst>
+          </p:cNvPr>
+          <p:cNvSpPr>
+            <a:spLocks noGrp="1"/>
+          </p:cNvSpPr>
+          <p:nvPr>
+            <p:ph type="title"/>
+          </p:nvPr>
+        </p:nvSpPr>
+        <p:spPr/>
+        <p:txBody>
+          <a:bodyPr/>
+          <a:lstStyle/>
+          <a:p>
+            <a:r>
+              <a:rPr lang="en-US" altLang="ko-KR" dirty="0"/>
+              <a:t>Module/</a:t>
+            </a:r>
+            <a:r>
+              <a:rPr lang="en-US" altLang="ko-KR" dirty="0" err="1"/>
+              <a:t>real_time</a:t>
+            </a:r>
+            <a:r>
+              <a:rPr lang="en-US" altLang="ko-KR" dirty="0"/>
+              <a:t> </a:t>
+            </a:r>
+            <a:r>
+              <a:rPr lang="ko-KR" altLang="en-US" dirty="0"/>
+              <a:t>설명</a:t>
+            </a:r>
+          </a:p>
+        </p:txBody>
+      </p:sp>
+      <p:sp>
+        <p:nvSpPr>
+          <p:cNvPr id="3" name="내용 개체 틀 2">
+            <a:extLst>
+              <a:ext uri="{FF2B5EF4-FFF2-40B4-BE49-F238E27FC236}">
+                <a16:creationId xmlns:a16="http://schemas.microsoft.com/office/drawing/2014/main" id="{413AD29C-9DB1-4AC4-9A09-ECCA3709E2A0}"/>
+              </a:ext>
+            </a:extLst>
+          </p:cNvPr>
+          <p:cNvSpPr>
+            <a:spLocks noGrp="1"/>
+          </p:cNvSpPr>
+          <p:nvPr>
+            <p:ph idx="1"/>
+          </p:nvPr>
+        </p:nvSpPr>
+        <p:spPr/>
+        <p:txBody>
+          <a:bodyPr>
+            <a:normAutofit/>
+          </a:bodyPr>
+          <a:lstStyle/>
+          <a:p>
+            <a:r>
+              <a:rPr lang="en-US" altLang="ko-KR" dirty="0"/>
+              <a:t>record</a:t>
+            </a:r>
+          </a:p>
+          <a:p>
+            <a:pPr lvl="1"/>
+            <a:r>
+              <a:rPr lang="en-US" altLang="ko-KR" dirty="0"/>
+              <a:t>Keyboard </a:t>
+            </a:r>
+            <a:r>
+              <a:rPr lang="en-US" altLang="ko-KR" dirty="0" err="1"/>
+              <a:t>Inturrupt</a:t>
+            </a:r>
+            <a:r>
+              <a:rPr lang="en-US" altLang="ko-KR" dirty="0"/>
+              <a:t> </a:t>
+            </a:r>
+            <a:r>
+              <a:rPr lang="ko-KR" altLang="en-US" dirty="0"/>
+              <a:t>발생 전까지 음원을 녹음함</a:t>
+            </a:r>
+            <a:endParaRPr lang="en-US" altLang="ko-KR" dirty="0"/>
+          </a:p>
+        </p:txBody>
+      </p:sp>
+    </p:spTree>
+    <p:extLst>
+      <p:ext uri="{BB962C8B-B14F-4D97-AF65-F5344CB8AC3E}">
+        <p14:creationId xmlns:p14="http://schemas.microsoft.com/office/powerpoint/2010/main" val="814364934"/>
+      </p:ext>
+    </p:extLst>
+  </p:cSld>
+  <p:clrMapOvr>
+    <a:masterClrMapping/>
+  </p:clrMapOvr>
+</p:sld>
+</file>
+
+<file path=ppt/slides/slide18.xml><?xml version="1.0" encoding="utf-8"?>
+<p:sld xmlns:a="http://schemas.openxmlformats.org/drawingml/2006/main" xmlns:r="http://schemas.openxmlformats.org/officeDocument/2006/relationships" xmlns:p="http://schemas.openxmlformats.org/presentationml/2006/main">
+  <p:cSld>
+    <p:spTree>
+      <p:nvGrpSpPr>
+        <p:cNvPr id="1" name=""/>
+        <p:cNvGrpSpPr/>
+        <p:nvPr/>
+      </p:nvGrpSpPr>
+      <p:grpSpPr>
+        <a:xfrm>
+          <a:off x="0" y="0"/>
+          <a:ext cx="0" cy="0"/>
+          <a:chOff x="0" y="0"/>
+          <a:chExt cx="0" cy="0"/>
+        </a:xfrm>
+      </p:grpSpPr>
+      <p:sp>
+        <p:nvSpPr>
+          <p:cNvPr id="2" name="제목 1">
+            <a:extLst>
+              <a:ext uri="{FF2B5EF4-FFF2-40B4-BE49-F238E27FC236}">
+                <a16:creationId xmlns:a16="http://schemas.microsoft.com/office/drawing/2014/main" id="{86DE65FF-D8E1-451A-8B2F-700E1630C581}"/>
+              </a:ext>
+            </a:extLst>
+          </p:cNvPr>
+          <p:cNvSpPr>
+            <a:spLocks noGrp="1"/>
+          </p:cNvSpPr>
+          <p:nvPr>
+            <p:ph type="title"/>
+          </p:nvPr>
+        </p:nvSpPr>
+        <p:spPr/>
+        <p:txBody>
+          <a:bodyPr/>
+          <a:lstStyle/>
+          <a:p>
+            <a:r>
               <a:rPr lang="ko-KR" altLang="en-US" dirty="0"/>
               <a:t>알려진 문제점</a:t>
             </a:r>
@@ -4602,7 +5400,7 @@
 </p:sld>
 </file>
 
-<file path=ppt/slides/slide17.xml><?xml version="1.0" encoding="utf-8"?>
+<file path=ppt/slides/slide19.xml><?xml version="1.0" encoding="utf-8"?>
 <p:sld xmlns:a="http://schemas.openxmlformats.org/drawingml/2006/main" xmlns:r="http://schemas.openxmlformats.org/officeDocument/2006/relationships" xmlns:p="http://schemas.openxmlformats.org/presentationml/2006/main">
   <p:cSld>
     <p:spTree>
@@ -4866,12 +5664,21 @@
               </a:lnSpc>
             </a:pPr>
             <a:r>
-              <a:rPr lang="en-US" altLang="ko-KR" dirty="0"/>
-              <a:t>cd DRUMMM</a:t>
-            </a:r>
-          </a:p>
-          <a:p>
-            <a:pPr>
+              <a:rPr lang="ko-KR" altLang="en-US" dirty="0"/>
+              <a:t>해당 </a:t>
+            </a:r>
+            <a:r>
+              <a:rPr lang="ko-KR" altLang="en-US" dirty="0" err="1"/>
+              <a:t>레포지토리</a:t>
+            </a:r>
+            <a:r>
+              <a:rPr lang="ko-KR" altLang="en-US" dirty="0"/>
+              <a:t> 루트 디렉토리 내에서</a:t>
+            </a:r>
+            <a:endParaRPr lang="en-US" altLang="ko-KR" dirty="0"/>
+          </a:p>
+          <a:p>
+            <a:pPr lvl="1">
               <a:lnSpc>
                 <a:spcPct val="150000"/>
               </a:lnSpc>
@@ -5195,16 +6002,21 @@
           <a:p>
             <a:r>
               <a:rPr lang="ko-KR" altLang="en-US" dirty="0"/>
-              <a:t>프로젝트 디렉토리</a:t>
-            </a:r>
-            <a:r>
-              <a:rPr lang="en-US" altLang="ko-KR" dirty="0"/>
-              <a:t>/</a:t>
-            </a:r>
-            <a:r>
-              <a:rPr lang="ko-KR" altLang="en-US" dirty="0"/>
-              <a:t>파일 설명</a:t>
-            </a:r>
+              <a:t>설치 </a:t>
+            </a:r>
+            <a:r>
+              <a:rPr lang="en-US" altLang="ko-KR" dirty="0"/>
+              <a:t>(</a:t>
+            </a:r>
+            <a:r>
+              <a:rPr lang="ko-KR" altLang="en-US" dirty="0"/>
+              <a:t>임시방편</a:t>
+            </a:r>
+            <a:r>
+              <a:rPr lang="en-US" altLang="ko-KR" dirty="0"/>
+              <a:t>)</a:t>
+            </a:r>
+            <a:endParaRPr lang="ko-KR" altLang="en-US" dirty="0"/>
           </a:p>
         </p:txBody>
       </p:sp>
@@ -5227,237 +6039,95 @@
         <p:spPr/>
         <p:txBody>
           <a:bodyPr>
-            <a:normAutofit fontScale="55000" lnSpcReduction="20000"/>
+            <a:normAutofit/>
           </a:bodyPr>
           <a:lstStyle/>
           <a:p>
             <a:pPr>
               <a:lnSpc>
-                <a:spcPct val="120000"/>
-              </a:lnSpc>
-            </a:pPr>
-            <a:r>
-              <a:rPr lang="en-US" altLang="ko-KR" dirty="0"/>
-              <a:t>modules/</a:t>
-            </a:r>
+                <a:spcPct val="150000"/>
+              </a:lnSpc>
+            </a:pPr>
+            <a:r>
+              <a:rPr lang="en-US" altLang="ko-KR" dirty="0"/>
+              <a:t>pip</a:t>
+            </a:r>
+            <a:r>
+              <a:rPr lang="ko-KR" altLang="en-US" dirty="0"/>
+              <a:t> 의존성에 오류가 있고 해결이 되지 않을 경우</a:t>
+            </a:r>
+            <a:endParaRPr lang="en-US" altLang="ko-KR" dirty="0"/>
           </a:p>
           <a:p>
             <a:pPr lvl="1">
               <a:lnSpc>
-                <a:spcPct val="120000"/>
-              </a:lnSpc>
-            </a:pPr>
-            <a:r>
-              <a:rPr lang="ko-KR" altLang="en-US" dirty="0"/>
-              <a:t>실행에 필요한 코드가 담겨있음</a:t>
+                <a:spcPct val="150000"/>
+              </a:lnSpc>
+            </a:pPr>
+            <a:r>
+              <a:rPr lang="en-US" altLang="ko-KR" dirty="0"/>
+              <a:t>requirements </a:t>
+            </a:r>
+            <a:r>
+              <a:rPr lang="ko-KR" altLang="en-US" dirty="0"/>
+              <a:t>폴더 내에 </a:t>
+            </a:r>
+            <a:r>
+              <a:rPr lang="en-US" altLang="ko-KR" dirty="0"/>
+              <a:t>23.11.28.yaml</a:t>
+            </a:r>
+            <a:r>
+              <a:rPr lang="ko-KR" altLang="en-US" dirty="0"/>
+              <a:t>로 가상환경 생성</a:t>
+            </a:r>
+            <a:endParaRPr lang="en-US" altLang="ko-KR" dirty="0"/>
+          </a:p>
+          <a:p>
+            <a:pPr lvl="1">
+              <a:lnSpc>
+                <a:spcPct val="150000"/>
+              </a:lnSpc>
+            </a:pPr>
+            <a:r>
+              <a:rPr lang="ko-KR" altLang="en-US" dirty="0"/>
+              <a:t>혹은 </a:t>
+            </a:r>
+            <a:r>
+              <a:rPr lang="en-US" altLang="ko-KR" dirty="0"/>
+              <a:t>env.txt </a:t>
+            </a:r>
+            <a:r>
+              <a:rPr lang="ko-KR" altLang="en-US" dirty="0"/>
+              <a:t>로 </a:t>
+            </a:r>
+            <a:r>
+              <a:rPr lang="ko-KR" altLang="en-US" dirty="0" err="1"/>
+              <a:t>비관련</a:t>
+            </a:r>
+            <a:r>
+              <a:rPr lang="ko-KR" altLang="en-US" dirty="0"/>
+              <a:t> 포함 패키지 전체 설치</a:t>
             </a:r>
             <a:endParaRPr lang="en-US" altLang="ko-KR" dirty="0"/>
           </a:p>
           <a:p>
             <a:pPr>
               <a:lnSpc>
-                <a:spcPct val="120000"/>
-              </a:lnSpc>
-            </a:pPr>
-            <a:r>
-              <a:rPr lang="en-US" altLang="ko-KR" dirty="0" err="1"/>
-              <a:t>imsi</a:t>
-            </a:r>
-            <a:r>
-              <a:rPr lang="en-US" altLang="ko-KR" dirty="0"/>
-              <a:t>/</a:t>
-            </a:r>
-          </a:p>
-          <a:p>
-            <a:pPr lvl="1">
-              <a:lnSpc>
-                <a:spcPct val="120000"/>
-              </a:lnSpc>
-            </a:pPr>
-            <a:r>
-              <a:rPr lang="ko-KR" altLang="en-US" dirty="0"/>
-              <a:t>잘려진 음원과 음원의 멜 </a:t>
-            </a:r>
-            <a:r>
-              <a:rPr lang="ko-KR" altLang="en-US" dirty="0" err="1"/>
-              <a:t>스펙트로그램이</a:t>
-            </a:r>
-            <a:r>
-              <a:rPr lang="ko-KR" altLang="en-US" dirty="0"/>
-              <a:t> 담기는 곳</a:t>
-            </a:r>
-            <a:endParaRPr lang="en-US" altLang="ko-KR" dirty="0"/>
-          </a:p>
-          <a:p>
-            <a:pPr>
-              <a:lnSpc>
-                <a:spcPct val="120000"/>
-              </a:lnSpc>
-            </a:pPr>
-            <a:r>
-              <a:rPr lang="en-US" altLang="ko-KR" dirty="0"/>
-              <a:t>data/</a:t>
-            </a:r>
-          </a:p>
-          <a:p>
-            <a:pPr lvl="1">
-              <a:lnSpc>
-                <a:spcPct val="120000"/>
-              </a:lnSpc>
-            </a:pPr>
-            <a:r>
-              <a:rPr lang="ko-KR" altLang="en-US" dirty="0"/>
-              <a:t>실시간 동작 중 데이터가 섞이는 것을 방지하기 위해 잠시 옮겨지는 곳</a:t>
-            </a:r>
-            <a:endParaRPr lang="en-US" altLang="ko-KR" dirty="0"/>
-          </a:p>
-          <a:p>
-            <a:pPr>
-              <a:lnSpc>
-                <a:spcPct val="120000"/>
-              </a:lnSpc>
-            </a:pPr>
-            <a:r>
-              <a:rPr lang="en-US" altLang="ko-KR" dirty="0"/>
-              <a:t>.</a:t>
-            </a:r>
-            <a:r>
-              <a:rPr lang="en-US" altLang="ko-KR" dirty="0" err="1"/>
-              <a:t>vscode</a:t>
-            </a:r>
-            <a:r>
-              <a:rPr lang="en-US" altLang="ko-KR" dirty="0"/>
-              <a:t>/</a:t>
-            </a:r>
-            <a:r>
-              <a:rPr lang="en-US" altLang="ko-KR" dirty="0" err="1"/>
-              <a:t>launch.json</a:t>
-            </a:r>
-            <a:endParaRPr lang="en-US" altLang="ko-KR" dirty="0"/>
-          </a:p>
-          <a:p>
-            <a:pPr lvl="1">
-              <a:lnSpc>
-                <a:spcPct val="120000"/>
-              </a:lnSpc>
-            </a:pPr>
-            <a:r>
-              <a:rPr lang="en-US" altLang="ko-KR" dirty="0" err="1"/>
-              <a:t>VSCode</a:t>
-            </a:r>
-            <a:r>
-              <a:rPr lang="en-US" altLang="ko-KR" dirty="0"/>
-              <a:t> </a:t>
-            </a:r>
-            <a:r>
-              <a:rPr lang="ko-KR" altLang="en-US" dirty="0"/>
-              <a:t>내에서 컴파일 시 참조되는 파일</a:t>
-            </a:r>
-            <a:endParaRPr lang="en-US" altLang="ko-KR" dirty="0"/>
-          </a:p>
-          <a:p>
-            <a:pPr lvl="1">
-              <a:lnSpc>
-                <a:spcPct val="120000"/>
-              </a:lnSpc>
-            </a:pPr>
-            <a:r>
-              <a:rPr lang="ko-KR" altLang="en-US" dirty="0"/>
-              <a:t>필요 시 </a:t>
-            </a:r>
-            <a:r>
-              <a:rPr lang="en-US" altLang="ko-KR" dirty="0"/>
-              <a:t>“</a:t>
-            </a:r>
-            <a:r>
-              <a:rPr lang="en-US" altLang="ko-KR" dirty="0" err="1"/>
-              <a:t>args</a:t>
-            </a:r>
-            <a:r>
-              <a:rPr lang="en-US" altLang="ko-KR" dirty="0"/>
-              <a:t>” </a:t>
-            </a:r>
-            <a:r>
-              <a:rPr lang="ko-KR" altLang="en-US" dirty="0"/>
-              <a:t>항목에 </a:t>
-            </a:r>
-            <a:r>
-              <a:rPr lang="en-US" altLang="ko-KR" dirty="0"/>
-              <a:t>parser </a:t>
-            </a:r>
-            <a:r>
-              <a:rPr lang="ko-KR" altLang="en-US" dirty="0"/>
-              <a:t>를 넣으면 됨</a:t>
-            </a:r>
-            <a:endParaRPr lang="en-US" altLang="ko-KR" dirty="0"/>
-          </a:p>
-          <a:p>
-            <a:pPr>
-              <a:lnSpc>
-                <a:spcPct val="120000"/>
-              </a:lnSpc>
-            </a:pPr>
-            <a:r>
-              <a:rPr lang="en-US" altLang="ko-KR" dirty="0"/>
-              <a:t>.</a:t>
-            </a:r>
-            <a:r>
-              <a:rPr lang="en-US" altLang="ko-KR" dirty="0" err="1"/>
-              <a:t>ckpt</a:t>
-            </a:r>
-            <a:r>
-              <a:rPr lang="en-US" altLang="ko-KR" dirty="0"/>
-              <a:t>/</a:t>
-            </a:r>
-          </a:p>
-          <a:p>
-            <a:pPr lvl="1">
-              <a:lnSpc>
-                <a:spcPct val="120000"/>
-              </a:lnSpc>
-            </a:pPr>
-            <a:r>
-              <a:rPr lang="ko-KR" altLang="en-US" dirty="0"/>
-              <a:t>모델의 가중치를 </a:t>
-            </a:r>
-            <a:r>
-              <a:rPr lang="ko-KR" altLang="en-US" dirty="0" err="1"/>
-              <a:t>저장해놓은</a:t>
-            </a:r>
-            <a:r>
-              <a:rPr lang="ko-KR" altLang="en-US" dirty="0"/>
-              <a:t> 디렉토리</a:t>
-            </a:r>
-            <a:endParaRPr lang="en-US" altLang="ko-KR" dirty="0"/>
-          </a:p>
-          <a:p>
-            <a:pPr>
-              <a:lnSpc>
-                <a:spcPct val="120000"/>
-              </a:lnSpc>
-            </a:pPr>
-            <a:r>
-              <a:rPr lang="en-US" altLang="ko-KR" dirty="0"/>
-              <a:t>breaks.wav</a:t>
-            </a:r>
-          </a:p>
-          <a:p>
-            <a:pPr lvl="1">
-              <a:lnSpc>
-                <a:spcPct val="120000"/>
-              </a:lnSpc>
-            </a:pPr>
-            <a:r>
-              <a:rPr lang="ko-KR" altLang="en-US" dirty="0"/>
-              <a:t>테스트용 드럼 연주 음원</a:t>
-            </a:r>
+                <a:spcPct val="150000"/>
+              </a:lnSpc>
+            </a:pPr>
+            <a:r>
+              <a:rPr lang="ko-KR" altLang="en-US" dirty="0"/>
+              <a:t>권장하지 않음</a:t>
+            </a:r>
+            <a:endParaRPr lang="en-US" altLang="ko-KR" dirty="0"/>
           </a:p>
         </p:txBody>
       </p:sp>
     </p:spTree>
     <p:extLst>
       <p:ext uri="{BB962C8B-B14F-4D97-AF65-F5344CB8AC3E}">
-        <p14:creationId xmlns:p14="http://schemas.microsoft.com/office/powerpoint/2010/main" val="2832960477"/>
+        <p14:creationId xmlns:p14="http://schemas.microsoft.com/office/powerpoint/2010/main" val="2339639908"/>
       </p:ext>
     </p:extLst>
   </p:cSld>
@@ -5507,8 +6177,21 @@
           <a:p>
             <a:r>
               <a:rPr lang="ko-KR" altLang="en-US" dirty="0"/>
-              <a:t>기본 사용 방법</a:t>
-            </a:r>
+              <a:t>설치 </a:t>
+            </a:r>
+            <a:r>
+              <a:rPr lang="en-US" altLang="ko-KR" dirty="0"/>
+              <a:t>(</a:t>
+            </a:r>
+            <a:r>
+              <a:rPr lang="ko-KR" altLang="en-US" dirty="0"/>
+              <a:t>드럼 소스 분류</a:t>
+            </a:r>
+            <a:r>
+              <a:rPr lang="en-US" altLang="ko-KR" dirty="0"/>
+              <a:t>)</a:t>
+            </a:r>
+            <a:endParaRPr lang="ko-KR" altLang="en-US" dirty="0"/>
           </a:p>
         </p:txBody>
       </p:sp>
@@ -5528,353 +6211,279 @@
             <p:ph idx="1"/>
           </p:nvPr>
         </p:nvSpPr>
-        <p:spPr>
-          <a:xfrm>
-            <a:off x="838200" y="1485900"/>
-            <a:ext cx="10515600" cy="5177790"/>
-          </a:xfrm>
-        </p:spPr>
+        <p:spPr/>
         <p:txBody>
           <a:bodyPr>
-            <a:normAutofit fontScale="55000" lnSpcReduction="20000"/>
+            <a:normAutofit fontScale="47500" lnSpcReduction="20000"/>
           </a:bodyPr>
           <a:lstStyle/>
           <a:p>
             <a:pPr>
               <a:lnSpc>
-                <a:spcPct val="120000"/>
-              </a:lnSpc>
-            </a:pPr>
-            <a:r>
-              <a:rPr lang="en-US" altLang="ko-KR" dirty="0"/>
-              <a:t>python DRUM.py </a:t>
-            </a:r>
+                <a:spcPct val="150000"/>
+              </a:lnSpc>
+            </a:pPr>
+            <a:r>
+              <a:rPr lang="ko-KR" altLang="en-US" dirty="0"/>
+              <a:t>새로운 </a:t>
+            </a:r>
+            <a:r>
+              <a:rPr lang="en-US" altLang="ko-KR" dirty="0" err="1"/>
+              <a:t>conda</a:t>
+            </a:r>
+            <a:r>
+              <a:rPr lang="en-US" altLang="ko-KR" dirty="0"/>
+              <a:t> </a:t>
+            </a:r>
+            <a:r>
+              <a:rPr lang="ko-KR" altLang="en-US" dirty="0"/>
+              <a:t>환경 생성 권장</a:t>
+            </a:r>
+            <a:endParaRPr lang="en-US" altLang="ko-KR" dirty="0"/>
+          </a:p>
+          <a:p>
+            <a:pPr>
+              <a:lnSpc>
+                <a:spcPct val="150000"/>
+              </a:lnSpc>
+            </a:pPr>
+            <a:r>
+              <a:rPr lang="en-US" altLang="ko-KR" dirty="0"/>
+              <a:t>Python3 –m pip install –U </a:t>
+            </a:r>
+            <a:r>
+              <a:rPr lang="en-US" altLang="ko-KR" dirty="0" err="1"/>
+              <a:t>demucs</a:t>
+            </a:r>
+            <a:endParaRPr lang="en-US" altLang="ko-KR" dirty="0"/>
+          </a:p>
+          <a:p>
+            <a:pPr marL="457200" lvl="1" indent="0">
+              <a:lnSpc>
+                <a:spcPct val="150000"/>
+              </a:lnSpc>
+              <a:buNone/>
+            </a:pPr>
+            <a:r>
+              <a:rPr lang="ko-KR" altLang="en-US" dirty="0"/>
+              <a:t>혹은</a:t>
+            </a:r>
+            <a:endParaRPr lang="en-US" altLang="ko-KR" dirty="0"/>
+          </a:p>
+          <a:p>
+            <a:pPr>
+              <a:lnSpc>
+                <a:spcPct val="150000"/>
+              </a:lnSpc>
+            </a:pPr>
+            <a:r>
+              <a:rPr lang="en-US" altLang="ko-KR" dirty="0"/>
+              <a:t>Python3 –m pip install –U </a:t>
+            </a:r>
+            <a:r>
+              <a:rPr lang="en-US" altLang="ko-KR" dirty="0" err="1"/>
+              <a:t>git+https</a:t>
+            </a:r>
+            <a:r>
+              <a:rPr lang="en-US" altLang="ko-KR" dirty="0"/>
+              <a:t>://github.com/</a:t>
+            </a:r>
+            <a:r>
+              <a:rPr lang="en-US" altLang="ko-KR" dirty="0" err="1"/>
+              <a:t>facebookresearch</a:t>
+            </a:r>
+            <a:r>
+              <a:rPr lang="en-US" altLang="ko-KR" dirty="0"/>
+              <a:t>/</a:t>
+            </a:r>
+            <a:r>
+              <a:rPr lang="en-US" altLang="ko-KR" dirty="0" err="1"/>
+              <a:t>demucs#egg</a:t>
+            </a:r>
+            <a:r>
+              <a:rPr lang="en-US" altLang="ko-KR" dirty="0"/>
+              <a:t>=</a:t>
+            </a:r>
+            <a:r>
+              <a:rPr lang="en-US" altLang="ko-KR" dirty="0" err="1"/>
+              <a:t>demucs</a:t>
+            </a:r>
+            <a:endParaRPr lang="en-US" altLang="ko-KR" dirty="0"/>
+          </a:p>
+          <a:p>
+            <a:pPr marL="457200" lvl="1" indent="0">
+              <a:lnSpc>
+                <a:spcPct val="150000"/>
+              </a:lnSpc>
+              <a:buNone/>
+            </a:pPr>
+            <a:r>
+              <a:rPr lang="ko-KR" altLang="en-US" dirty="0"/>
+              <a:t>혹은</a:t>
+            </a:r>
+            <a:endParaRPr lang="en-US" altLang="ko-KR" dirty="0"/>
+          </a:p>
+          <a:p>
+            <a:pPr>
+              <a:lnSpc>
+                <a:spcPct val="150000"/>
+              </a:lnSpc>
+            </a:pPr>
+            <a:r>
+              <a:rPr lang="en-US" altLang="ko-KR" dirty="0"/>
+              <a:t>[</a:t>
+            </a:r>
+            <a:r>
+              <a:rPr lang="ko-KR" altLang="en-US" dirty="0"/>
+              <a:t>권장</a:t>
+            </a:r>
+            <a:r>
+              <a:rPr lang="en-US" altLang="ko-KR" dirty="0"/>
+              <a:t>] clone </a:t>
+            </a:r>
+            <a:r>
+              <a:rPr lang="ko-KR" altLang="en-US" dirty="0"/>
+              <a:t>후 해당 </a:t>
+            </a:r>
+            <a:r>
+              <a:rPr lang="ko-KR" altLang="en-US" dirty="0" err="1"/>
+              <a:t>레포지토리</a:t>
+            </a:r>
+            <a:r>
+              <a:rPr lang="ko-KR" altLang="en-US" dirty="0"/>
+              <a:t> 루트 디렉토리 내에서</a:t>
+            </a:r>
+            <a:endParaRPr lang="en-US" altLang="ko-KR" dirty="0"/>
           </a:p>
           <a:p>
             <a:pPr lvl="1">
               <a:lnSpc>
-                <a:spcPct val="120000"/>
-              </a:lnSpc>
-            </a:pPr>
-            <a:r>
-              <a:rPr lang="ko-KR" altLang="en-US" dirty="0"/>
-              <a:t>녹음을 받은 후 </a:t>
-            </a:r>
-            <a:r>
-              <a:rPr lang="en-US" altLang="ko-KR" dirty="0"/>
-              <a:t>bpm</a:t>
-            </a:r>
-            <a:r>
-              <a:rPr lang="ko-KR" altLang="en-US" dirty="0"/>
-              <a:t>정보를 사용하여 악보를 생성</a:t>
-            </a:r>
-            <a:endParaRPr lang="en-US" altLang="ko-KR" dirty="0"/>
+                <a:spcPct val="150000"/>
+              </a:lnSpc>
+            </a:pPr>
+            <a:r>
+              <a:rPr lang="en-US" altLang="ko-KR" dirty="0" err="1"/>
+              <a:t>Conda</a:t>
+            </a:r>
+            <a:r>
+              <a:rPr lang="en-US" altLang="ko-KR" dirty="0"/>
+              <a:t> env update –f environment-</a:t>
+            </a:r>
+            <a:r>
+              <a:rPr lang="en-US" altLang="ko-KR" dirty="0" err="1"/>
+              <a:t>cpu.yml</a:t>
+            </a:r>
+            <a:r>
+              <a:rPr lang="en-US" altLang="ko-KR" dirty="0"/>
+              <a:t> </a:t>
+            </a:r>
           </a:p>
           <a:p>
             <a:pPr lvl="1">
               <a:lnSpc>
-                <a:spcPct val="120000"/>
-              </a:lnSpc>
-            </a:pPr>
-            <a:r>
-              <a:rPr lang="ko-KR" altLang="en-US" dirty="0"/>
-              <a:t>실행까지 대기시간이 필요하고</a:t>
-            </a:r>
-            <a:r>
-              <a:rPr lang="en-US" altLang="ko-KR" dirty="0"/>
-              <a:t>, </a:t>
-            </a:r>
-            <a:r>
-              <a:rPr lang="ko-KR" altLang="en-US" dirty="0"/>
-              <a:t>각종 경고문이 나오니</a:t>
-            </a:r>
-            <a:endParaRPr lang="en-US" altLang="ko-KR" dirty="0"/>
-          </a:p>
-          <a:p>
-            <a:pPr marL="914400" lvl="2" indent="0">
-              <a:lnSpc>
-                <a:spcPct val="120000"/>
-              </a:lnSpc>
-              <a:buNone/>
-            </a:pPr>
-            <a:r>
-              <a:rPr lang="en-US" altLang="ko-KR" dirty="0"/>
-              <a:t>"Press 'q' to stop recording."</a:t>
-            </a:r>
-          </a:p>
-          <a:p>
-            <a:pPr marL="914400" lvl="2" indent="0">
-              <a:lnSpc>
-                <a:spcPct val="120000"/>
-              </a:lnSpc>
-              <a:buNone/>
-            </a:pPr>
-            <a:r>
-              <a:rPr lang="ko-KR" altLang="en-US" dirty="0"/>
-              <a:t>가 화면에 출력되는 것을 </a:t>
-            </a:r>
-            <a:r>
-              <a:rPr lang="ko-KR" altLang="en-US" dirty="0" err="1"/>
-              <a:t>주의깊게</a:t>
-            </a:r>
-            <a:r>
-              <a:rPr lang="ko-KR" altLang="en-US" dirty="0"/>
-              <a:t> 확인할 필요가 있음</a:t>
+                <a:spcPct val="150000"/>
+              </a:lnSpc>
+            </a:pPr>
+            <a:r>
+              <a:rPr lang="en-US" altLang="ko-KR" dirty="0" err="1"/>
+              <a:t>Conda</a:t>
+            </a:r>
+            <a:r>
+              <a:rPr lang="en-US" altLang="ko-KR" dirty="0"/>
+              <a:t> activate </a:t>
+            </a:r>
+            <a:r>
+              <a:rPr lang="en-US" altLang="ko-KR" dirty="0" err="1"/>
+              <a:t>demucs</a:t>
             </a:r>
             <a:endParaRPr lang="en-US" altLang="ko-KR" dirty="0"/>
           </a:p>
           <a:p>
             <a:pPr lvl="1">
               <a:lnSpc>
-                <a:spcPct val="120000"/>
-              </a:lnSpc>
-            </a:pPr>
-            <a:r>
-              <a:rPr lang="en-US" altLang="ko-KR" dirty="0"/>
-              <a:t>Q</a:t>
-            </a:r>
-            <a:r>
-              <a:rPr lang="ko-KR" altLang="en-US" dirty="0"/>
-              <a:t>를 </a:t>
-            </a:r>
-            <a:r>
-              <a:rPr lang="en-US" altLang="ko-KR" dirty="0"/>
-              <a:t>‘</a:t>
-            </a:r>
-            <a:r>
-              <a:rPr lang="ko-KR" altLang="en-US" dirty="0"/>
-              <a:t>누르면 즉시</a:t>
-            </a:r>
-            <a:r>
-              <a:rPr lang="en-US" altLang="ko-KR" dirty="0"/>
-              <a:t>’ </a:t>
-            </a:r>
-            <a:r>
-              <a:rPr lang="ko-KR" altLang="en-US" dirty="0"/>
-              <a:t>녹음이 중지되고 음원 처리가 시작됨</a:t>
-            </a:r>
-            <a:endParaRPr lang="en-US" altLang="ko-KR" dirty="0"/>
+                <a:spcPct val="150000"/>
+              </a:lnSpc>
+            </a:pPr>
+            <a:r>
+              <a:rPr lang="en-US" altLang="ko-KR" dirty="0"/>
+              <a:t>Pip install –e .</a:t>
+            </a:r>
           </a:p>
           <a:p>
             <a:pPr>
               <a:lnSpc>
-                <a:spcPct val="120000"/>
-              </a:lnSpc>
-            </a:pPr>
-            <a:r>
-              <a:rPr lang="en-US" altLang="ko-KR" dirty="0"/>
-              <a:t>python DRUM.py --</a:t>
-            </a:r>
+                <a:spcPct val="150000"/>
+              </a:lnSpc>
+            </a:pPr>
+            <a:r>
+              <a:rPr lang="ko-KR" altLang="en-US" dirty="0"/>
+              <a:t>사용법</a:t>
+            </a:r>
+            <a:endParaRPr lang="en-US" altLang="ko-KR" dirty="0"/>
+          </a:p>
+          <a:p>
+            <a:pPr lvl="1">
+              <a:lnSpc>
+                <a:spcPct val="150000"/>
+              </a:lnSpc>
+            </a:pPr>
             <a:r>
               <a:rPr lang="en-US" altLang="ko-KR" dirty="0" err="1"/>
-              <a:t>real_time</a:t>
-            </a:r>
-            <a:endParaRPr lang="en-US" altLang="ko-KR" dirty="0"/>
+              <a:t>demucs</a:t>
+            </a:r>
+            <a:r>
+              <a:rPr lang="en-US" altLang="ko-KR" dirty="0"/>
+              <a:t> --two-stems=drums filename.mp3(or .wav)</a:t>
+            </a:r>
           </a:p>
           <a:p>
             <a:pPr lvl="1">
               <a:lnSpc>
-                <a:spcPct val="120000"/>
-              </a:lnSpc>
-            </a:pPr>
-            <a:r>
-              <a:rPr lang="ko-KR" altLang="en-US" dirty="0"/>
-              <a:t>녹음을 받으며 실시간으로 악보를 생성</a:t>
-            </a:r>
-            <a:endParaRPr lang="en-US" altLang="ko-KR" dirty="0"/>
-          </a:p>
-          <a:p>
-            <a:pPr lvl="1">
-              <a:lnSpc>
-                <a:spcPct val="120000"/>
-              </a:lnSpc>
-            </a:pPr>
-            <a:r>
-              <a:rPr lang="en-US" altLang="ko-KR" dirty="0"/>
-              <a:t>Bpm</a:t>
-            </a:r>
-            <a:r>
-              <a:rPr lang="ko-KR" altLang="en-US" dirty="0"/>
-              <a:t>정보 및 </a:t>
-            </a:r>
-            <a:r>
-              <a:rPr lang="en-US" altLang="ko-KR" dirty="0" err="1"/>
-              <a:t>rnn</a:t>
-            </a:r>
-            <a:r>
-              <a:rPr lang="ko-KR" altLang="en-US" dirty="0"/>
-              <a:t>은 사용할 수 없음</a:t>
-            </a:r>
-            <a:endParaRPr lang="en-US" altLang="ko-KR" dirty="0"/>
-          </a:p>
-          <a:p>
-            <a:pPr lvl="1">
-              <a:lnSpc>
-                <a:spcPct val="120000"/>
-              </a:lnSpc>
-            </a:pPr>
-            <a:r>
-              <a:rPr lang="ko-KR" altLang="en-US" dirty="0"/>
-              <a:t>실행까지 대기시간이 필요하고</a:t>
-            </a:r>
-            <a:r>
-              <a:rPr lang="en-US" altLang="ko-KR" dirty="0"/>
-              <a:t>, </a:t>
-            </a:r>
-            <a:r>
-              <a:rPr lang="ko-KR" altLang="en-US" dirty="0"/>
-              <a:t>각종 경고문이 나오니</a:t>
-            </a:r>
-            <a:endParaRPr lang="en-US" altLang="ko-KR" dirty="0"/>
-          </a:p>
-          <a:p>
-            <a:pPr marL="914400" lvl="2" indent="0">
-              <a:lnSpc>
-                <a:spcPct val="120000"/>
-              </a:lnSpc>
-              <a:buNone/>
-            </a:pPr>
-            <a:r>
-              <a:rPr lang="en-US" altLang="ko-KR" dirty="0"/>
-              <a:t>Recording Started.  Type 'q' to Terminate.</a:t>
-            </a:r>
-          </a:p>
-          <a:p>
-            <a:pPr marL="914400" lvl="2" indent="0">
-              <a:lnSpc>
-                <a:spcPct val="120000"/>
-              </a:lnSpc>
-              <a:buNone/>
-            </a:pPr>
-            <a:r>
-              <a:rPr lang="ko-KR" altLang="en-US" dirty="0"/>
-              <a:t>가 화면에 출력되는 것을 </a:t>
-            </a:r>
-            <a:r>
-              <a:rPr lang="ko-KR" altLang="en-US" dirty="0" err="1"/>
-              <a:t>주의깊게</a:t>
-            </a:r>
-            <a:r>
-              <a:rPr lang="ko-KR" altLang="en-US" dirty="0"/>
-              <a:t> 확인할 필요가 있음</a:t>
-            </a:r>
-            <a:endParaRPr lang="en-US" altLang="ko-KR" dirty="0"/>
-          </a:p>
-          <a:p>
-            <a:pPr lvl="1">
-              <a:lnSpc>
-                <a:spcPct val="120000"/>
-              </a:lnSpc>
-            </a:pPr>
-            <a:r>
-              <a:rPr lang="en-US" altLang="ko-KR" dirty="0"/>
-              <a:t>Q</a:t>
-            </a:r>
-            <a:r>
-              <a:rPr lang="ko-KR" altLang="en-US" dirty="0"/>
-              <a:t>를 입력하고 </a:t>
-            </a:r>
-            <a:r>
-              <a:rPr lang="en-US" altLang="ko-KR" dirty="0"/>
-              <a:t>‘</a:t>
-            </a:r>
-            <a:r>
-              <a:rPr lang="ko-KR" altLang="en-US" dirty="0" err="1"/>
-              <a:t>엔터를</a:t>
-            </a:r>
-            <a:r>
-              <a:rPr lang="ko-KR" altLang="en-US" dirty="0"/>
-              <a:t> 치면</a:t>
-            </a:r>
-            <a:r>
-              <a:rPr lang="en-US" altLang="ko-KR" dirty="0"/>
-              <a:t>’ </a:t>
-            </a:r>
-            <a:r>
-              <a:rPr lang="ko-KR" altLang="en-US" dirty="0"/>
-              <a:t>모든 프로세스가 중지됨</a:t>
-            </a:r>
+                <a:spcPct val="150000"/>
+              </a:lnSpc>
+            </a:pPr>
             <a:endParaRPr lang="en-US" altLang="ko-KR" dirty="0"/>
           </a:p>
           <a:p>
             <a:pPr>
               <a:lnSpc>
-                <a:spcPct val="120000"/>
-              </a:lnSpc>
-            </a:pPr>
-            <a:r>
-              <a:rPr lang="en-US" altLang="ko-KR" dirty="0"/>
-              <a:t>python DRUM.py --wav “filename.wav”</a:t>
-            </a:r>
-          </a:p>
-          <a:p>
-            <a:pPr lvl="1">
-              <a:lnSpc>
-                <a:spcPct val="120000"/>
-              </a:lnSpc>
-            </a:pPr>
-            <a:r>
-              <a:rPr lang="en-US" altLang="ko-KR" dirty="0"/>
-              <a:t>filename.wav </a:t>
-            </a:r>
-            <a:r>
-              <a:rPr lang="ko-KR" altLang="en-US" dirty="0"/>
-              <a:t>파일을 분석하여 악보를 생성</a:t>
-            </a:r>
-            <a:endParaRPr lang="en-US" altLang="ko-KR" dirty="0"/>
-          </a:p>
-          <a:p>
-            <a:pPr lvl="1">
-              <a:lnSpc>
-                <a:spcPct val="120000"/>
-              </a:lnSpc>
-            </a:pPr>
-            <a:r>
-              <a:rPr lang="ko-KR" altLang="en-US" dirty="0"/>
-              <a:t>출력 또한 해당 파일의 이름을 따라 감 </a:t>
-            </a:r>
-            <a:r>
-              <a:rPr lang="en-US" altLang="ko-KR" dirty="0"/>
-              <a:t>(filename.txt / filename.mid)</a:t>
-            </a:r>
+                <a:spcPct val="150000"/>
+              </a:lnSpc>
+            </a:pPr>
+            <a:r>
+              <a:rPr lang="ko-KR" altLang="en-US" dirty="0"/>
+              <a:t>자세한 내용은 </a:t>
+            </a:r>
+            <a:r>
+              <a:rPr lang="en-US" altLang="ko-KR" dirty="0">
+                <a:hlinkClick r:id="rId2"/>
+              </a:rPr>
+              <a:t>https://github.com/facebookresearch/demucs</a:t>
+            </a:r>
+            <a:r>
+              <a:rPr lang="en-US" altLang="ko-KR" dirty="0"/>
+              <a:t> </a:t>
+            </a:r>
+            <a:r>
+              <a:rPr lang="ko-KR" altLang="en-US" dirty="0"/>
+              <a:t>참조</a:t>
+            </a:r>
+            <a:endParaRPr lang="en-US" altLang="ko-KR" dirty="0"/>
           </a:p>
           <a:p>
             <a:pPr>
               <a:lnSpc>
-                <a:spcPct val="120000"/>
-              </a:lnSpc>
-            </a:pPr>
-            <a:r>
-              <a:rPr lang="en-US" altLang="ko-KR" dirty="0"/>
-              <a:t>python DRUM.py --</a:t>
-            </a:r>
-            <a:r>
-              <a:rPr lang="en-US" altLang="ko-KR" dirty="0" err="1"/>
-              <a:t>create_midi</a:t>
-            </a:r>
-            <a:endParaRPr lang="en-US" altLang="ko-KR" dirty="0"/>
-          </a:p>
-          <a:p>
-            <a:pPr lvl="1">
-              <a:lnSpc>
-                <a:spcPct val="120000"/>
-              </a:lnSpc>
-            </a:pPr>
-            <a:r>
-              <a:rPr lang="en-US" altLang="ko-KR" dirty="0"/>
-              <a:t>midi</a:t>
-            </a:r>
-            <a:r>
-              <a:rPr lang="ko-KR" altLang="en-US" dirty="0"/>
-              <a:t>파일을 생성함</a:t>
-            </a:r>
+                <a:spcPct val="150000"/>
+              </a:lnSpc>
+            </a:pPr>
+            <a:endParaRPr lang="ko-KR" altLang="en-US" dirty="0"/>
           </a:p>
         </p:txBody>
       </p:sp>
     </p:spTree>
     <p:extLst>
       <p:ext uri="{BB962C8B-B14F-4D97-AF65-F5344CB8AC3E}">
-        <p14:creationId xmlns:p14="http://schemas.microsoft.com/office/powerpoint/2010/main" val="2594572097"/>
+        <p14:creationId xmlns:p14="http://schemas.microsoft.com/office/powerpoint/2010/main" val="3328295650"/>
       </p:ext>
     </p:extLst>
   </p:cSld>
@@ -5923,48 +6532,203 @@
           <a:lstStyle/>
           <a:p>
             <a:r>
-              <a:rPr lang="en-US" altLang="ko-KR" dirty="0"/>
-              <a:t>Parser </a:t>
-            </a:r>
-            <a:r>
-              <a:rPr lang="ko-KR" altLang="en-US" dirty="0"/>
-              <a:t>옵션</a:t>
+              <a:rPr lang="ko-KR" altLang="en-US" dirty="0"/>
+              <a:t>프로젝트 디렉토리</a:t>
+            </a:r>
+            <a:r>
+              <a:rPr lang="en-US" altLang="ko-KR" dirty="0"/>
+              <a:t>/</a:t>
+            </a:r>
+            <a:r>
+              <a:rPr lang="ko-KR" altLang="en-US" dirty="0"/>
+              <a:t>파일 설명</a:t>
+            </a:r>
+          </a:p>
+        </p:txBody>
+      </p:sp>
+      <p:sp>
+        <p:nvSpPr>
+          <p:cNvPr id="3" name="내용 개체 틀 2">
+            <a:extLst>
+              <a:ext uri="{FF2B5EF4-FFF2-40B4-BE49-F238E27FC236}">
+                <a16:creationId xmlns:a16="http://schemas.microsoft.com/office/drawing/2014/main" id="{413AD29C-9DB1-4AC4-9A09-ECCA3709E2A0}"/>
+              </a:ext>
+            </a:extLst>
+          </p:cNvPr>
+          <p:cNvSpPr>
+            <a:spLocks noGrp="1"/>
+          </p:cNvSpPr>
+          <p:nvPr>
+            <p:ph idx="1"/>
+          </p:nvPr>
+        </p:nvSpPr>
+        <p:spPr/>
+        <p:txBody>
+          <a:bodyPr>
+            <a:normAutofit fontScale="55000" lnSpcReduction="20000"/>
+          </a:bodyPr>
+          <a:lstStyle/>
+          <a:p>
+            <a:pPr>
+              <a:lnSpc>
+                <a:spcPct val="120000"/>
+              </a:lnSpc>
+            </a:pPr>
+            <a:r>
+              <a:rPr lang="en-US" altLang="ko-KR" dirty="0"/>
+              <a:t>modules/</a:t>
+            </a:r>
+          </a:p>
+          <a:p>
+            <a:pPr lvl="1">
+              <a:lnSpc>
+                <a:spcPct val="120000"/>
+              </a:lnSpc>
+            </a:pPr>
+            <a:r>
+              <a:rPr lang="ko-KR" altLang="en-US" dirty="0"/>
+              <a:t>실행에 필요한 코드가 담겨있음</a:t>
+            </a:r>
+            <a:endParaRPr lang="en-US" altLang="ko-KR" dirty="0"/>
+          </a:p>
+          <a:p>
+            <a:pPr>
+              <a:lnSpc>
+                <a:spcPct val="120000"/>
+              </a:lnSpc>
+            </a:pPr>
+            <a:r>
+              <a:rPr lang="en-US" altLang="ko-KR" dirty="0" err="1"/>
+              <a:t>imsi</a:t>
+            </a:r>
+            <a:r>
+              <a:rPr lang="en-US" altLang="ko-KR" dirty="0"/>
+              <a:t>/</a:t>
+            </a:r>
+          </a:p>
+          <a:p>
+            <a:pPr lvl="1">
+              <a:lnSpc>
+                <a:spcPct val="120000"/>
+              </a:lnSpc>
+            </a:pPr>
+            <a:r>
+              <a:rPr lang="ko-KR" altLang="en-US" dirty="0"/>
+              <a:t>잘려진 음원과 음원의 멜 </a:t>
+            </a:r>
+            <a:r>
+              <a:rPr lang="ko-KR" altLang="en-US" dirty="0" err="1"/>
+              <a:t>스펙트로그램이</a:t>
+            </a:r>
+            <a:r>
+              <a:rPr lang="ko-KR" altLang="en-US" dirty="0"/>
+              <a:t> 담기는 곳</a:t>
+            </a:r>
+            <a:endParaRPr lang="en-US" altLang="ko-KR" dirty="0"/>
+          </a:p>
+          <a:p>
+            <a:pPr>
+              <a:lnSpc>
+                <a:spcPct val="120000"/>
+              </a:lnSpc>
+            </a:pPr>
+            <a:r>
+              <a:rPr lang="en-US" altLang="ko-KR" dirty="0"/>
+              <a:t>data/</a:t>
+            </a:r>
+          </a:p>
+          <a:p>
+            <a:pPr lvl="1">
+              <a:lnSpc>
+                <a:spcPct val="120000"/>
+              </a:lnSpc>
+            </a:pPr>
+            <a:r>
+              <a:rPr lang="ko-KR" altLang="en-US" dirty="0"/>
+              <a:t>실시간 동작 중 데이터가 섞이는 것을 방지하기 위해 잠시 옮겨지는 곳</a:t>
+            </a:r>
+            <a:endParaRPr lang="en-US" altLang="ko-KR" dirty="0"/>
+          </a:p>
+          <a:p>
+            <a:pPr>
+              <a:lnSpc>
+                <a:spcPct val="120000"/>
+              </a:lnSpc>
+            </a:pPr>
+            <a:r>
+              <a:rPr lang="en-US" altLang="ko-KR" dirty="0"/>
+              <a:t>.</a:t>
+            </a:r>
+            <a:r>
+              <a:rPr lang="en-US" altLang="ko-KR" dirty="0" err="1"/>
+              <a:t>vscode</a:t>
+            </a:r>
+            <a:r>
+              <a:rPr lang="en-US" altLang="ko-KR" dirty="0"/>
+              <a:t>/</a:t>
+            </a:r>
+            <a:r>
+              <a:rPr lang="en-US" altLang="ko-KR" dirty="0" err="1"/>
+              <a:t>launch.json</a:t>
+            </a:r>
+            <a:endParaRPr lang="en-US" altLang="ko-KR" dirty="0"/>
+          </a:p>
+          <a:p>
+            <a:pPr lvl="1">
+              <a:lnSpc>
+                <a:spcPct val="120000"/>
+              </a:lnSpc>
+            </a:pPr>
+            <a:r>
+              <a:rPr lang="en-US" altLang="ko-KR" dirty="0" err="1"/>
+              <a:t>VSCode</a:t>
             </a:r>
             <a:r>
               <a:rPr lang="en-US" altLang="ko-KR" dirty="0"/>
               <a:t> </a:t>
             </a:r>
-            <a:endParaRPr lang="ko-KR" altLang="en-US" dirty="0"/>
-          </a:p>
-        </p:txBody>
-      </p:sp>
-      <p:sp>
-        <p:nvSpPr>
-          <p:cNvPr id="3" name="내용 개체 틀 2">
-            <a:extLst>
-              <a:ext uri="{FF2B5EF4-FFF2-40B4-BE49-F238E27FC236}">
-                <a16:creationId xmlns:a16="http://schemas.microsoft.com/office/drawing/2014/main" id="{413AD29C-9DB1-4AC4-9A09-ECCA3709E2A0}"/>
-              </a:ext>
-            </a:extLst>
-          </p:cNvPr>
-          <p:cNvSpPr>
-            <a:spLocks noGrp="1"/>
-          </p:cNvSpPr>
-          <p:nvPr>
-            <p:ph idx="1"/>
-          </p:nvPr>
-        </p:nvSpPr>
-        <p:spPr>
-          <a:xfrm>
-            <a:off x="838200" y="1497330"/>
-            <a:ext cx="10515600" cy="5360669"/>
-          </a:xfrm>
-        </p:spPr>
-        <p:txBody>
-          <a:bodyPr>
-            <a:normAutofit fontScale="47500" lnSpcReduction="20000"/>
-          </a:bodyPr>
-          <a:lstStyle/>
+            <a:r>
+              <a:rPr lang="ko-KR" altLang="en-US" dirty="0"/>
+              <a:t>내에서 컴파일 시 참조되는 파일</a:t>
+            </a:r>
+            <a:endParaRPr lang="en-US" altLang="ko-KR" dirty="0"/>
+          </a:p>
+          <a:p>
+            <a:pPr lvl="1">
+              <a:lnSpc>
+                <a:spcPct val="120000"/>
+              </a:lnSpc>
+            </a:pPr>
+            <a:r>
+              <a:rPr lang="ko-KR" altLang="en-US" dirty="0"/>
+              <a:t>필요 시 </a:t>
+            </a:r>
+            <a:r>
+              <a:rPr lang="en-US" altLang="ko-KR" dirty="0"/>
+              <a:t>“</a:t>
+            </a:r>
+            <a:r>
+              <a:rPr lang="en-US" altLang="ko-KR" dirty="0" err="1"/>
+              <a:t>args</a:t>
+            </a:r>
+            <a:r>
+              <a:rPr lang="en-US" altLang="ko-KR" dirty="0"/>
+              <a:t>” </a:t>
+            </a:r>
+            <a:r>
+              <a:rPr lang="ko-KR" altLang="en-US" dirty="0"/>
+              <a:t>항목에 </a:t>
+            </a:r>
+            <a:r>
+              <a:rPr lang="en-US" altLang="ko-KR" dirty="0"/>
+              <a:t>parser </a:t>
+            </a:r>
+            <a:r>
+              <a:rPr lang="ko-KR" altLang="en-US" dirty="0"/>
+              <a:t>를 넣으면 됨</a:t>
+            </a:r>
+            <a:endParaRPr lang="en-US" altLang="ko-KR" dirty="0"/>
+          </a:p>
           <a:p>
             <a:pPr>
               <a:lnSpc>
@@ -5973,13 +6737,16 @@
             </a:pPr>
             <a:r>
               <a:rPr lang="en-US" altLang="ko-KR" dirty="0"/>
-              <a:t>--</a:t>
+              <a:t>.</a:t>
             </a:r>
             <a:r>
               <a:rPr lang="en-US" altLang="ko-KR" dirty="0" err="1"/>
-              <a:t>use_rnn</a:t>
-            </a:r>
-            <a:endParaRPr lang="en-US" altLang="ko-KR" dirty="0"/>
+              <a:t>ckpt</a:t>
+            </a:r>
+            <a:r>
+              <a:rPr lang="en-US" altLang="ko-KR" dirty="0"/>
+              <a:t>/</a:t>
+            </a:r>
           </a:p>
           <a:p>
             <a:pPr lvl="1">
@@ -5989,23 +6756,15 @@
             </a:pPr>
             <a:r>
               <a:rPr lang="ko-KR" altLang="en-US" dirty="0"/>
-              <a:t>음원에서 악보를 만들 때</a:t>
-            </a:r>
-            <a:r>
-              <a:rPr lang="en-US" altLang="ko-KR" dirty="0"/>
-              <a:t>, RNN</a:t>
-            </a:r>
-            <a:r>
-              <a:rPr lang="ko-KR" altLang="en-US" dirty="0"/>
-              <a:t>을 통해 </a:t>
-            </a:r>
-            <a:r>
-              <a:rPr lang="en-US" altLang="ko-KR" dirty="0"/>
-              <a:t>CNN </a:t>
-            </a:r>
-            <a:r>
-              <a:rPr lang="ko-KR" altLang="en-US" dirty="0"/>
-              <a:t>모델의 예측을 보정할 수 있음</a:t>
+              <a:t>모델의 가중치를 </a:t>
+            </a:r>
+            <a:r>
+              <a:rPr lang="ko-KR" altLang="en-US" dirty="0" err="1"/>
+              <a:t>저장해놓은</a:t>
+            </a:r>
+            <a:r>
+              <a:rPr lang="ko-KR" altLang="en-US" dirty="0"/>
+              <a:t> 디렉토리</a:t>
             </a:r>
             <a:endParaRPr lang="en-US" altLang="ko-KR" dirty="0"/>
           </a:p>
@@ -6017,13 +6776,8 @@
             </a:pPr>
             <a:r>
               <a:rPr lang="en-US" altLang="ko-KR" dirty="0"/>
-              <a:t>--</a:t>
-            </a:r>
-            <a:r>
-              <a:rPr lang="en-US" altLang="ko-KR" dirty="0" err="1"/>
-              <a:t>real_time</a:t>
-            </a:r>
-            <a:endParaRPr lang="en-US" altLang="ko-KR" dirty="0"/>
+              <a:t>breaks.wav</a:t>
+            </a:r>
           </a:p>
           <a:p>
             <a:pPr lvl="1">
@@ -6033,366 +6787,15 @@
             </a:pPr>
             <a:r>
               <a:rPr lang="ko-KR" altLang="en-US" dirty="0"/>
-              <a:t>음원사용 대신 실시간으로 녹음을 하며 악보 생성</a:t>
-            </a:r>
-            <a:endParaRPr lang="en-US" altLang="ko-KR" dirty="0"/>
-          </a:p>
-          <a:p>
-            <a:pPr>
-              <a:lnSpc>
-                <a:spcPct val="120000"/>
-              </a:lnSpc>
-            </a:pPr>
-            <a:r>
-              <a:rPr lang="en-US" altLang="ko-KR" dirty="0"/>
-              <a:t>--</a:t>
-            </a:r>
-            <a:r>
-              <a:rPr lang="en-US" altLang="ko-KR" dirty="0" err="1"/>
-              <a:t>ignore_bpm</a:t>
-            </a:r>
-            <a:endParaRPr lang="en-US" altLang="ko-KR" dirty="0"/>
-          </a:p>
-          <a:p>
-            <a:pPr lvl="1">
-              <a:lnSpc>
-                <a:spcPct val="120000"/>
-              </a:lnSpc>
-            </a:pPr>
-            <a:r>
-              <a:rPr lang="ko-KR" altLang="en-US" dirty="0"/>
-              <a:t>음원에서 악보를 만들 때</a:t>
-            </a:r>
-            <a:r>
-              <a:rPr lang="en-US" altLang="ko-KR" dirty="0"/>
-              <a:t>, bpm</a:t>
-            </a:r>
-            <a:r>
-              <a:rPr lang="ko-KR" altLang="en-US" dirty="0"/>
-              <a:t>정보를 무시하고 절대시간으로 악보를 생성함 </a:t>
-            </a:r>
-            <a:r>
-              <a:rPr lang="en-US" altLang="ko-KR" dirty="0"/>
-              <a:t>(</a:t>
-            </a:r>
-            <a:r>
-              <a:rPr lang="ko-KR" altLang="en-US" dirty="0"/>
-              <a:t>조정수 박사님 로봇 기준 </a:t>
-            </a:r>
-            <a:r>
-              <a:rPr lang="en-US" altLang="ko-KR" dirty="0"/>
-              <a:t>100bpm)</a:t>
-            </a:r>
-          </a:p>
-          <a:p>
-            <a:pPr lvl="1">
-              <a:lnSpc>
-                <a:spcPct val="120000"/>
-              </a:lnSpc>
-            </a:pPr>
-            <a:r>
-              <a:rPr lang="en-US" altLang="ko-KR" dirty="0" err="1"/>
-              <a:t>real_time</a:t>
-            </a:r>
-            <a:r>
-              <a:rPr lang="en-US" altLang="ko-KR" dirty="0"/>
-              <a:t> </a:t>
-            </a:r>
-            <a:r>
-              <a:rPr lang="ko-KR" altLang="en-US" dirty="0"/>
-              <a:t>사용 시 </a:t>
-            </a:r>
-            <a:r>
-              <a:rPr lang="en-US" altLang="ko-KR" dirty="0" err="1"/>
-              <a:t>ignore_bpm</a:t>
-            </a:r>
-            <a:r>
-              <a:rPr lang="ko-KR" altLang="en-US" dirty="0"/>
-              <a:t>은 항상 </a:t>
-            </a:r>
-            <a:r>
-              <a:rPr lang="en-US" altLang="ko-KR" dirty="0"/>
-              <a:t>True</a:t>
-            </a:r>
-            <a:r>
-              <a:rPr lang="ko-KR" altLang="en-US" dirty="0"/>
-              <a:t>임</a:t>
-            </a:r>
-            <a:endParaRPr lang="en-US" altLang="ko-KR" dirty="0"/>
-          </a:p>
-          <a:p>
-            <a:pPr lvl="1">
-              <a:lnSpc>
-                <a:spcPct val="120000"/>
-              </a:lnSpc>
-            </a:pPr>
-            <a:r>
-              <a:rPr lang="en-US" altLang="ko-KR" dirty="0" err="1"/>
-              <a:t>create_midi</a:t>
-            </a:r>
-            <a:r>
-              <a:rPr lang="en-US" altLang="ko-KR" dirty="0"/>
-              <a:t> </a:t>
-            </a:r>
-            <a:r>
-              <a:rPr lang="ko-KR" altLang="en-US" dirty="0"/>
-              <a:t>와 병행사용 불가</a:t>
-            </a:r>
-            <a:endParaRPr lang="en-US" altLang="ko-KR" dirty="0"/>
-          </a:p>
-          <a:p>
-            <a:pPr>
-              <a:lnSpc>
-                <a:spcPct val="120000"/>
-              </a:lnSpc>
-            </a:pPr>
-            <a:r>
-              <a:rPr lang="en-US" altLang="ko-KR" dirty="0"/>
-              <a:t>--</a:t>
-            </a:r>
-            <a:r>
-              <a:rPr lang="en-US" altLang="ko-KR" dirty="0" err="1"/>
-              <a:t>idx_list</a:t>
-            </a:r>
-            <a:endParaRPr lang="en-US" altLang="ko-KR" dirty="0"/>
-          </a:p>
-          <a:p>
-            <a:pPr lvl="1">
-              <a:lnSpc>
-                <a:spcPct val="120000"/>
-              </a:lnSpc>
-            </a:pPr>
-            <a:r>
-              <a:rPr lang="ko-KR" altLang="en-US" dirty="0" err="1"/>
-              <a:t>녹음받을</a:t>
-            </a:r>
-            <a:r>
-              <a:rPr lang="ko-KR" altLang="en-US" dirty="0"/>
-              <a:t> 장치의 </a:t>
-            </a:r>
-            <a:r>
-              <a:rPr lang="en-US" altLang="ko-KR" dirty="0"/>
-              <a:t>index</a:t>
-            </a:r>
-            <a:r>
-              <a:rPr lang="ko-KR" altLang="en-US" dirty="0"/>
-              <a:t>를 찾기 위한 </a:t>
-            </a:r>
-            <a:r>
-              <a:rPr lang="en-US" altLang="ko-KR" dirty="0"/>
-              <a:t>parser</a:t>
-            </a:r>
-          </a:p>
-          <a:p>
-            <a:pPr lvl="1">
-              <a:lnSpc>
-                <a:spcPct val="120000"/>
-              </a:lnSpc>
-            </a:pPr>
-            <a:r>
-              <a:rPr lang="ko-KR" altLang="en-US" dirty="0"/>
-              <a:t>해당 </a:t>
-            </a:r>
-            <a:r>
-              <a:rPr lang="en-US" altLang="ko-KR" dirty="0"/>
-              <a:t>parser </a:t>
-            </a:r>
-            <a:r>
-              <a:rPr lang="ko-KR" altLang="en-US" dirty="0"/>
-              <a:t>추가 시 장치목록만을 출력하고 녹음</a:t>
-            </a:r>
-            <a:r>
-              <a:rPr lang="en-US" altLang="ko-KR" dirty="0"/>
-              <a:t>/</a:t>
-            </a:r>
-            <a:r>
-              <a:rPr lang="ko-KR" altLang="en-US"/>
-              <a:t>악보생성 없이 프로그램 </a:t>
-            </a:r>
-            <a:r>
-              <a:rPr lang="ko-KR" altLang="en-US" dirty="0"/>
-              <a:t>종료</a:t>
-            </a:r>
-            <a:endParaRPr lang="en-US" altLang="ko-KR" dirty="0"/>
-          </a:p>
-          <a:p>
-            <a:pPr>
-              <a:lnSpc>
-                <a:spcPct val="120000"/>
-              </a:lnSpc>
-            </a:pPr>
-            <a:r>
-              <a:rPr lang="en-US" altLang="ko-KR" dirty="0"/>
-              <a:t>--</a:t>
-            </a:r>
-            <a:r>
-              <a:rPr lang="en-US" altLang="ko-KR" dirty="0" err="1"/>
-              <a:t>record_idx</a:t>
-            </a:r>
-            <a:r>
-              <a:rPr lang="en-US" altLang="ko-KR" dirty="0"/>
-              <a:t> [num]</a:t>
-            </a:r>
-          </a:p>
-          <a:p>
-            <a:pPr lvl="1">
-              <a:lnSpc>
-                <a:spcPct val="120000"/>
-              </a:lnSpc>
-            </a:pPr>
-            <a:r>
-              <a:rPr lang="ko-KR" altLang="en-US" dirty="0" err="1"/>
-              <a:t>녹음받을</a:t>
-            </a:r>
-            <a:r>
-              <a:rPr lang="ko-KR" altLang="en-US" dirty="0"/>
-              <a:t> 장치의 </a:t>
-            </a:r>
-            <a:r>
-              <a:rPr lang="en-US" altLang="ko-KR" dirty="0"/>
-              <a:t>index</a:t>
-            </a:r>
-            <a:r>
-              <a:rPr lang="ko-KR" altLang="en-US" dirty="0"/>
-              <a:t>를 지정해줌 </a:t>
-            </a:r>
-            <a:r>
-              <a:rPr lang="en-US" altLang="ko-KR" dirty="0"/>
-              <a:t>ex) --</a:t>
-            </a:r>
-            <a:r>
-              <a:rPr lang="en-US" altLang="ko-KR" dirty="0" err="1"/>
-              <a:t>record_idx</a:t>
-            </a:r>
-            <a:r>
-              <a:rPr lang="en-US" altLang="ko-KR" dirty="0"/>
-              <a:t> 2</a:t>
-            </a:r>
-          </a:p>
-          <a:p>
-            <a:pPr lvl="1">
-              <a:lnSpc>
-                <a:spcPct val="120000"/>
-              </a:lnSpc>
-            </a:pPr>
-            <a:r>
-              <a:rPr lang="en-US" altLang="ko-KR" dirty="0"/>
-              <a:t>Default </a:t>
-            </a:r>
-            <a:r>
-              <a:rPr lang="ko-KR" altLang="en-US" dirty="0"/>
-              <a:t>값은 </a:t>
-            </a:r>
-            <a:r>
-              <a:rPr lang="en-US" altLang="ko-KR" dirty="0"/>
-              <a:t>2</a:t>
-            </a:r>
-          </a:p>
-          <a:p>
-            <a:pPr>
-              <a:lnSpc>
-                <a:spcPct val="120000"/>
-              </a:lnSpc>
-            </a:pPr>
-            <a:r>
-              <a:rPr lang="en-US" altLang="ko-KR" dirty="0"/>
-              <a:t>--wav “filename.wav”</a:t>
-            </a:r>
-          </a:p>
-          <a:p>
-            <a:pPr lvl="1">
-              <a:lnSpc>
-                <a:spcPct val="120000"/>
-              </a:lnSpc>
-            </a:pPr>
-            <a:r>
-              <a:rPr lang="ko-KR" altLang="en-US" dirty="0"/>
-              <a:t>기존에 존재하는 음원에서 악보를 생성</a:t>
-            </a:r>
-            <a:endParaRPr lang="en-US" altLang="ko-KR" dirty="0"/>
-          </a:p>
-          <a:p>
-            <a:pPr>
-              <a:lnSpc>
-                <a:spcPct val="120000"/>
-              </a:lnSpc>
-            </a:pPr>
-            <a:r>
-              <a:rPr lang="en-US" altLang="ko-KR" dirty="0"/>
-              <a:t>--</a:t>
-            </a:r>
-            <a:r>
-              <a:rPr lang="en-US" altLang="ko-KR" dirty="0" err="1"/>
-              <a:t>create_midi</a:t>
-            </a:r>
-            <a:endParaRPr lang="en-US" altLang="ko-KR" dirty="0"/>
-          </a:p>
-          <a:p>
-            <a:pPr lvl="1">
-              <a:lnSpc>
-                <a:spcPct val="120000"/>
-              </a:lnSpc>
-            </a:pPr>
-            <a:r>
-              <a:rPr lang="en-US" altLang="ko-KR" dirty="0"/>
-              <a:t>.mid </a:t>
-            </a:r>
-            <a:r>
-              <a:rPr lang="ko-KR" altLang="en-US" dirty="0"/>
-              <a:t>파일을 생성함</a:t>
-            </a:r>
-            <a:endParaRPr lang="en-US" altLang="ko-KR" dirty="0"/>
-          </a:p>
-          <a:p>
-            <a:pPr lvl="1">
-              <a:lnSpc>
-                <a:spcPct val="120000"/>
-              </a:lnSpc>
-            </a:pPr>
-            <a:r>
-              <a:rPr lang="en-US" altLang="ko-KR" dirty="0"/>
-              <a:t>--</a:t>
-            </a:r>
-            <a:r>
-              <a:rPr lang="en-US" altLang="ko-KR" dirty="0" err="1"/>
-              <a:t>create_midi</a:t>
-            </a:r>
-            <a:r>
-              <a:rPr lang="en-US" altLang="ko-KR" dirty="0"/>
-              <a:t> </a:t>
-            </a:r>
-            <a:r>
-              <a:rPr lang="ko-KR" altLang="en-US" dirty="0"/>
-              <a:t>사용 시</a:t>
-            </a:r>
-            <a:r>
-              <a:rPr lang="en-US" altLang="ko-KR" dirty="0"/>
-              <a:t>, </a:t>
-            </a:r>
-            <a:r>
-              <a:rPr lang="en-US" altLang="ko-KR" dirty="0" err="1"/>
-              <a:t>real_time</a:t>
-            </a:r>
-            <a:r>
-              <a:rPr lang="ko-KR" altLang="en-US" dirty="0"/>
-              <a:t>과 </a:t>
-            </a:r>
-            <a:r>
-              <a:rPr lang="en-US" altLang="ko-KR" dirty="0" err="1"/>
-              <a:t>ignore_bpm</a:t>
-            </a:r>
-            <a:r>
-              <a:rPr lang="ko-KR" altLang="en-US" dirty="0"/>
-              <a:t>은 사용 불가</a:t>
-            </a:r>
-            <a:endParaRPr lang="en-US" altLang="ko-KR" dirty="0"/>
+              <a:t>테스트용 드럼 연주 음원</a:t>
+            </a:r>
           </a:p>
         </p:txBody>
       </p:sp>
     </p:spTree>
     <p:extLst>
       <p:ext uri="{BB962C8B-B14F-4D97-AF65-F5344CB8AC3E}">
-        <p14:creationId xmlns:p14="http://schemas.microsoft.com/office/powerpoint/2010/main" val="852900237"/>
+        <p14:creationId xmlns:p14="http://schemas.microsoft.com/office/powerpoint/2010/main" val="2832960477"/>
       </p:ext>
     </p:extLst>
   </p:cSld>
@@ -6441,12 +6844,8 @@
           <a:lstStyle/>
           <a:p>
             <a:r>
-              <a:rPr lang="en-US" altLang="ko-KR" dirty="0"/>
-              <a:t>Module </a:t>
-            </a:r>
-            <a:r>
-              <a:rPr lang="ko-KR" altLang="en-US" dirty="0"/>
-              <a:t>설명</a:t>
+              <a:rPr lang="ko-KR" altLang="en-US" dirty="0"/>
+              <a:t>기본 사용 방법</a:t>
             </a:r>
           </a:p>
         </p:txBody>
@@ -6467,206 +6866,353 @@
             <p:ph idx="1"/>
           </p:nvPr>
         </p:nvSpPr>
-        <p:spPr/>
+        <p:spPr>
+          <a:xfrm>
+            <a:off x="838200" y="1485900"/>
+            <a:ext cx="10515600" cy="5177790"/>
+          </a:xfrm>
+        </p:spPr>
         <p:txBody>
           <a:bodyPr>
-            <a:normAutofit/>
+            <a:normAutofit fontScale="55000" lnSpcReduction="20000"/>
           </a:bodyPr>
           <a:lstStyle/>
           <a:p>
+            <a:pPr>
+              <a:lnSpc>
+                <a:spcPct val="120000"/>
+              </a:lnSpc>
+            </a:pPr>
+            <a:r>
+              <a:rPr lang="en-US" altLang="ko-KR" dirty="0"/>
+              <a:t>python DRUM.py </a:t>
+            </a:r>
+          </a:p>
+          <a:p>
+            <a:pPr lvl="1">
+              <a:lnSpc>
+                <a:spcPct val="120000"/>
+              </a:lnSpc>
+            </a:pPr>
+            <a:r>
+              <a:rPr lang="ko-KR" altLang="en-US" dirty="0"/>
+              <a:t>녹음을 받은 후 </a:t>
+            </a:r>
+            <a:r>
+              <a:rPr lang="en-US" altLang="ko-KR" dirty="0"/>
+              <a:t>bpm</a:t>
+            </a:r>
+            <a:r>
+              <a:rPr lang="ko-KR" altLang="en-US" dirty="0"/>
+              <a:t>정보를 사용하여 악보를 생성</a:t>
+            </a:r>
+            <a:endParaRPr lang="en-US" altLang="ko-KR" dirty="0"/>
+          </a:p>
+          <a:p>
+            <a:pPr lvl="1">
+              <a:lnSpc>
+                <a:spcPct val="120000"/>
+              </a:lnSpc>
+            </a:pPr>
+            <a:r>
+              <a:rPr lang="ko-KR" altLang="en-US" dirty="0"/>
+              <a:t>실행까지 대기시간이 필요하고</a:t>
+            </a:r>
+            <a:r>
+              <a:rPr lang="en-US" altLang="ko-KR" dirty="0"/>
+              <a:t>, </a:t>
+            </a:r>
+            <a:r>
+              <a:rPr lang="ko-KR" altLang="en-US" dirty="0"/>
+              <a:t>각종 경고문이 나오니</a:t>
+            </a:r>
+            <a:endParaRPr lang="en-US" altLang="ko-KR" dirty="0"/>
+          </a:p>
+          <a:p>
+            <a:pPr marL="914400" lvl="2" indent="0">
+              <a:lnSpc>
+                <a:spcPct val="120000"/>
+              </a:lnSpc>
+              <a:buNone/>
+            </a:pPr>
+            <a:r>
+              <a:rPr lang="en-US" altLang="ko-KR" dirty="0"/>
+              <a:t>"Press 'q' to stop recording."</a:t>
+            </a:r>
+          </a:p>
+          <a:p>
+            <a:pPr marL="914400" lvl="2" indent="0">
+              <a:lnSpc>
+                <a:spcPct val="120000"/>
+              </a:lnSpc>
+              <a:buNone/>
+            </a:pPr>
+            <a:r>
+              <a:rPr lang="ko-KR" altLang="en-US" dirty="0"/>
+              <a:t>가 화면에 출력되는 것을 </a:t>
+            </a:r>
+            <a:r>
+              <a:rPr lang="ko-KR" altLang="en-US" dirty="0" err="1"/>
+              <a:t>주의깊게</a:t>
+            </a:r>
+            <a:r>
+              <a:rPr lang="ko-KR" altLang="en-US" dirty="0"/>
+              <a:t> 확인할 필요가 있음</a:t>
+            </a:r>
+            <a:endParaRPr lang="en-US" altLang="ko-KR" dirty="0"/>
+          </a:p>
+          <a:p>
+            <a:pPr lvl="1">
+              <a:lnSpc>
+                <a:spcPct val="120000"/>
+              </a:lnSpc>
+            </a:pPr>
+            <a:r>
+              <a:rPr lang="en-US" altLang="ko-KR" dirty="0"/>
+              <a:t>Q</a:t>
+            </a:r>
+            <a:r>
+              <a:rPr lang="ko-KR" altLang="en-US" dirty="0"/>
+              <a:t>를 </a:t>
+            </a:r>
+            <a:r>
+              <a:rPr lang="en-US" altLang="ko-KR" dirty="0"/>
+              <a:t>‘</a:t>
+            </a:r>
+            <a:r>
+              <a:rPr lang="ko-KR" altLang="en-US" dirty="0"/>
+              <a:t>누르면 즉시</a:t>
+            </a:r>
+            <a:r>
+              <a:rPr lang="en-US" altLang="ko-KR" dirty="0"/>
+              <a:t>’ </a:t>
+            </a:r>
+            <a:r>
+              <a:rPr lang="ko-KR" altLang="en-US" dirty="0"/>
+              <a:t>녹음이 중지되고 음원 처리가 시작됨</a:t>
+            </a:r>
+            <a:endParaRPr lang="en-US" altLang="ko-KR" dirty="0"/>
+          </a:p>
+          <a:p>
+            <a:pPr>
+              <a:lnSpc>
+                <a:spcPct val="120000"/>
+              </a:lnSpc>
+            </a:pPr>
+            <a:r>
+              <a:rPr lang="en-US" altLang="ko-KR" dirty="0"/>
+              <a:t>python DRUM.py --</a:t>
+            </a:r>
             <a:r>
               <a:rPr lang="en-US" altLang="ko-KR" dirty="0" err="1"/>
-              <a:t>LR_assign</a:t>
-            </a:r>
-            <a:endParaRPr lang="en-US" altLang="ko-KR" dirty="0"/>
-          </a:p>
-          <a:p>
-            <a:pPr lvl="1"/>
+              <a:t>real_time</a:t>
+            </a:r>
+            <a:endParaRPr lang="en-US" altLang="ko-KR" dirty="0"/>
+          </a:p>
+          <a:p>
+            <a:pPr lvl="1">
+              <a:lnSpc>
+                <a:spcPct val="120000"/>
+              </a:lnSpc>
+            </a:pPr>
+            <a:r>
+              <a:rPr lang="ko-KR" altLang="en-US" dirty="0"/>
+              <a:t>녹음을 받으며 실시간으로 악보를 생성</a:t>
+            </a:r>
+            <a:endParaRPr lang="en-US" altLang="ko-KR" dirty="0"/>
+          </a:p>
+          <a:p>
+            <a:pPr lvl="1">
+              <a:lnSpc>
+                <a:spcPct val="120000"/>
+              </a:lnSpc>
+            </a:pPr>
+            <a:r>
+              <a:rPr lang="en-US" altLang="ko-KR" dirty="0"/>
+              <a:t>Bpm</a:t>
+            </a:r>
+            <a:r>
+              <a:rPr lang="ko-KR" altLang="en-US" dirty="0"/>
+              <a:t>정보 및 </a:t>
+            </a:r>
             <a:r>
               <a:rPr lang="en-US" altLang="ko-KR" dirty="0" err="1"/>
-              <a:t>separate_cc</a:t>
-            </a:r>
-            <a:r>
-              <a:rPr lang="en-US" altLang="ko-KR" dirty="0"/>
-              <a:t>()</a:t>
-            </a:r>
-          </a:p>
-          <a:p>
-            <a:pPr lvl="2"/>
-            <a:r>
-              <a:rPr lang="en-US" altLang="ko-KR" dirty="0"/>
-              <a:t>C (Crash) </a:t>
-            </a:r>
-            <a:r>
-              <a:rPr lang="ko-KR" altLang="en-US" dirty="0"/>
-              <a:t>클래스를 좌측의 </a:t>
-            </a:r>
-            <a:r>
-              <a:rPr lang="en-US" altLang="ko-KR" dirty="0"/>
-              <a:t>Crash (</a:t>
+              <a:t>rnn</a:t>
+            </a:r>
+            <a:r>
+              <a:rPr lang="ko-KR" altLang="en-US" dirty="0"/>
+              <a:t>은 사용할 수 없음</a:t>
+            </a:r>
+            <a:endParaRPr lang="en-US" altLang="ko-KR" dirty="0"/>
+          </a:p>
+          <a:p>
+            <a:pPr lvl="1">
+              <a:lnSpc>
+                <a:spcPct val="120000"/>
+              </a:lnSpc>
+            </a:pPr>
+            <a:r>
+              <a:rPr lang="ko-KR" altLang="en-US" dirty="0"/>
+              <a:t>실행까지 대기시간이 필요하고</a:t>
+            </a:r>
+            <a:r>
+              <a:rPr lang="en-US" altLang="ko-KR" dirty="0"/>
+              <a:t>, </a:t>
+            </a:r>
+            <a:r>
+              <a:rPr lang="ko-KR" altLang="en-US" dirty="0"/>
+              <a:t>각종 경고문이 나오니</a:t>
+            </a:r>
+            <a:endParaRPr lang="en-US" altLang="ko-KR" dirty="0"/>
+          </a:p>
+          <a:p>
+            <a:pPr marL="914400" lvl="2" indent="0">
+              <a:lnSpc>
+                <a:spcPct val="120000"/>
+              </a:lnSpc>
+              <a:buNone/>
+            </a:pPr>
+            <a:r>
+              <a:rPr lang="en-US" altLang="ko-KR" dirty="0"/>
+              <a:t>Recording Started.  Type 'q' to Terminate.</a:t>
+            </a:r>
+          </a:p>
+          <a:p>
+            <a:pPr marL="914400" lvl="2" indent="0">
+              <a:lnSpc>
+                <a:spcPct val="120000"/>
+              </a:lnSpc>
+              <a:buNone/>
+            </a:pPr>
+            <a:r>
+              <a:rPr lang="ko-KR" altLang="en-US" dirty="0"/>
+              <a:t>가 화면에 출력되는 것을 </a:t>
+            </a:r>
+            <a:r>
+              <a:rPr lang="ko-KR" altLang="en-US" dirty="0" err="1"/>
+              <a:t>주의깊게</a:t>
+            </a:r>
+            <a:r>
+              <a:rPr lang="ko-KR" altLang="en-US" dirty="0"/>
+              <a:t> 확인할 필요가 있음</a:t>
+            </a:r>
+            <a:endParaRPr lang="en-US" altLang="ko-KR" dirty="0"/>
+          </a:p>
+          <a:p>
+            <a:pPr lvl="1">
+              <a:lnSpc>
+                <a:spcPct val="120000"/>
+              </a:lnSpc>
+            </a:pPr>
+            <a:r>
+              <a:rPr lang="en-US" altLang="ko-KR" dirty="0"/>
+              <a:t>Q</a:t>
+            </a:r>
+            <a:r>
+              <a:rPr lang="ko-KR" altLang="en-US" dirty="0"/>
+              <a:t>를 입력하고 </a:t>
+            </a:r>
+            <a:r>
+              <a:rPr lang="en-US" altLang="ko-KR" dirty="0"/>
+              <a:t>‘</a:t>
+            </a:r>
+            <a:r>
+              <a:rPr lang="ko-KR" altLang="en-US" dirty="0" err="1"/>
+              <a:t>엔터를</a:t>
+            </a:r>
+            <a:r>
+              <a:rPr lang="ko-KR" altLang="en-US" dirty="0"/>
+              <a:t> 치면</a:t>
+            </a:r>
+            <a:r>
+              <a:rPr lang="en-US" altLang="ko-KR" dirty="0"/>
+              <a:t>’ </a:t>
+            </a:r>
+            <a:r>
+              <a:rPr lang="ko-KR" altLang="en-US" dirty="0"/>
+              <a:t>모든 프로세스가 중지됨</a:t>
+            </a:r>
+            <a:endParaRPr lang="en-US" altLang="ko-KR" dirty="0"/>
+          </a:p>
+          <a:p>
+            <a:pPr>
+              <a:lnSpc>
+                <a:spcPct val="120000"/>
+              </a:lnSpc>
+            </a:pPr>
+            <a:r>
+              <a:rPr lang="en-US" altLang="ko-KR" dirty="0"/>
+              <a:t>python DRUM.py --wav “filename.wav”</a:t>
+            </a:r>
+          </a:p>
+          <a:p>
+            <a:pPr lvl="1">
+              <a:lnSpc>
+                <a:spcPct val="120000"/>
+              </a:lnSpc>
+            </a:pPr>
+            <a:r>
+              <a:rPr lang="en-US" altLang="ko-KR" dirty="0"/>
+              <a:t>filename.wav </a:t>
+            </a:r>
+            <a:r>
+              <a:rPr lang="ko-KR" altLang="en-US" dirty="0"/>
+              <a:t>파일을 분석하여 악보를 생성</a:t>
+            </a:r>
+            <a:endParaRPr lang="en-US" altLang="ko-KR" dirty="0"/>
+          </a:p>
+          <a:p>
+            <a:pPr lvl="1">
+              <a:lnSpc>
+                <a:spcPct val="120000"/>
+              </a:lnSpc>
+            </a:pPr>
+            <a:r>
+              <a:rPr lang="ko-KR" altLang="en-US" dirty="0"/>
+              <a:t>출력 또한 해당 파일의 이름을 따라 감 </a:t>
+            </a:r>
+            <a:r>
+              <a:rPr lang="en-US" altLang="ko-KR" dirty="0"/>
+              <a:t>(filename.txt / filename.mid)</a:t>
+            </a:r>
+          </a:p>
+          <a:p>
+            <a:pPr>
+              <a:lnSpc>
+                <a:spcPct val="120000"/>
+              </a:lnSpc>
+            </a:pPr>
+            <a:r>
+              <a:rPr lang="en-US" altLang="ko-KR" dirty="0"/>
+              <a:t>python DRUM.py --</a:t>
             </a:r>
             <a:r>
               <a:rPr lang="en-US" altLang="ko-KR" dirty="0" err="1"/>
-              <a:t>cc_l</a:t>
-            </a:r>
-            <a:r>
-              <a:rPr lang="en-US" altLang="ko-KR" dirty="0"/>
-              <a:t>)</a:t>
-            </a:r>
-            <a:r>
-              <a:rPr lang="ko-KR" altLang="en-US" dirty="0"/>
-              <a:t>와 우측의 </a:t>
-            </a:r>
-            <a:r>
-              <a:rPr lang="en-US" altLang="ko-KR" dirty="0"/>
-              <a:t>Crash (</a:t>
-            </a:r>
-            <a:r>
-              <a:rPr lang="en-US" altLang="ko-KR" dirty="0" err="1"/>
-              <a:t>cc_r</a:t>
-            </a:r>
-            <a:r>
-              <a:rPr lang="en-US" altLang="ko-KR" dirty="0"/>
-              <a:t>)</a:t>
-            </a:r>
-            <a:r>
-              <a:rPr lang="ko-KR" altLang="en-US" dirty="0"/>
-              <a:t>로 나누어 줌</a:t>
-            </a:r>
-            <a:endParaRPr lang="en-US" altLang="ko-KR" dirty="0"/>
-          </a:p>
-          <a:p>
-            <a:pPr lvl="1"/>
-            <a:r>
-              <a:rPr lang="en-US" altLang="ko-KR" dirty="0" err="1"/>
-              <a:t>Foot_hand_separation</a:t>
-            </a:r>
-            <a:r>
-              <a:rPr lang="en-US" altLang="ko-KR" dirty="0"/>
-              <a:t>()</a:t>
-            </a:r>
-          </a:p>
-          <a:p>
-            <a:pPr lvl="2"/>
-            <a:r>
-              <a:rPr lang="ko-KR" altLang="en-US" dirty="0"/>
-              <a:t>손동작과 발동작을 나누어 주고 후처리를 위해 </a:t>
-            </a:r>
-            <a:r>
-              <a:rPr lang="en-US" altLang="ko-KR" dirty="0"/>
-              <a:t>CH,OH</a:t>
-            </a:r>
-            <a:r>
-              <a:rPr lang="ko-KR" altLang="en-US" dirty="0"/>
-              <a:t>가 </a:t>
-            </a:r>
-            <a:r>
-              <a:rPr lang="en-US" altLang="ko-KR" dirty="0"/>
-              <a:t>HH</a:t>
-            </a:r>
-            <a:r>
-              <a:rPr lang="ko-KR" altLang="en-US" dirty="0"/>
-              <a:t>로 통일됨</a:t>
-            </a:r>
-            <a:endParaRPr lang="en-US" altLang="ko-KR" dirty="0"/>
-          </a:p>
-          <a:p>
-            <a:pPr lvl="2"/>
-            <a:r>
-              <a:rPr lang="ko-KR" altLang="en-US" dirty="0"/>
-              <a:t>기본적으로 </a:t>
-            </a:r>
-            <a:r>
-              <a:rPr lang="en-US" altLang="ko-KR" dirty="0"/>
-              <a:t>hi-hat </a:t>
-            </a:r>
-            <a:r>
-              <a:rPr lang="ko-KR" altLang="en-US" dirty="0"/>
-              <a:t>페달은 </a:t>
-            </a:r>
-            <a:r>
-              <a:rPr lang="en-US" altLang="ko-KR" dirty="0"/>
-              <a:t>open-hat</a:t>
-            </a:r>
-            <a:r>
-              <a:rPr lang="ko-KR" altLang="en-US" dirty="0"/>
-              <a:t>을 연주할 때를 제외하면 전부 밟게 설정함</a:t>
-            </a:r>
-            <a:endParaRPr lang="en-US" altLang="ko-KR" dirty="0"/>
-          </a:p>
-          <a:p>
-            <a:pPr lvl="1"/>
-            <a:r>
-              <a:rPr lang="en-US" altLang="ko-KR" dirty="0" err="1"/>
-              <a:t>First_progress</a:t>
-            </a:r>
-            <a:r>
-              <a:rPr lang="en-US" altLang="ko-KR" dirty="0"/>
-              <a:t>() / </a:t>
-            </a:r>
-            <a:r>
-              <a:rPr lang="en-US" altLang="ko-KR" dirty="0" err="1"/>
-              <a:t>second_progress</a:t>
-            </a:r>
-            <a:r>
-              <a:rPr lang="en-US" altLang="ko-KR" dirty="0"/>
-              <a:t>()</a:t>
-            </a:r>
-          </a:p>
-          <a:p>
-            <a:pPr lvl="2"/>
-            <a:r>
-              <a:rPr lang="ko-KR" altLang="en-US" dirty="0"/>
-              <a:t>특정 논리에 따라 왼손</a:t>
-            </a:r>
-            <a:r>
-              <a:rPr lang="en-US" altLang="ko-KR" dirty="0"/>
-              <a:t>/</a:t>
-            </a:r>
-            <a:r>
-              <a:rPr lang="ko-KR" altLang="en-US" dirty="0"/>
-              <a:t>오른손을 할당 함</a:t>
-            </a:r>
-            <a:endParaRPr lang="en-US" altLang="ko-KR" dirty="0"/>
-          </a:p>
-          <a:p>
-            <a:pPr lvl="2"/>
-            <a:r>
-              <a:rPr lang="ko-KR" altLang="en-US" dirty="0"/>
-              <a:t>내용은 모름</a:t>
-            </a:r>
-            <a:endParaRPr lang="en-US" altLang="ko-KR" dirty="0"/>
-          </a:p>
-          <a:p>
-            <a:pPr lvl="1"/>
-            <a:r>
-              <a:rPr lang="ko-KR" altLang="en-US" dirty="0"/>
-              <a:t>과정은 </a:t>
-            </a:r>
-            <a:r>
-              <a:rPr lang="en-US" altLang="ko-KR" dirty="0"/>
-              <a:t>not_real_time.py </a:t>
-            </a:r>
-            <a:r>
-              <a:rPr lang="ko-KR" altLang="en-US" dirty="0"/>
-              <a:t>의 </a:t>
-            </a:r>
-            <a:r>
-              <a:rPr lang="en-US" altLang="ko-KR" dirty="0"/>
-              <a:t>150-155 </a:t>
-            </a:r>
-            <a:r>
-              <a:rPr lang="ko-KR" altLang="en-US" dirty="0"/>
-              <a:t>줄 참조</a:t>
-            </a:r>
-            <a:endParaRPr lang="en-US" altLang="ko-KR" dirty="0"/>
+              <a:t>create_midi</a:t>
+            </a:r>
+            <a:endParaRPr lang="en-US" altLang="ko-KR" dirty="0"/>
+          </a:p>
+          <a:p>
+            <a:pPr lvl="1">
+              <a:lnSpc>
+                <a:spcPct val="120000"/>
+              </a:lnSpc>
+            </a:pPr>
+            <a:r>
+              <a:rPr lang="en-US" altLang="ko-KR" dirty="0"/>
+              <a:t>midi</a:t>
+            </a:r>
+            <a:r>
+              <a:rPr lang="ko-KR" altLang="en-US" dirty="0"/>
+              <a:t>파일을 생성함</a:t>
+            </a:r>
           </a:p>
         </p:txBody>
       </p:sp>
     </p:spTree>
     <p:extLst>
       <p:ext uri="{BB962C8B-B14F-4D97-AF65-F5344CB8AC3E}">
-        <p14:creationId xmlns:p14="http://schemas.microsoft.com/office/powerpoint/2010/main" val="932298666"/>
+        <p14:creationId xmlns:p14="http://schemas.microsoft.com/office/powerpoint/2010/main" val="2594572097"/>
       </p:ext>
     </p:extLst>
   </p:cSld>
@@ -6716,12 +7262,17 @@
           <a:p>
             <a:r>
               <a:rPr lang="en-US" altLang="ko-KR" dirty="0"/>
-              <a:t>Module </a:t>
-            </a:r>
-            <a:r>
-              <a:rPr lang="ko-KR" altLang="en-US" dirty="0"/>
-              <a:t>설명</a:t>
-            </a:r>
+              <a:t>Parser </a:t>
+            </a:r>
+            <a:r>
+              <a:rPr lang="ko-KR" altLang="en-US" dirty="0"/>
+              <a:t>옵션</a:t>
+            </a:r>
+            <a:r>
+              <a:rPr lang="en-US" altLang="ko-KR" dirty="0"/>
+              <a:t> </a:t>
+            </a:r>
+            <a:endParaRPr lang="ko-KR" altLang="en-US" dirty="0"/>
           </a:p>
         </p:txBody>
       </p:sp>
@@ -6741,116 +7292,436 @@
             <p:ph idx="1"/>
           </p:nvPr>
         </p:nvSpPr>
-        <p:spPr/>
+        <p:spPr>
+          <a:xfrm>
+            <a:off x="838200" y="1497330"/>
+            <a:ext cx="10515600" cy="5360669"/>
+          </a:xfrm>
+        </p:spPr>
         <p:txBody>
           <a:bodyPr>
-            <a:normAutofit/>
+            <a:normAutofit fontScale="47500" lnSpcReduction="20000"/>
           </a:bodyPr>
           <a:lstStyle/>
           <a:p>
             <a:pPr>
               <a:lnSpc>
-                <a:spcPct val="100000"/>
-              </a:lnSpc>
-            </a:pPr>
+                <a:spcPct val="120000"/>
+              </a:lnSpc>
+            </a:pPr>
+            <a:r>
+              <a:rPr lang="en-US" altLang="ko-KR" dirty="0"/>
+              <a:t>--</a:t>
+            </a:r>
             <a:r>
               <a:rPr lang="en-US" altLang="ko-KR" dirty="0" err="1"/>
-              <a:t>model_def</a:t>
+              <a:t>use_rnn</a:t>
             </a:r>
             <a:endParaRPr lang="en-US" altLang="ko-KR" dirty="0"/>
           </a:p>
           <a:p>
             <a:pPr lvl="1">
               <a:lnSpc>
-                <a:spcPct val="100000"/>
-              </a:lnSpc>
-            </a:pPr>
-            <a:r>
-              <a:rPr lang="en-US" altLang="ko-KR" dirty="0"/>
-              <a:t>Import</a:t>
-            </a:r>
-            <a:r>
-              <a:rPr lang="ko-KR" altLang="en-US" dirty="0"/>
-              <a:t> 시 </a:t>
+                <a:spcPct val="120000"/>
+              </a:lnSpc>
+            </a:pPr>
+            <a:r>
+              <a:rPr lang="ko-KR" altLang="en-US" dirty="0"/>
+              <a:t>음원에서 악보를 만들 때</a:t>
+            </a:r>
+            <a:r>
+              <a:rPr lang="en-US" altLang="ko-KR" dirty="0"/>
+              <a:t>, RNN</a:t>
+            </a:r>
+            <a:r>
+              <a:rPr lang="ko-KR" altLang="en-US" dirty="0"/>
+              <a:t>을 통해 </a:t>
+            </a:r>
+            <a:r>
+              <a:rPr lang="en-US" altLang="ko-KR" dirty="0"/>
+              <a:t>CNN </a:t>
+            </a:r>
+            <a:r>
+              <a:rPr lang="ko-KR" altLang="en-US" dirty="0"/>
+              <a:t>모델의 예측을 보정할 수 있음</a:t>
+            </a:r>
+            <a:endParaRPr lang="en-US" altLang="ko-KR" dirty="0"/>
+          </a:p>
+          <a:p>
+            <a:pPr>
+              <a:lnSpc>
+                <a:spcPct val="120000"/>
+              </a:lnSpc>
+            </a:pPr>
+            <a:r>
+              <a:rPr lang="en-US" altLang="ko-KR" dirty="0"/>
+              <a:t>--</a:t>
             </a:r>
             <a:r>
               <a:rPr lang="en-US" altLang="ko-KR" dirty="0" err="1"/>
-              <a:t>model_def.model</a:t>
-            </a:r>
-            <a:r>
-              <a:rPr lang="ko-KR" altLang="en-US" dirty="0"/>
-              <a:t>에 </a:t>
-            </a:r>
-            <a:r>
-              <a:rPr lang="en-US" altLang="ko-KR" dirty="0"/>
-              <a:t>CNN </a:t>
-            </a:r>
-            <a:r>
-              <a:rPr lang="ko-KR" altLang="en-US" dirty="0"/>
-              <a:t>함수가 할당 됨</a:t>
+              <a:t>real_time</a:t>
             </a:r>
             <a:endParaRPr lang="en-US" altLang="ko-KR" dirty="0"/>
           </a:p>
           <a:p>
             <a:pPr lvl="1">
               <a:lnSpc>
-                <a:spcPct val="100000"/>
-              </a:lnSpc>
-            </a:pPr>
+                <a:spcPct val="120000"/>
+              </a:lnSpc>
+            </a:pPr>
+            <a:r>
+              <a:rPr lang="ko-KR" altLang="en-US" dirty="0"/>
+              <a:t>음원사용 대신 실시간으로 녹음을 하며 악보 생성</a:t>
+            </a:r>
+            <a:endParaRPr lang="en-US" altLang="ko-KR" dirty="0"/>
+          </a:p>
+          <a:p>
+            <a:pPr>
+              <a:lnSpc>
+                <a:spcPct val="120000"/>
+              </a:lnSpc>
+            </a:pPr>
+            <a:r>
+              <a:rPr lang="en-US" altLang="ko-KR" dirty="0"/>
+              <a:t>--</a:t>
+            </a:r>
             <a:r>
               <a:rPr lang="en-US" altLang="ko-KR" dirty="0" err="1"/>
-              <a:t>rnn</a:t>
-            </a:r>
-            <a:r>
-              <a:rPr lang="en-US" altLang="ko-KR" dirty="0"/>
-              <a:t>() </a:t>
-            </a:r>
-            <a:r>
-              <a:rPr lang="ko-KR" altLang="en-US" dirty="0"/>
-              <a:t>함수 호출 시 </a:t>
-            </a:r>
-            <a:r>
-              <a:rPr lang="en-US" altLang="ko-KR" dirty="0"/>
-              <a:t>RNN</a:t>
-            </a:r>
-            <a:r>
-              <a:rPr lang="ko-KR" altLang="en-US" dirty="0"/>
-              <a:t>모델이 생성되고 반환 됨</a:t>
-            </a:r>
-            <a:r>
-              <a:rPr lang="en-US" altLang="ko-KR" dirty="0"/>
-              <a:t>	</a:t>
-            </a:r>
-          </a:p>
-          <a:p>
-            <a:pPr lvl="2">
-              <a:lnSpc>
-                <a:spcPct val="100000"/>
-              </a:lnSpc>
-            </a:pPr>
-            <a:r>
-              <a:rPr lang="ko-KR" altLang="en-US" dirty="0"/>
-              <a:t>자주 사용되지 않기 때문에 경량화를 위해 함수로 따로 초기화 되게끔 처리함</a:t>
+              <a:t>ignore_bpm</a:t>
             </a:r>
             <a:endParaRPr lang="en-US" altLang="ko-KR" dirty="0"/>
           </a:p>
           <a:p>
             <a:pPr lvl="1">
               <a:lnSpc>
-                <a:spcPct val="100000"/>
-              </a:lnSpc>
-            </a:pPr>
-            <a:endParaRPr lang="en-US" altLang="ko-KR" dirty="0"/>
+                <a:spcPct val="120000"/>
+              </a:lnSpc>
+            </a:pPr>
+            <a:r>
+              <a:rPr lang="ko-KR" altLang="en-US" dirty="0"/>
+              <a:t>음원에서 악보를 만들 때</a:t>
+            </a:r>
+            <a:r>
+              <a:rPr lang="en-US" altLang="ko-KR" dirty="0"/>
+              <a:t>, bpm</a:t>
+            </a:r>
+            <a:r>
+              <a:rPr lang="ko-KR" altLang="en-US" dirty="0"/>
+              <a:t>정보를 무시하고 절대시간으로 악보를 생성함 </a:t>
+            </a:r>
+            <a:r>
+              <a:rPr lang="en-US" altLang="ko-KR" dirty="0"/>
+              <a:t>(</a:t>
+            </a:r>
+            <a:r>
+              <a:rPr lang="ko-KR" altLang="en-US" dirty="0"/>
+              <a:t>조정수 박사님 로봇 기준 </a:t>
+            </a:r>
+            <a:r>
+              <a:rPr lang="en-US" altLang="ko-KR" dirty="0"/>
+              <a:t>100bpm)</a:t>
+            </a:r>
           </a:p>
           <a:p>
             <a:pPr lvl="1">
               <a:lnSpc>
-                <a:spcPct val="100000"/>
-              </a:lnSpc>
-            </a:pPr>
-            <a:r>
-              <a:rPr lang="ko-KR" altLang="en-US" dirty="0"/>
-              <a:t>그 외 모델 및 음원 정보 관련 상수가 저장되어 있음</a:t>
+                <a:spcPct val="120000"/>
+              </a:lnSpc>
+            </a:pPr>
+            <a:r>
+              <a:rPr lang="en-US" altLang="ko-KR" dirty="0" err="1"/>
+              <a:t>real_time</a:t>
+            </a:r>
+            <a:r>
+              <a:rPr lang="en-US" altLang="ko-KR" dirty="0"/>
+              <a:t> </a:t>
+            </a:r>
+            <a:r>
+              <a:rPr lang="ko-KR" altLang="en-US" dirty="0"/>
+              <a:t>사용 시 </a:t>
+            </a:r>
+            <a:r>
+              <a:rPr lang="en-US" altLang="ko-KR" dirty="0" err="1"/>
+              <a:t>ignore_bpm</a:t>
+            </a:r>
+            <a:r>
+              <a:rPr lang="ko-KR" altLang="en-US" dirty="0"/>
+              <a:t>은 항상 </a:t>
+            </a:r>
+            <a:r>
+              <a:rPr lang="en-US" altLang="ko-KR" dirty="0"/>
+              <a:t>True</a:t>
+            </a:r>
+            <a:r>
+              <a:rPr lang="ko-KR" altLang="en-US" dirty="0"/>
+              <a:t>임</a:t>
+            </a:r>
+            <a:endParaRPr lang="en-US" altLang="ko-KR" dirty="0"/>
+          </a:p>
+          <a:p>
+            <a:pPr lvl="1">
+              <a:lnSpc>
+                <a:spcPct val="120000"/>
+              </a:lnSpc>
+            </a:pPr>
+            <a:r>
+              <a:rPr lang="en-US" altLang="ko-KR" dirty="0" err="1"/>
+              <a:t>create_midi</a:t>
+            </a:r>
+            <a:r>
+              <a:rPr lang="en-US" altLang="ko-KR" dirty="0"/>
+              <a:t> </a:t>
+            </a:r>
+            <a:r>
+              <a:rPr lang="ko-KR" altLang="en-US" dirty="0"/>
+              <a:t>와 병행사용 불가</a:t>
+            </a:r>
+            <a:endParaRPr lang="en-US" altLang="ko-KR" dirty="0"/>
+          </a:p>
+          <a:p>
+            <a:pPr>
+              <a:lnSpc>
+                <a:spcPct val="120000"/>
+              </a:lnSpc>
+            </a:pPr>
+            <a:r>
+              <a:rPr lang="en-US" altLang="ko-KR" dirty="0"/>
+              <a:t>--</a:t>
+            </a:r>
+            <a:r>
+              <a:rPr lang="en-US" altLang="ko-KR" dirty="0" err="1"/>
+              <a:t>idx_list</a:t>
+            </a:r>
+            <a:endParaRPr lang="en-US" altLang="ko-KR" dirty="0"/>
+          </a:p>
+          <a:p>
+            <a:pPr lvl="1">
+              <a:lnSpc>
+                <a:spcPct val="120000"/>
+              </a:lnSpc>
+            </a:pPr>
+            <a:r>
+              <a:rPr lang="ko-KR" altLang="en-US" dirty="0" err="1"/>
+              <a:t>녹음받을</a:t>
+            </a:r>
+            <a:r>
+              <a:rPr lang="ko-KR" altLang="en-US" dirty="0"/>
+              <a:t> 장치의 </a:t>
+            </a:r>
+            <a:r>
+              <a:rPr lang="en-US" altLang="ko-KR" dirty="0"/>
+              <a:t>index</a:t>
+            </a:r>
+            <a:r>
+              <a:rPr lang="ko-KR" altLang="en-US" dirty="0"/>
+              <a:t>를 찾기 위한 </a:t>
+            </a:r>
+            <a:r>
+              <a:rPr lang="en-US" altLang="ko-KR" dirty="0"/>
+              <a:t>parser</a:t>
+            </a:r>
+          </a:p>
+          <a:p>
+            <a:pPr lvl="1">
+              <a:lnSpc>
+                <a:spcPct val="120000"/>
+              </a:lnSpc>
+            </a:pPr>
+            <a:r>
+              <a:rPr lang="ko-KR" altLang="en-US" dirty="0"/>
+              <a:t>해당 </a:t>
+            </a:r>
+            <a:r>
+              <a:rPr lang="en-US" altLang="ko-KR" dirty="0"/>
+              <a:t>parser </a:t>
+            </a:r>
+            <a:r>
+              <a:rPr lang="ko-KR" altLang="en-US" dirty="0"/>
+              <a:t>추가 시 장치목록만을 출력하고 녹음</a:t>
+            </a:r>
+            <a:r>
+              <a:rPr lang="en-US" altLang="ko-KR" dirty="0"/>
+              <a:t>/</a:t>
+            </a:r>
+            <a:r>
+              <a:rPr lang="ko-KR" altLang="en-US"/>
+              <a:t>악보생성 없이 프로그램 </a:t>
+            </a:r>
+            <a:r>
+              <a:rPr lang="ko-KR" altLang="en-US" dirty="0"/>
+              <a:t>종료</a:t>
+            </a:r>
+            <a:endParaRPr lang="en-US" altLang="ko-KR" dirty="0"/>
+          </a:p>
+          <a:p>
+            <a:pPr>
+              <a:lnSpc>
+                <a:spcPct val="120000"/>
+              </a:lnSpc>
+            </a:pPr>
+            <a:r>
+              <a:rPr lang="en-US" altLang="ko-KR" dirty="0"/>
+              <a:t>--</a:t>
+            </a:r>
+            <a:r>
+              <a:rPr lang="en-US" altLang="ko-KR" dirty="0" err="1"/>
+              <a:t>record_idx</a:t>
+            </a:r>
+            <a:r>
+              <a:rPr lang="en-US" altLang="ko-KR" dirty="0"/>
+              <a:t> [num]</a:t>
+            </a:r>
+          </a:p>
+          <a:p>
+            <a:pPr lvl="1">
+              <a:lnSpc>
+                <a:spcPct val="120000"/>
+              </a:lnSpc>
+            </a:pPr>
+            <a:r>
+              <a:rPr lang="ko-KR" altLang="en-US" dirty="0" err="1"/>
+              <a:t>녹음받을</a:t>
+            </a:r>
+            <a:r>
+              <a:rPr lang="ko-KR" altLang="en-US" dirty="0"/>
+              <a:t> 장치의 </a:t>
+            </a:r>
+            <a:r>
+              <a:rPr lang="en-US" altLang="ko-KR" dirty="0"/>
+              <a:t>index</a:t>
+            </a:r>
+            <a:r>
+              <a:rPr lang="ko-KR" altLang="en-US" dirty="0"/>
+              <a:t>를 지정해줌 </a:t>
+            </a:r>
+            <a:r>
+              <a:rPr lang="en-US" altLang="ko-KR" dirty="0"/>
+              <a:t>ex) --</a:t>
+            </a:r>
+            <a:r>
+              <a:rPr lang="en-US" altLang="ko-KR" dirty="0" err="1"/>
+              <a:t>record_idx</a:t>
+            </a:r>
+            <a:r>
+              <a:rPr lang="en-US" altLang="ko-KR" dirty="0"/>
+              <a:t> 2</a:t>
+            </a:r>
+          </a:p>
+          <a:p>
+            <a:pPr lvl="1">
+              <a:lnSpc>
+                <a:spcPct val="120000"/>
+              </a:lnSpc>
+            </a:pPr>
+            <a:r>
+              <a:rPr lang="en-US" altLang="ko-KR" dirty="0"/>
+              <a:t>Default </a:t>
+            </a:r>
+            <a:r>
+              <a:rPr lang="ko-KR" altLang="en-US" dirty="0"/>
+              <a:t>값은 </a:t>
+            </a:r>
+            <a:r>
+              <a:rPr lang="en-US" altLang="ko-KR" dirty="0"/>
+              <a:t>2</a:t>
+            </a:r>
+          </a:p>
+          <a:p>
+            <a:pPr>
+              <a:lnSpc>
+                <a:spcPct val="120000"/>
+              </a:lnSpc>
+            </a:pPr>
+            <a:r>
+              <a:rPr lang="en-US" altLang="ko-KR" dirty="0"/>
+              <a:t>--wav “filename.wav”</a:t>
+            </a:r>
+          </a:p>
+          <a:p>
+            <a:pPr lvl="1">
+              <a:lnSpc>
+                <a:spcPct val="120000"/>
+              </a:lnSpc>
+            </a:pPr>
+            <a:r>
+              <a:rPr lang="ko-KR" altLang="en-US" dirty="0"/>
+              <a:t>기존에 존재하는 음원에서 악보를 생성</a:t>
+            </a:r>
+            <a:endParaRPr lang="en-US" altLang="ko-KR" dirty="0"/>
+          </a:p>
+          <a:p>
+            <a:pPr>
+              <a:lnSpc>
+                <a:spcPct val="120000"/>
+              </a:lnSpc>
+            </a:pPr>
+            <a:r>
+              <a:rPr lang="en-US" altLang="ko-KR" dirty="0"/>
+              <a:t>--</a:t>
+            </a:r>
+            <a:r>
+              <a:rPr lang="en-US" altLang="ko-KR" dirty="0" err="1"/>
+              <a:t>create_midi</a:t>
+            </a:r>
+            <a:endParaRPr lang="en-US" altLang="ko-KR" dirty="0"/>
+          </a:p>
+          <a:p>
+            <a:pPr lvl="1">
+              <a:lnSpc>
+                <a:spcPct val="120000"/>
+              </a:lnSpc>
+            </a:pPr>
+            <a:r>
+              <a:rPr lang="en-US" altLang="ko-KR" dirty="0"/>
+              <a:t>.mid </a:t>
+            </a:r>
+            <a:r>
+              <a:rPr lang="ko-KR" altLang="en-US" dirty="0"/>
+              <a:t>파일을 생성함</a:t>
+            </a:r>
+            <a:endParaRPr lang="en-US" altLang="ko-KR" dirty="0"/>
+          </a:p>
+          <a:p>
+            <a:pPr lvl="1">
+              <a:lnSpc>
+                <a:spcPct val="120000"/>
+              </a:lnSpc>
+            </a:pPr>
+            <a:r>
+              <a:rPr lang="en-US" altLang="ko-KR" dirty="0"/>
+              <a:t>--</a:t>
+            </a:r>
+            <a:r>
+              <a:rPr lang="en-US" altLang="ko-KR" dirty="0" err="1"/>
+              <a:t>create_midi</a:t>
+            </a:r>
+            <a:r>
+              <a:rPr lang="en-US" altLang="ko-KR" dirty="0"/>
+              <a:t> </a:t>
+            </a:r>
+            <a:r>
+              <a:rPr lang="ko-KR" altLang="en-US" dirty="0"/>
+              <a:t>사용 시</a:t>
+            </a:r>
+            <a:r>
+              <a:rPr lang="en-US" altLang="ko-KR" dirty="0"/>
+              <a:t>, </a:t>
+            </a:r>
+            <a:r>
+              <a:rPr lang="en-US" altLang="ko-KR" dirty="0" err="1"/>
+              <a:t>real_time</a:t>
+            </a:r>
+            <a:r>
+              <a:rPr lang="ko-KR" altLang="en-US" dirty="0"/>
+              <a:t>과 </a:t>
+            </a:r>
+            <a:r>
+              <a:rPr lang="en-US" altLang="ko-KR" dirty="0" err="1"/>
+              <a:t>ignore_bpm</a:t>
+            </a:r>
+            <a:r>
+              <a:rPr lang="ko-KR" altLang="en-US" dirty="0"/>
+              <a:t>은 사용 불가</a:t>
             </a:r>
             <a:endParaRPr lang="en-US" altLang="ko-KR" dirty="0"/>
           </a:p>
@@ -6859,7 +7730,7 @@
     </p:spTree>
     <p:extLst>
       <p:ext uri="{BB962C8B-B14F-4D97-AF65-F5344CB8AC3E}">
-        <p14:creationId xmlns:p14="http://schemas.microsoft.com/office/powerpoint/2010/main" val="59874136"/>
+        <p14:creationId xmlns:p14="http://schemas.microsoft.com/office/powerpoint/2010/main" val="852900237"/>
       </p:ext>
     </p:extLst>
   </p:cSld>
@@ -6934,89 +7805,24 @@
             <p:ph idx="1"/>
           </p:nvPr>
         </p:nvSpPr>
-        <p:spPr>
-          <a:xfrm>
-            <a:off x="838200" y="1825624"/>
-            <a:ext cx="10515600" cy="5032375"/>
-          </a:xfrm>
-        </p:spPr>
+        <p:spPr/>
         <p:txBody>
           <a:bodyPr>
-            <a:normAutofit fontScale="47500" lnSpcReduction="20000"/>
+            <a:normAutofit/>
           </a:bodyPr>
           <a:lstStyle/>
           <a:p>
-            <a:pPr>
-              <a:lnSpc>
-                <a:spcPct val="120000"/>
-              </a:lnSpc>
-            </a:pPr>
             <a:r>
               <a:rPr lang="en-US" altLang="ko-KR" dirty="0" err="1"/>
-              <a:t>not_real_time</a:t>
-            </a:r>
-            <a:endParaRPr lang="en-US" altLang="ko-KR" dirty="0"/>
-          </a:p>
-          <a:p>
-            <a:pPr lvl="1">
-              <a:lnSpc>
-                <a:spcPct val="120000"/>
-              </a:lnSpc>
-            </a:pPr>
-            <a:r>
-              <a:rPr lang="ko-KR" altLang="en-US" dirty="0"/>
-              <a:t>클래스 형식으로 만듦</a:t>
-            </a:r>
-            <a:endParaRPr lang="en-US" altLang="ko-KR" dirty="0"/>
-          </a:p>
-          <a:p>
-            <a:pPr lvl="1">
-              <a:lnSpc>
-                <a:spcPct val="120000"/>
-              </a:lnSpc>
-            </a:pPr>
-            <a:r>
-              <a:rPr lang="en-US" altLang="ko-KR" dirty="0"/>
-              <a:t>run()</a:t>
-            </a:r>
-            <a:r>
-              <a:rPr lang="ko-KR" altLang="en-US" dirty="0"/>
-              <a:t> 함수를 통해 일련의 과정이 실행되어 결과물을 생성</a:t>
-            </a:r>
-            <a:endParaRPr lang="en-US" altLang="ko-KR" dirty="0"/>
-          </a:p>
-          <a:p>
-            <a:pPr lvl="1">
-              <a:lnSpc>
-                <a:spcPct val="120000"/>
-              </a:lnSpc>
-            </a:pPr>
-            <a:r>
-              <a:rPr lang="en-US" altLang="ko-KR" dirty="0"/>
-              <a:t>read()</a:t>
-            </a:r>
-          </a:p>
-          <a:p>
-            <a:pPr lvl="2">
-              <a:lnSpc>
-                <a:spcPct val="120000"/>
-              </a:lnSpc>
-            </a:pPr>
-            <a:r>
-              <a:rPr lang="ko-KR" altLang="en-US" dirty="0"/>
-              <a:t>음원을 읽어 들임</a:t>
-            </a:r>
-            <a:endParaRPr lang="en-US" altLang="ko-KR" dirty="0"/>
-          </a:p>
-          <a:p>
-            <a:pPr lvl="1">
-              <a:lnSpc>
-                <a:spcPct val="120000"/>
-              </a:lnSpc>
-            </a:pPr>
+              <a:t>LR_assign</a:t>
+            </a:r>
+            <a:endParaRPr lang="en-US" altLang="ko-KR" dirty="0"/>
+          </a:p>
+          <a:p>
+            <a:pPr lvl="1"/>
             <a:r>
               <a:rPr lang="en-US" altLang="ko-KR" dirty="0" err="1"/>
-              <a:t>get_time_info</a:t>
+              <a:t>separate_cc</a:t>
             </a:r>
             <a:r>
               <a:rPr lang="en-US" altLang="ko-KR" dirty="0"/>
@@ -7024,30 +7830,54 @@
             </a:r>
           </a:p>
           <a:p>
-            <a:pPr lvl="2">
-              <a:lnSpc>
-                <a:spcPct val="120000"/>
-              </a:lnSpc>
-            </a:pPr>
-            <a:r>
-              <a:rPr lang="en-US" altLang="ko-KR" dirty="0"/>
-              <a:t>BPM, onset </a:t>
-            </a:r>
-            <a:r>
-              <a:rPr lang="ko-KR" altLang="en-US" dirty="0"/>
-              <a:t>등 전처리에 필요한 정보 추출 및 저장</a:t>
-            </a:r>
-            <a:endParaRPr lang="en-US" altLang="ko-KR" dirty="0"/>
-          </a:p>
-          <a:p>
-            <a:pPr lvl="1">
-              <a:lnSpc>
-                <a:spcPct val="120000"/>
-              </a:lnSpc>
-            </a:pPr>
+            <a:pPr lvl="2"/>
+            <a:r>
+              <a:rPr lang="en-US" altLang="ko-KR" dirty="0"/>
+              <a:t>C (Crash) </a:t>
+            </a:r>
+            <a:r>
+              <a:rPr lang="ko-KR" altLang="en-US" dirty="0"/>
+              <a:t>클래스를 좌측의 </a:t>
+            </a:r>
+            <a:r>
+              <a:rPr lang="en-US" altLang="ko-KR" dirty="0"/>
+              <a:t>Crash (</a:t>
+            </a:r>
             <a:r>
               <a:rPr lang="en-US" altLang="ko-KR" dirty="0" err="1"/>
-              <a:t>chop_samples</a:t>
+              <a:t>cc_l</a:t>
+            </a:r>
+            <a:r>
+              <a:rPr lang="en-US" altLang="ko-KR" dirty="0"/>
+              <a:t>)</a:t>
+            </a:r>
+            <a:r>
+              <a:rPr lang="ko-KR" altLang="en-US" dirty="0"/>
+              <a:t>와 우측의 </a:t>
+            </a:r>
+            <a:r>
+              <a:rPr lang="en-US" altLang="ko-KR" dirty="0"/>
+              <a:t>Crash (</a:t>
+            </a:r>
+            <a:r>
+              <a:rPr lang="en-US" altLang="ko-KR" dirty="0" err="1"/>
+              <a:t>cc_r</a:t>
+            </a:r>
+            <a:r>
+              <a:rPr lang="en-US" altLang="ko-KR" dirty="0"/>
+              <a:t>)</a:t>
+            </a:r>
+            <a:r>
+              <a:rPr lang="ko-KR" altLang="en-US" dirty="0"/>
+              <a:t>로 나누어 줌</a:t>
+            </a:r>
+            <a:endParaRPr lang="en-US" altLang="ko-KR" dirty="0"/>
+          </a:p>
+          <a:p>
+            <a:pPr lvl="1"/>
+            <a:r>
+              <a:rPr lang="en-US" altLang="ko-KR" dirty="0" err="1"/>
+              <a:t>Foot_hand_separation</a:t>
             </a:r>
             <a:r>
               <a:rPr lang="en-US" altLang="ko-KR" dirty="0"/>
@@ -7055,89 +7885,105 @@
             </a:r>
           </a:p>
           <a:p>
-            <a:pPr lvl="2">
-              <a:lnSpc>
-                <a:spcPct val="120000"/>
-              </a:lnSpc>
-            </a:pPr>
-            <a:r>
-              <a:rPr lang="ko-KR" altLang="en-US" dirty="0"/>
-              <a:t>추출된 정보를 기반으로 멜 </a:t>
-            </a:r>
-            <a:r>
-              <a:rPr lang="ko-KR" altLang="en-US" dirty="0" err="1"/>
-              <a:t>스펙트로그램</a:t>
-            </a:r>
-            <a:r>
-              <a:rPr lang="ko-KR" altLang="en-US" dirty="0"/>
-              <a:t> 이미지 생성</a:t>
-            </a:r>
-            <a:endParaRPr lang="en-US" altLang="ko-KR" dirty="0"/>
-          </a:p>
-          <a:p>
-            <a:pPr lvl="1">
-              <a:lnSpc>
-                <a:spcPct val="120000"/>
-              </a:lnSpc>
-            </a:pPr>
-            <a:r>
-              <a:rPr lang="en-US" altLang="ko-KR" dirty="0"/>
-              <a:t>classify()</a:t>
-            </a:r>
-          </a:p>
-          <a:p>
-            <a:pPr lvl="2">
-              <a:lnSpc>
-                <a:spcPct val="120000"/>
-              </a:lnSpc>
-            </a:pPr>
-            <a:r>
-              <a:rPr lang="en-US" altLang="ko-KR" dirty="0"/>
-              <a:t>CNN </a:t>
-            </a:r>
-            <a:r>
-              <a:rPr lang="ko-KR" altLang="en-US" dirty="0"/>
-              <a:t>및 </a:t>
-            </a:r>
-            <a:r>
-              <a:rPr lang="en-US" altLang="ko-KR" dirty="0"/>
-              <a:t>RNN</a:t>
-            </a:r>
-            <a:r>
-              <a:rPr lang="ko-KR" altLang="en-US" dirty="0"/>
-              <a:t>을 사용하여 분류</a:t>
-            </a:r>
-            <a:endParaRPr lang="en-US" altLang="ko-KR" dirty="0"/>
-          </a:p>
-          <a:p>
-            <a:pPr lvl="2">
-              <a:lnSpc>
-                <a:spcPct val="120000"/>
-              </a:lnSpc>
-            </a:pPr>
-            <a:r>
-              <a:rPr lang="en-US" altLang="ko-KR" dirty="0"/>
-              <a:t>parser</a:t>
-            </a:r>
-            <a:r>
-              <a:rPr lang="ko-KR" altLang="en-US" dirty="0"/>
-              <a:t>에서 </a:t>
-            </a:r>
-            <a:r>
-              <a:rPr lang="en-US" altLang="ko-KR" dirty="0"/>
-              <a:t>--</a:t>
-            </a:r>
+            <a:pPr lvl="2"/>
+            <a:r>
+              <a:rPr lang="ko-KR" altLang="en-US" dirty="0"/>
+              <a:t>손동작과 발동작을 나누어 주고 후처리를 위해 </a:t>
+            </a:r>
+            <a:r>
+              <a:rPr lang="en-US" altLang="ko-KR" dirty="0"/>
+              <a:t>CH,OH</a:t>
+            </a:r>
+            <a:r>
+              <a:rPr lang="ko-KR" altLang="en-US" dirty="0"/>
+              <a:t>가 </a:t>
+            </a:r>
+            <a:r>
+              <a:rPr lang="en-US" altLang="ko-KR" dirty="0"/>
+              <a:t>HH</a:t>
+            </a:r>
+            <a:r>
+              <a:rPr lang="ko-KR" altLang="en-US" dirty="0"/>
+              <a:t>로 통일됨</a:t>
+            </a:r>
+            <a:endParaRPr lang="en-US" altLang="ko-KR" dirty="0"/>
+          </a:p>
+          <a:p>
+            <a:pPr lvl="2"/>
+            <a:r>
+              <a:rPr lang="ko-KR" altLang="en-US" dirty="0"/>
+              <a:t>기본적으로 </a:t>
+            </a:r>
+            <a:r>
+              <a:rPr lang="en-US" altLang="ko-KR" dirty="0"/>
+              <a:t>hi-hat </a:t>
+            </a:r>
+            <a:r>
+              <a:rPr lang="ko-KR" altLang="en-US" dirty="0"/>
+              <a:t>페달은 </a:t>
+            </a:r>
+            <a:r>
+              <a:rPr lang="en-US" altLang="ko-KR" dirty="0"/>
+              <a:t>open-hat</a:t>
+            </a:r>
+            <a:r>
+              <a:rPr lang="ko-KR" altLang="en-US" dirty="0"/>
+              <a:t>을 연주할 때를 제외하면 전부 밟게 설정함</a:t>
+            </a:r>
+            <a:endParaRPr lang="en-US" altLang="ko-KR" dirty="0"/>
+          </a:p>
+          <a:p>
+            <a:pPr lvl="1"/>
             <a:r>
               <a:rPr lang="en-US" altLang="ko-KR" dirty="0" err="1"/>
-              <a:t>use_rnn</a:t>
-            </a:r>
-            <a:r>
-              <a:rPr lang="ko-KR" altLang="en-US" dirty="0"/>
-              <a:t>을 입력하지 않았을 경우 단순히 </a:t>
-            </a:r>
-            <a:r>
-              <a:rPr lang="en-US" altLang="ko-KR" dirty="0"/>
-              <a:t>CNN</a:t>
+              <a:t>First_progress</a:t>
+            </a:r>
+            <a:r>
+              <a:rPr lang="en-US" altLang="ko-KR" dirty="0"/>
+              <a:t>() / </a:t>
+            </a:r>
+            <a:r>
+              <a:rPr lang="en-US" altLang="ko-KR" dirty="0" err="1"/>
+              <a:t>second_progress</a:t>
+            </a:r>
+            <a:r>
+              <a:rPr lang="en-US" altLang="ko-KR" dirty="0"/>
+              <a:t>()</a:t>
+            </a:r>
+          </a:p>
+          <a:p>
+            <a:pPr lvl="2"/>
+            <a:r>
+              <a:rPr lang="ko-KR" altLang="en-US" dirty="0"/>
+              <a:t>특정 논리에 따라 왼손</a:t>
+            </a:r>
+            <a:r>
+              <a:rPr lang="en-US" altLang="ko-KR" dirty="0"/>
+              <a:t>/</a:t>
+            </a:r>
+            <a:r>
+              <a:rPr lang="ko-KR" altLang="en-US" dirty="0"/>
+              <a:t>오른손을 할당 함</a:t>
+            </a:r>
+            <a:endParaRPr lang="en-US" altLang="ko-KR" dirty="0"/>
+          </a:p>
+          <a:p>
+            <a:pPr lvl="2"/>
+            <a:r>
+              <a:rPr lang="ko-KR" altLang="en-US" dirty="0"/>
+              <a:t>내용은 모름</a:t>
+            </a:r>
+            <a:endParaRPr lang="en-US" altLang="ko-KR" dirty="0"/>
+          </a:p>
+          <a:p>
+            <a:pPr lvl="1"/>
+            <a:r>
+              <a:rPr lang="ko-KR" altLang="en-US" dirty="0"/>
+              <a:t>과정은 </a:t>
+            </a:r>
+            <a:r>
+              <a:rPr lang="en-US" altLang="ko-KR" dirty="0"/>
+              <a:t>not_real_time.py </a:t>
             </a:r>
             <a:r>
               <a:rPr lang="ko-KR" altLang="en-US" dirty="0"/>
@@ -7145,335 +7991,11 @@
             </a:r>
             <a:r>
               <a:rPr lang="en-US" altLang="ko-KR" dirty="0"/>
-              <a:t>argmax </a:t>
-            </a:r>
-            <a:r>
-              <a:rPr lang="ko-KR" altLang="en-US" dirty="0"/>
-              <a:t>로 분류</a:t>
-            </a:r>
-            <a:endParaRPr lang="en-US" altLang="ko-KR" dirty="0"/>
-          </a:p>
-          <a:p>
-            <a:pPr lvl="2">
-              <a:lnSpc>
-                <a:spcPct val="120000"/>
-              </a:lnSpc>
-            </a:pPr>
-            <a:r>
-              <a:rPr lang="en-US" altLang="ko-KR" dirty="0"/>
-              <a:t>--</a:t>
-            </a:r>
-            <a:r>
-              <a:rPr lang="en-US" altLang="ko-KR" dirty="0" err="1"/>
-              <a:t>use_rnn</a:t>
-            </a:r>
-            <a:r>
-              <a:rPr lang="en-US" altLang="ko-KR" dirty="0"/>
-              <a:t> </a:t>
-            </a:r>
-            <a:r>
-              <a:rPr lang="ko-KR" altLang="en-US" dirty="0"/>
-              <a:t>시 </a:t>
-            </a:r>
-            <a:r>
-              <a:rPr lang="en-US" altLang="ko-KR" dirty="0"/>
-              <a:t>CNN </a:t>
-            </a:r>
-            <a:r>
-              <a:rPr lang="en-US" altLang="ko-KR" dirty="0" err="1"/>
-              <a:t>softmax</a:t>
-            </a:r>
-            <a:r>
-              <a:rPr lang="ko-KR" altLang="en-US" dirty="0"/>
-              <a:t>의</a:t>
-            </a:r>
-            <a:r>
-              <a:rPr lang="en-US" altLang="ko-KR" dirty="0"/>
-              <a:t> </a:t>
-            </a:r>
-            <a:r>
-              <a:rPr lang="ko-KR" altLang="en-US" dirty="0"/>
-              <a:t>최대값이 </a:t>
-            </a:r>
-            <a:r>
-              <a:rPr lang="en-US" altLang="ko-KR" dirty="0"/>
-              <a:t>0.7</a:t>
-            </a:r>
-            <a:r>
-              <a:rPr lang="ko-KR" altLang="en-US" dirty="0"/>
-              <a:t>을 넘지 않을 경우 </a:t>
-            </a:r>
-            <a:r>
-              <a:rPr lang="en-US" altLang="ko-KR" dirty="0"/>
-              <a:t>RNN </a:t>
-            </a:r>
-            <a:r>
-              <a:rPr lang="ko-KR" altLang="en-US" dirty="0"/>
-              <a:t>모델을 호출하여 계산 및 </a:t>
-            </a:r>
-            <a:r>
-              <a:rPr lang="en-US" altLang="ko-KR" dirty="0"/>
-              <a:t>element-wise product </a:t>
-            </a:r>
-            <a:r>
-              <a:rPr lang="ko-KR" altLang="en-US" dirty="0"/>
-              <a:t>를 하여 최대값으로 최종결과를 선택</a:t>
-            </a:r>
-            <a:endParaRPr lang="en-US" altLang="ko-KR" dirty="0"/>
-          </a:p>
-          <a:p>
-            <a:pPr lvl="1">
-              <a:lnSpc>
-                <a:spcPct val="120000"/>
-              </a:lnSpc>
-            </a:pPr>
-            <a:r>
-              <a:rPr lang="en-US" altLang="ko-KR" dirty="0"/>
-              <a:t>prd2text()</a:t>
-            </a:r>
-          </a:p>
-          <a:p>
-            <a:pPr lvl="2">
-              <a:lnSpc>
-                <a:spcPct val="120000"/>
-              </a:lnSpc>
-            </a:pPr>
-            <a:r>
-              <a:rPr lang="ko-KR" altLang="en-US" dirty="0"/>
-              <a:t>손</a:t>
-            </a:r>
-            <a:r>
-              <a:rPr lang="en-US" altLang="ko-KR" dirty="0"/>
-              <a:t>/</a:t>
-            </a:r>
-            <a:r>
-              <a:rPr lang="ko-KR" altLang="en-US" dirty="0"/>
-              <a:t>발 매핑이 이루어진 후 텍스트 파일로 저장</a:t>
-            </a:r>
-            <a:endParaRPr lang="en-US" altLang="ko-KR" dirty="0"/>
-          </a:p>
-          <a:p>
-            <a:pPr lvl="2">
-              <a:lnSpc>
-                <a:spcPct val="120000"/>
-              </a:lnSpc>
-            </a:pPr>
-            <a:r>
-              <a:rPr lang="en-US" altLang="ko-KR" dirty="0"/>
-              <a:t>--</a:t>
-            </a:r>
-            <a:r>
-              <a:rPr lang="en-US" altLang="ko-KR" dirty="0" err="1"/>
-              <a:t>ignore_bpm</a:t>
-            </a:r>
-            <a:r>
-              <a:rPr lang="ko-KR" altLang="en-US" dirty="0"/>
-              <a:t>을 옵션으로 넣었을 경우 텍스트 파일의 시간 간격은 절대시간 단위가 됨</a:t>
-            </a:r>
-            <a:endParaRPr lang="en-US" altLang="ko-KR" dirty="0"/>
-          </a:p>
-          <a:p>
-            <a:pPr lvl="2">
-              <a:lnSpc>
-                <a:spcPct val="120000"/>
-              </a:lnSpc>
-            </a:pPr>
-            <a:r>
-              <a:rPr lang="ko-KR" altLang="en-US" dirty="0"/>
-              <a:t>넣지 않았을 경우 텍스트 파일 맨 위에 </a:t>
-            </a:r>
-            <a:r>
-              <a:rPr lang="en-US" altLang="ko-KR" dirty="0"/>
-              <a:t>bpm </a:t>
-            </a:r>
-            <a:r>
-              <a:rPr lang="ko-KR" altLang="en-US" dirty="0"/>
-              <a:t>정보가 같이 저장되며</a:t>
-            </a:r>
-            <a:r>
-              <a:rPr lang="en-US" altLang="ko-KR" dirty="0"/>
-              <a:t>, </a:t>
-            </a:r>
-            <a:r>
-              <a:rPr lang="ko-KR" altLang="en-US" dirty="0"/>
-              <a:t>상대시간으로 계산됨 </a:t>
-            </a:r>
-            <a:r>
-              <a:rPr lang="en-US" altLang="ko-KR" dirty="0"/>
-              <a:t>(0.300 = 1</a:t>
-            </a:r>
-            <a:r>
-              <a:rPr lang="ko-KR" altLang="en-US" dirty="0"/>
-              <a:t>박</a:t>
-            </a:r>
-            <a:r>
-              <a:rPr lang="en-US" altLang="ko-KR" dirty="0"/>
-              <a:t>)</a:t>
-            </a:r>
-          </a:p>
-          <a:p>
-            <a:pPr lvl="1">
-              <a:lnSpc>
-                <a:spcPct val="120000"/>
-              </a:lnSpc>
-            </a:pPr>
-            <a:r>
-              <a:rPr lang="en-US" altLang="ko-KR" dirty="0"/>
-              <a:t>midi()</a:t>
-            </a:r>
-          </a:p>
-          <a:p>
-            <a:pPr lvl="2">
-              <a:lnSpc>
-                <a:spcPct val="120000"/>
-              </a:lnSpc>
-            </a:pPr>
-            <a:r>
-              <a:rPr lang="ko-KR" altLang="en-US" dirty="0"/>
-              <a:t>빈 </a:t>
-            </a:r>
-            <a:r>
-              <a:rPr lang="en-US" altLang="ko-KR" dirty="0"/>
-              <a:t>midi </a:t>
-            </a:r>
-            <a:r>
-              <a:rPr lang="ko-KR" altLang="en-US" dirty="0"/>
-              <a:t>파일 생성 후 </a:t>
-            </a:r>
-            <a:r>
-              <a:rPr lang="en-US" altLang="ko-KR" dirty="0" err="1"/>
-              <a:t>ticks_per_beat</a:t>
-            </a:r>
-            <a:r>
-              <a:rPr lang="ko-KR" altLang="en-US" dirty="0"/>
-              <a:t>를 </a:t>
-            </a:r>
-            <a:r>
-              <a:rPr lang="en-US" altLang="ko-KR" dirty="0"/>
-              <a:t>600</a:t>
-            </a:r>
-            <a:r>
-              <a:rPr lang="ko-KR" altLang="en-US" dirty="0"/>
-              <a:t>으로 고정 </a:t>
-            </a:r>
-            <a:r>
-              <a:rPr lang="en-US" altLang="ko-KR" dirty="0"/>
-              <a:t>(600time = 1</a:t>
-            </a:r>
-            <a:r>
-              <a:rPr lang="ko-KR" altLang="en-US" dirty="0"/>
-              <a:t>박자</a:t>
-            </a:r>
-            <a:r>
-              <a:rPr lang="en-US" altLang="ko-KR" dirty="0"/>
-              <a:t>)</a:t>
-            </a:r>
-          </a:p>
-          <a:p>
-            <a:pPr lvl="2">
-              <a:lnSpc>
-                <a:spcPct val="120000"/>
-              </a:lnSpc>
-            </a:pPr>
-            <a:r>
-              <a:rPr lang="ko-KR" altLang="en-US" dirty="0"/>
-              <a:t>드럼</a:t>
-            </a:r>
-            <a:r>
-              <a:rPr lang="en-US" altLang="ko-KR" dirty="0"/>
-              <a:t>-MIDI note</a:t>
-            </a:r>
-            <a:r>
-              <a:rPr lang="ko-KR" altLang="en-US" dirty="0"/>
-              <a:t>의 매핑은 </a:t>
-            </a:r>
-            <a:r>
-              <a:rPr lang="en-US" altLang="ko-KR" dirty="0"/>
-              <a:t>GM Standard </a:t>
-            </a:r>
-            <a:r>
-              <a:rPr lang="ko-KR" altLang="en-US" dirty="0"/>
-              <a:t>를 따름</a:t>
-            </a:r>
-            <a:r>
-              <a:rPr lang="en-US" altLang="ko-KR" dirty="0"/>
-              <a:t>. </a:t>
-            </a:r>
-            <a:r>
-              <a:rPr lang="ko-KR" altLang="en-US" dirty="0"/>
-              <a:t>단</a:t>
-            </a:r>
-            <a:r>
-              <a:rPr lang="en-US" altLang="ko-KR" dirty="0"/>
-              <a:t>, Crash</a:t>
-            </a:r>
-            <a:r>
-              <a:rPr lang="ko-KR" altLang="en-US" dirty="0"/>
-              <a:t>의 경우 두 개를 사용하고 있기 때문에 두 가지를 사용함</a:t>
-            </a:r>
-            <a:r>
-              <a:rPr lang="en-US" altLang="ko-KR" dirty="0"/>
-              <a:t>. </a:t>
-            </a:r>
-            <a:r>
-              <a:rPr lang="ko-KR" altLang="en-US" dirty="0"/>
-              <a:t>소리가 나지 않을 시 </a:t>
-            </a:r>
-            <a:r>
-              <a:rPr lang="ko-KR" altLang="en-US" dirty="0" err="1"/>
-              <a:t>대체제</a:t>
-            </a:r>
-            <a:r>
-              <a:rPr lang="ko-KR" altLang="en-US" dirty="0"/>
-              <a:t> 후보 </a:t>
-            </a:r>
-            <a:r>
-              <a:rPr lang="en-US" altLang="ko-KR" dirty="0"/>
-              <a:t>2</a:t>
-            </a:r>
-            <a:r>
-              <a:rPr lang="ko-KR" altLang="en-US" dirty="0"/>
-              <a:t>개의 매핑 또한 주석처리 되어있음</a:t>
-            </a:r>
-            <a:endParaRPr lang="en-US" altLang="ko-KR" dirty="0"/>
-          </a:p>
-          <a:p>
-            <a:pPr lvl="2">
-              <a:lnSpc>
-                <a:spcPct val="120000"/>
-              </a:lnSpc>
-            </a:pPr>
-            <a:r>
-              <a:rPr lang="en-US" altLang="ko-KR" dirty="0"/>
-              <a:t>midi</a:t>
-            </a:r>
-            <a:r>
-              <a:rPr lang="ko-KR" altLang="en-US" dirty="0"/>
-              <a:t>의 </a:t>
-            </a:r>
-            <a:r>
-              <a:rPr lang="en-US" altLang="ko-KR" dirty="0" err="1"/>
-              <a:t>note_off</a:t>
-            </a:r>
-            <a:r>
-              <a:rPr lang="en-US" altLang="ko-KR" dirty="0"/>
-              <a:t> </a:t>
-            </a:r>
-            <a:r>
-              <a:rPr lang="ko-KR" altLang="en-US" dirty="0"/>
-              <a:t>이벤트는 두 </a:t>
-            </a:r>
-            <a:r>
-              <a:rPr lang="en-US" altLang="ko-KR" dirty="0" err="1"/>
-              <a:t>note_on</a:t>
-            </a:r>
-            <a:r>
-              <a:rPr lang="en-US" altLang="ko-KR" dirty="0"/>
-              <a:t> </a:t>
-            </a:r>
-            <a:r>
-              <a:rPr lang="ko-KR" altLang="en-US" dirty="0"/>
-              <a:t>이벤트의 중간에 생김</a:t>
+              <a:t>150-155 </a:t>
+            </a:r>
+            <a:r>
+              <a:rPr lang="ko-KR" altLang="en-US" dirty="0"/>
+              <a:t>줄 참조</a:t>
             </a:r>
             <a:endParaRPr lang="en-US" altLang="ko-KR" dirty="0"/>
           </a:p>
@@ -7482,7 +8004,7 @@
     </p:spTree>
     <p:extLst>
       <p:ext uri="{BB962C8B-B14F-4D97-AF65-F5344CB8AC3E}">
-        <p14:creationId xmlns:p14="http://schemas.microsoft.com/office/powerpoint/2010/main" val="3559316315"/>
+        <p14:creationId xmlns:p14="http://schemas.microsoft.com/office/powerpoint/2010/main" val="932298666"/>
       </p:ext>
     </p:extLst>
   </p:cSld>

--- a/청음지능 인수인계.pptx
+++ b/청음지능 인수인계.pptx
@@ -277,7 +277,7 @@
           <a:p>
             <a:fld id="{D45358FD-DAE3-422B-99FD-BBD3EDE35CB3}" type="datetimeFigureOut">
               <a:rPr lang="ko-KR" altLang="en-US" smtClean="0"/>
-              <a:t>23-11-28</a:t>
+              <a:t>23-12-4</a:t>
             </a:fld>
             <a:endParaRPr lang="ko-KR" altLang="en-US"/>
           </a:p>
@@ -475,7 +475,7 @@
           <a:p>
             <a:fld id="{D45358FD-DAE3-422B-99FD-BBD3EDE35CB3}" type="datetimeFigureOut">
               <a:rPr lang="ko-KR" altLang="en-US" smtClean="0"/>
-              <a:t>23-11-28</a:t>
+              <a:t>23-12-4</a:t>
             </a:fld>
             <a:endParaRPr lang="ko-KR" altLang="en-US"/>
           </a:p>
@@ -683,7 +683,7 @@
           <a:p>
             <a:fld id="{D45358FD-DAE3-422B-99FD-BBD3EDE35CB3}" type="datetimeFigureOut">
               <a:rPr lang="ko-KR" altLang="en-US" smtClean="0"/>
-              <a:t>23-11-28</a:t>
+              <a:t>23-12-4</a:t>
             </a:fld>
             <a:endParaRPr lang="ko-KR" altLang="en-US"/>
           </a:p>
@@ -881,7 +881,7 @@
           <a:p>
             <a:fld id="{D45358FD-DAE3-422B-99FD-BBD3EDE35CB3}" type="datetimeFigureOut">
               <a:rPr lang="ko-KR" altLang="en-US" smtClean="0"/>
-              <a:t>23-11-28</a:t>
+              <a:t>23-12-4</a:t>
             </a:fld>
             <a:endParaRPr lang="ko-KR" altLang="en-US"/>
           </a:p>
@@ -1156,7 +1156,7 @@
           <a:p>
             <a:fld id="{D45358FD-DAE3-422B-99FD-BBD3EDE35CB3}" type="datetimeFigureOut">
               <a:rPr lang="ko-KR" altLang="en-US" smtClean="0"/>
-              <a:t>23-11-28</a:t>
+              <a:t>23-12-4</a:t>
             </a:fld>
             <a:endParaRPr lang="ko-KR" altLang="en-US"/>
           </a:p>
@@ -1421,7 +1421,7 @@
           <a:p>
             <a:fld id="{D45358FD-DAE3-422B-99FD-BBD3EDE35CB3}" type="datetimeFigureOut">
               <a:rPr lang="ko-KR" altLang="en-US" smtClean="0"/>
-              <a:t>23-11-28</a:t>
+              <a:t>23-12-4</a:t>
             </a:fld>
             <a:endParaRPr lang="ko-KR" altLang="en-US"/>
           </a:p>
@@ -1833,7 +1833,7 @@
           <a:p>
             <a:fld id="{D45358FD-DAE3-422B-99FD-BBD3EDE35CB3}" type="datetimeFigureOut">
               <a:rPr lang="ko-KR" altLang="en-US" smtClean="0"/>
-              <a:t>23-11-28</a:t>
+              <a:t>23-12-4</a:t>
             </a:fld>
             <a:endParaRPr lang="ko-KR" altLang="en-US"/>
           </a:p>
@@ -1974,7 +1974,7 @@
           <a:p>
             <a:fld id="{D45358FD-DAE3-422B-99FD-BBD3EDE35CB3}" type="datetimeFigureOut">
               <a:rPr lang="ko-KR" altLang="en-US" smtClean="0"/>
-              <a:t>23-11-28</a:t>
+              <a:t>23-12-4</a:t>
             </a:fld>
             <a:endParaRPr lang="ko-KR" altLang="en-US"/>
           </a:p>
@@ -2087,7 +2087,7 @@
           <a:p>
             <a:fld id="{D45358FD-DAE3-422B-99FD-BBD3EDE35CB3}" type="datetimeFigureOut">
               <a:rPr lang="ko-KR" altLang="en-US" smtClean="0"/>
-              <a:t>23-11-28</a:t>
+              <a:t>23-12-4</a:t>
             </a:fld>
             <a:endParaRPr lang="ko-KR" altLang="en-US"/>
           </a:p>
@@ -2398,7 +2398,7 @@
           <a:p>
             <a:fld id="{D45358FD-DAE3-422B-99FD-BBD3EDE35CB3}" type="datetimeFigureOut">
               <a:rPr lang="ko-KR" altLang="en-US" smtClean="0"/>
-              <a:t>23-11-28</a:t>
+              <a:t>23-12-4</a:t>
             </a:fld>
             <a:endParaRPr lang="ko-KR" altLang="en-US"/>
           </a:p>
@@ -2686,7 +2686,7 @@
           <a:p>
             <a:fld id="{D45358FD-DAE3-422B-99FD-BBD3EDE35CB3}" type="datetimeFigureOut">
               <a:rPr lang="ko-KR" altLang="en-US" smtClean="0"/>
-              <a:t>23-11-28</a:t>
+              <a:t>23-12-4</a:t>
             </a:fld>
             <a:endParaRPr lang="ko-KR" altLang="en-US"/>
           </a:p>
@@ -2932,7 +2932,7 @@
           <a:p>
             <a:fld id="{D45358FD-DAE3-422B-99FD-BBD3EDE35CB3}" type="datetimeFigureOut">
               <a:rPr lang="ko-KR" altLang="en-US" smtClean="0"/>
-              <a:t>23-11-28</a:t>
+              <a:t>23-12-4</a:t>
             </a:fld>
             <a:endParaRPr lang="ko-KR" altLang="en-US"/>
           </a:p>
@@ -5592,7 +5592,7 @@
         <p:spPr/>
         <p:txBody>
           <a:bodyPr>
-            <a:normAutofit fontScale="62500" lnSpcReduction="20000"/>
+            <a:normAutofit fontScale="55000" lnSpcReduction="20000"/>
           </a:bodyPr>
           <a:lstStyle/>
           <a:p>
@@ -5727,7 +5727,9 @@
               <a:rPr lang="ko-KR" altLang="en-US" dirty="0"/>
               <a:t>추가 입력</a:t>
             </a:r>
-            <a:endParaRPr lang="en-US" altLang="ko-KR" dirty="0"/>
+            <a:endParaRPr lang="en-US" altLang="ko-KR" dirty="0">
+              <a:hlinkClick r:id="rId3"/>
+            </a:endParaRPr>
           </a:p>
           <a:p>
             <a:pPr>
@@ -5797,7 +5799,53 @@
               <a:rPr lang="en-US" altLang="ko-KR" dirty="0"/>
               <a:t>!!!</a:t>
             </a:r>
-            <a:endParaRPr lang="ko-KR" altLang="en-US" dirty="0"/>
+          </a:p>
+          <a:p>
+            <a:pPr>
+              <a:lnSpc>
+                <a:spcPct val="150000"/>
+              </a:lnSpc>
+            </a:pPr>
+            <a:r>
+              <a:rPr lang="en-US" altLang="ko-KR" dirty="0"/>
+              <a:t>./</a:t>
+            </a:r>
+            <a:r>
+              <a:rPr lang="en-US" altLang="ko-KR" dirty="0" err="1"/>
+              <a:t>Imsi</a:t>
+            </a:r>
+            <a:r>
+              <a:rPr lang="en-US" altLang="ko-KR" dirty="0"/>
+              <a:t>/</a:t>
+            </a:r>
+            <a:r>
+              <a:rPr lang="en-US" altLang="ko-KR" dirty="0" err="1"/>
+              <a:t>mel</a:t>
+            </a:r>
+            <a:r>
+              <a:rPr lang="en-US" altLang="ko-KR" dirty="0"/>
+              <a:t> </a:t>
+            </a:r>
+            <a:r>
+              <a:rPr lang="ko-KR" altLang="en-US" dirty="0"/>
+              <a:t>디렉토리 내 </a:t>
+            </a:r>
+            <a:r>
+              <a:rPr lang="en-US" altLang="ko-KR" dirty="0"/>
+              <a:t>.</a:t>
+            </a:r>
+            <a:r>
+              <a:rPr lang="en-US" altLang="ko-KR" dirty="0" err="1"/>
+              <a:t>gitkeep</a:t>
+            </a:r>
+            <a:r>
+              <a:rPr lang="en-US" altLang="ko-KR" dirty="0"/>
+              <a:t> </a:t>
+            </a:r>
+            <a:r>
+              <a:rPr lang="ko-KR" altLang="en-US" dirty="0"/>
+              <a:t>파일 삭제</a:t>
+            </a:r>
           </a:p>
         </p:txBody>
       </p:sp>
